--- a/argo_learnings.pptx
+++ b/argo_learnings.pptx
@@ -5,10 +5,10 @@
     <p:sldMasterId id="2147483648" r:id="rId4"/>
   </p:sldMasterIdLst>
   <p:notesMasterIdLst>
-    <p:notesMasterId r:id="rId14"/>
+    <p:notesMasterId r:id="rId15"/>
   </p:notesMasterIdLst>
   <p:handoutMasterIdLst>
-    <p:handoutMasterId r:id="rId15"/>
+    <p:handoutMasterId r:id="rId16"/>
   </p:handoutMasterIdLst>
   <p:sldIdLst>
     <p:sldId id="256" r:id="rId5"/>
@@ -17,9 +17,10 @@
     <p:sldId id="275" r:id="rId8"/>
     <p:sldId id="276" r:id="rId9"/>
     <p:sldId id="277" r:id="rId10"/>
-    <p:sldId id="262" r:id="rId11"/>
-    <p:sldId id="260" r:id="rId12"/>
-    <p:sldId id="266" r:id="rId13"/>
+    <p:sldId id="278" r:id="rId11"/>
+    <p:sldId id="262" r:id="rId12"/>
+    <p:sldId id="260" r:id="rId13"/>
+    <p:sldId id="266" r:id="rId14"/>
   </p:sldIdLst>
   <p:sldSz cx="12192000" cy="6858000"/>
   <p:notesSz cx="6858000" cy="9144000"/>
@@ -223,7 +224,7 @@
           <a:p>
             <a:fld id="{B56F32FC-4BD9-442A-A8C6-51598C909FE3}" type="datetimeFigureOut">
               <a:rPr lang="en-US" smtClean="0"/>
-              <a:t>5/10/2023</a:t>
+              <a:t>5/11/2023</a:t>
             </a:fld>
             <a:endParaRPr lang="en-US" dirty="0"/>
           </a:p>
@@ -400,7 +401,7 @@
           <a:p>
             <a:fld id="{056371FA-A98D-41E8-93F4-09945841298A}" type="datetimeFigureOut">
               <a:rPr lang="en-US" smtClean="0"/>
-              <a:t>5/10/2023</a:t>
+              <a:t>5/11/2023</a:t>
             </a:fld>
             <a:endParaRPr lang="en-US" dirty="0"/>
           </a:p>
@@ -9553,6 +9554,217 @@
 </p:sld>
 </file>
 
+<file path=ppt/slides/slide10.xml><?xml version="1.0" encoding="utf-8"?>
+<p:sld xmlns:a="http://schemas.openxmlformats.org/drawingml/2006/main" xmlns:r="http://schemas.openxmlformats.org/officeDocument/2006/relationships" xmlns:p="http://schemas.openxmlformats.org/presentationml/2006/main">
+  <p:cSld>
+    <p:spTree>
+      <p:nvGrpSpPr>
+        <p:cNvPr id="1" name=""/>
+        <p:cNvGrpSpPr/>
+        <p:nvPr/>
+      </p:nvGrpSpPr>
+      <p:grpSpPr>
+        <a:xfrm>
+          <a:off x="0" y="0"/>
+          <a:ext cx="0" cy="0"/>
+          <a:chOff x="0" y="0"/>
+          <a:chExt cx="0" cy="0"/>
+        </a:xfrm>
+      </p:grpSpPr>
+      <p:sp>
+        <p:nvSpPr>
+          <p:cNvPr id="2" name="Title 1">
+            <a:extLst>
+              <a:ext uri="{FF2B5EF4-FFF2-40B4-BE49-F238E27FC236}">
+                <a16:creationId xmlns:a16="http://schemas.microsoft.com/office/drawing/2014/main" id="{4518FC28-E0BD-4387-B8BE-9965D1A57FF1}"/>
+              </a:ext>
+            </a:extLst>
+          </p:cNvPr>
+          <p:cNvSpPr>
+            <a:spLocks noGrp="1"/>
+          </p:cNvSpPr>
+          <p:nvPr>
+            <p:ph type="title"/>
+          </p:nvPr>
+        </p:nvSpPr>
+        <p:spPr>
+          <a:xfrm>
+            <a:off x="5476875" y="1671638"/>
+            <a:ext cx="5111750" cy="1204912"/>
+          </a:xfrm>
+        </p:spPr>
+        <p:txBody>
+          <a:bodyPr/>
+          <a:lstStyle/>
+          <a:p>
+            <a:r>
+              <a:rPr lang="en-US" dirty="0"/>
+              <a:t>SUMMARY</a:t>
+            </a:r>
+          </a:p>
+        </p:txBody>
+      </p:sp>
+      <p:sp>
+        <p:nvSpPr>
+          <p:cNvPr id="3" name="Text Placeholder 2">
+            <a:extLst>
+              <a:ext uri="{FF2B5EF4-FFF2-40B4-BE49-F238E27FC236}">
+                <a16:creationId xmlns:a16="http://schemas.microsoft.com/office/drawing/2014/main" id="{FED19BCA-B61F-4EA6-A1FB-CCA3BD8506FB}"/>
+              </a:ext>
+            </a:extLst>
+          </p:cNvPr>
+          <p:cNvSpPr>
+            <a:spLocks noGrp="1"/>
+          </p:cNvSpPr>
+          <p:nvPr>
+            <p:ph type="body" idx="1"/>
+          </p:nvPr>
+        </p:nvSpPr>
+        <p:spPr>
+          <a:xfrm>
+            <a:off x="5476875" y="3429000"/>
+            <a:ext cx="5111750" cy="2105526"/>
+          </a:xfrm>
+        </p:spPr>
+        <p:txBody>
+          <a:bodyPr>
+            <a:normAutofit/>
+          </a:bodyPr>
+          <a:lstStyle/>
+          <a:p>
+            <a:r>
+              <a:rPr lang="en-US" dirty="0"/>
+              <a:t>We learnt few features of node js, which enables us to design a MVC application where middleware interacts with backend. </a:t>
+            </a:r>
+          </a:p>
+          <a:p>
+            <a:r>
+              <a:rPr lang="en-US" dirty="0"/>
+              <a:t>We user atlas mongo db as our database, which is primarily used for node js</a:t>
+            </a:r>
+          </a:p>
+          <a:p>
+            <a:r>
+              <a:rPr lang="en-US" dirty="0"/>
+              <a:t>Always prefer node js for faster applications and not for CPU intensive applications</a:t>
+            </a:r>
+          </a:p>
+        </p:txBody>
+      </p:sp>
+      <p:sp>
+        <p:nvSpPr>
+          <p:cNvPr id="4" name="Date Placeholder 3">
+            <a:extLst>
+              <a:ext uri="{FF2B5EF4-FFF2-40B4-BE49-F238E27FC236}">
+                <a16:creationId xmlns:a16="http://schemas.microsoft.com/office/drawing/2014/main" id="{00560550-EE65-43CE-B899-F421E74287A1}"/>
+              </a:ext>
+            </a:extLst>
+          </p:cNvPr>
+          <p:cNvSpPr>
+            <a:spLocks noGrp="1"/>
+          </p:cNvSpPr>
+          <p:nvPr>
+            <p:ph type="dt" sz="half" idx="10"/>
+          </p:nvPr>
+        </p:nvSpPr>
+        <p:spPr>
+          <a:xfrm>
+            <a:off x="838200" y="6356350"/>
+            <a:ext cx="2743200" cy="365125"/>
+          </a:xfrm>
+        </p:spPr>
+        <p:txBody>
+          <a:bodyPr/>
+          <a:lstStyle/>
+          <a:p>
+            <a:r>
+              <a:rPr lang="en-US" dirty="0"/>
+              <a:t>20XX</a:t>
+            </a:r>
+          </a:p>
+        </p:txBody>
+      </p:sp>
+      <p:sp>
+        <p:nvSpPr>
+          <p:cNvPr id="5" name="Footer Placeholder 4">
+            <a:extLst>
+              <a:ext uri="{FF2B5EF4-FFF2-40B4-BE49-F238E27FC236}">
+                <a16:creationId xmlns:a16="http://schemas.microsoft.com/office/drawing/2014/main" id="{4135E32A-1A8C-43D2-9C6E-12887B4DEDFB}"/>
+              </a:ext>
+            </a:extLst>
+          </p:cNvPr>
+          <p:cNvSpPr>
+            <a:spLocks noGrp="1"/>
+          </p:cNvSpPr>
+          <p:nvPr>
+            <p:ph type="ftr" sz="quarter" idx="11"/>
+          </p:nvPr>
+        </p:nvSpPr>
+        <p:spPr>
+          <a:xfrm>
+            <a:off x="4038600" y="6356350"/>
+            <a:ext cx="4114800" cy="365125"/>
+          </a:xfrm>
+        </p:spPr>
+        <p:txBody>
+          <a:bodyPr/>
+          <a:lstStyle/>
+          <a:p>
+            <a:r>
+              <a:rPr lang="en-US" dirty="0"/>
+              <a:t>PRESENTATION TITLE</a:t>
+            </a:r>
+          </a:p>
+        </p:txBody>
+      </p:sp>
+      <p:sp>
+        <p:nvSpPr>
+          <p:cNvPr id="6" name="Slide Number Placeholder 5">
+            <a:extLst>
+              <a:ext uri="{FF2B5EF4-FFF2-40B4-BE49-F238E27FC236}">
+                <a16:creationId xmlns:a16="http://schemas.microsoft.com/office/drawing/2014/main" id="{7C4B8313-9270-4128-8674-3A3E42B806BC}"/>
+              </a:ext>
+            </a:extLst>
+          </p:cNvPr>
+          <p:cNvSpPr>
+            <a:spLocks noGrp="1"/>
+          </p:cNvSpPr>
+          <p:nvPr>
+            <p:ph type="sldNum" sz="quarter" idx="12"/>
+          </p:nvPr>
+        </p:nvSpPr>
+        <p:spPr>
+          <a:xfrm>
+            <a:off x="8610600" y="6356350"/>
+            <a:ext cx="2743200" cy="365125"/>
+          </a:xfrm>
+        </p:spPr>
+        <p:txBody>
+          <a:bodyPr/>
+          <a:lstStyle/>
+          <a:p>
+            <a:fld id="{A49DFD55-3C28-40EF-9E31-A92D2E4017FF}" type="slidenum">
+              <a:rPr lang="en-US" smtClean="0"/>
+              <a:pPr/>
+              <a:t>10</a:t>
+            </a:fld>
+            <a:endParaRPr lang="en-US" dirty="0"/>
+          </a:p>
+        </p:txBody>
+      </p:sp>
+    </p:spTree>
+    <p:extLst>
+      <p:ext uri="{BB962C8B-B14F-4D97-AF65-F5344CB8AC3E}">
+        <p14:creationId xmlns:p14="http://schemas.microsoft.com/office/powerpoint/2010/main" val="1742861620"/>
+      </p:ext>
+    </p:extLst>
+  </p:cSld>
+  <p:clrMapOvr>
+    <a:masterClrMapping/>
+  </p:clrMapOvr>
+</p:sld>
+</file>
+
 <file path=ppt/slides/slide2.xml><?xml version="1.0" encoding="utf-8"?>
 <p:sld xmlns:a="http://schemas.openxmlformats.org/drawingml/2006/main" xmlns:r="http://schemas.openxmlformats.org/officeDocument/2006/relationships" xmlns:p="http://schemas.openxmlformats.org/presentationml/2006/main">
   <p:cSld>
@@ -9814,7 +10026,7 @@
         </p:spPr>
         <p:txBody>
           <a:bodyPr>
-            <a:normAutofit fontScale="85000" lnSpcReduction="20000"/>
+            <a:normAutofit fontScale="92500" lnSpcReduction="20000"/>
           </a:bodyPr>
           <a:lstStyle/>
           <a:p>
@@ -9864,76 +10076,14 @@
             </a:r>
           </a:p>
           <a:p>
-            <a:r>
-              <a:rPr lang="en-US" sz="1200" dirty="0" err="1">
-                <a:solidFill>
-                  <a:srgbClr val="7030A0"/>
-                </a:solidFill>
-                <a:latin typeface="Abadi" panose="020B0604020104020204" pitchFamily="34" charset="0"/>
-              </a:rPr>
-              <a:t>wget</a:t>
-            </a:r>
-            <a:r>
-              <a:rPr lang="en-US" sz="1200" dirty="0">
-                <a:solidFill>
-                  <a:srgbClr val="7030A0"/>
-                </a:solidFill>
-                <a:latin typeface="Abadi" panose="020B0604020104020204" pitchFamily="34" charset="0"/>
-              </a:rPr>
-              <a:t> </a:t>
-            </a:r>
-            <a:r>
-              <a:rPr lang="en-US" sz="1200" dirty="0">
-                <a:solidFill>
-                  <a:srgbClr val="7030A0"/>
-                </a:solidFill>
-                <a:latin typeface="Abadi" panose="020B0604020104020204" pitchFamily="34" charset="0"/>
-                <a:hlinkClick r:id="rId2"/>
-              </a:rPr>
-              <a:t>https://github.com/cbagade/argocd-learnings/blob/configuration/plugins/argocd-vault-plugin-helm-custom/cm.yaml</a:t>
-            </a:r>
-            <a:endParaRPr lang="en-US" sz="1200" dirty="0">
-              <a:solidFill>
-                <a:srgbClr val="7030A0"/>
-              </a:solidFill>
-              <a:latin typeface="Abadi" panose="020B0604020104020204" pitchFamily="34" charset="0"/>
-            </a:endParaRPr>
-          </a:p>
-          <a:p>
-            <a:r>
-              <a:rPr lang="en-US" sz="1200" dirty="0" err="1">
-                <a:solidFill>
-                  <a:srgbClr val="7030A0"/>
-                </a:solidFill>
-                <a:latin typeface="Abadi" panose="020B0604020104020204" pitchFamily="34" charset="0"/>
-              </a:rPr>
-              <a:t>wget</a:t>
-            </a:r>
-            <a:r>
-              <a:rPr lang="en-US" sz="1200" dirty="0">
-                <a:solidFill>
-                  <a:srgbClr val="7030A0"/>
-                </a:solidFill>
-                <a:latin typeface="Abadi" panose="020B0604020104020204" pitchFamily="34" charset="0"/>
-              </a:rPr>
-              <a:t> </a:t>
-            </a:r>
-            <a:r>
-              <a:rPr lang="en-US" sz="1200" dirty="0">
-                <a:solidFill>
-                  <a:srgbClr val="7030A0"/>
-                </a:solidFill>
-                <a:latin typeface="Abadi" panose="020B0604020104020204" pitchFamily="34" charset="0"/>
-                <a:hlinkClick r:id="rId3"/>
-              </a:rPr>
-              <a:t>https://github.com/cbagade/argocd-learnings/blob/configuration/plugins/argocd-vault-plugin-helm-custom/deploy.yaml</a:t>
-            </a:r>
-            <a:endParaRPr lang="en-US" sz="1200" dirty="0">
-              <a:solidFill>
-                <a:srgbClr val="7030A0"/>
-              </a:solidFill>
-              <a:latin typeface="Abadi" panose="020B0604020104020204" pitchFamily="34" charset="0"/>
-            </a:endParaRPr>
+            <a:pPr marL="285750" indent="-285750">
+              <a:buFont typeface="Wingdings" panose="05000000000000000000" pitchFamily="2" charset="2"/>
+              <a:buChar char="q"/>
+            </a:pPr>
+            <a:r>
+              <a:rPr lang="en-US" sz="1800" dirty="0"/>
+              <a:t>At argo-all repo , get files inside folder - /plugins/argocd-vault-plugin-helm-custom</a:t>
+            </a:r>
           </a:p>
           <a:p>
             <a:pPr>
@@ -10136,7 +10286,7 @@
                   <a:srgbClr val="7030A0"/>
                 </a:solidFill>
                 <a:latin typeface="Abadi" panose="020B0604020104020204" pitchFamily="34" charset="0"/>
-                <a:hlinkClick r:id="rId4">
+                <a:hlinkClick r:id="rId2">
                   <a:extLst>
                     <a:ext uri="{A12FA001-AC4F-418D-AE19-62706E023703}">
                       <ahyp:hlinkClr xmlns:ahyp="http://schemas.microsoft.com/office/drawing/2018/hyperlinkcolor" val="tx"/>
@@ -10666,10 +10816,10 @@
       </p:sp>
       <p:pic>
         <p:nvPicPr>
-          <p:cNvPr id="10" name="Picture 9" descr="A screenshot of a computer&#10;&#10;Description automatically generated with low confidence">
-            <a:extLst>
-              <a:ext uri="{FF2B5EF4-FFF2-40B4-BE49-F238E27FC236}">
-                <a16:creationId xmlns:a16="http://schemas.microsoft.com/office/drawing/2014/main" id="{9389658D-23E8-11EC-E4F4-AE20CE69AC2F}"/>
+          <p:cNvPr id="7" name="Picture 6">
+            <a:extLst>
+              <a:ext uri="{FF2B5EF4-FFF2-40B4-BE49-F238E27FC236}">
+                <a16:creationId xmlns:a16="http://schemas.microsoft.com/office/drawing/2014/main" id="{C50C618C-C42E-86C3-7B9F-ABED28F109C7}"/>
               </a:ext>
             </a:extLst>
           </p:cNvPr>
@@ -10686,8 +10836,8 @@
         </p:blipFill>
         <p:spPr>
           <a:xfrm>
-            <a:off x="904568" y="1766928"/>
-            <a:ext cx="7706032" cy="4278429"/>
+            <a:off x="831849" y="1691005"/>
+            <a:ext cx="9321476" cy="4469798"/>
           </a:xfrm>
           <a:prstGeom prst="rect">
             <a:avLst/>
@@ -10853,13 +11003,8 @@
             </a:pPr>
             <a:r>
               <a:rPr lang="en-US" sz="1600" dirty="0"/>
-              <a:t>Also ensure to turn off </a:t>
-            </a:r>
-            <a:r>
-              <a:rPr lang="en-US" sz="1600" dirty="0" err="1"/>
-              <a:t>ZScaler</a:t>
-            </a:r>
-            <a:endParaRPr lang="en-US" sz="1600" dirty="0"/>
+              <a:t>Also ensure to turn off ZScaler</a:t>
+            </a:r>
           </a:p>
           <a:p>
             <a:endParaRPr lang="en-US" dirty="0">
@@ -10954,7 +11099,7 @@
           <p:nvPr>
             <p:extLst>
               <p:ext uri="{D42A27DB-BD31-4B8C-83A1-F6EECF244321}">
-                <p14:modId xmlns:p14="http://schemas.microsoft.com/office/powerpoint/2010/main" val="1897975677"/>
+                <p14:modId xmlns:p14="http://schemas.microsoft.com/office/powerpoint/2010/main" val="2679090228"/>
               </p:ext>
             </p:extLst>
           </p:nvPr>
@@ -11140,7 +11285,7 @@
                         <a:rPr lang="en-US" dirty="0">
                           <a:hlinkClick r:id="rId2"/>
                         </a:rPr>
-                        <a:t>https://github.com/cbagade/argocd-configurations.git</a:t>
+                        <a:t>https://github.com/cbagade/argocd-all.git</a:t>
                       </a:r>
                       <a:endParaRPr lang="en-US" dirty="0"/>
                     </a:p>
@@ -11174,7 +11319,7 @@
                     <a:p>
                       <a:r>
                         <a:rPr lang="en-US" dirty="0"/>
-                        <a:t>configuration </a:t>
+                        <a:t>configurations</a:t>
                       </a:r>
                     </a:p>
                   </a:txBody>
@@ -11327,21 +11472,276 @@
           <p:cNvPr id="2" name="Title 1">
             <a:extLst>
               <a:ext uri="{FF2B5EF4-FFF2-40B4-BE49-F238E27FC236}">
-                <a16:creationId xmlns:a16="http://schemas.microsoft.com/office/drawing/2014/main" id="{B1FE5F11-B7B9-4B80-8C6A-A8A7A7190B77}"/>
-              </a:ext>
-            </a:extLst>
-          </p:cNvPr>
-          <p:cNvSpPr>
-            <a:spLocks noGrp="1"/>
-          </p:cNvSpPr>
-          <p:nvPr>
-            <p:ph type="ctrTitle"/>
-          </p:nvPr>
-        </p:nvSpPr>
-        <p:spPr>
-          <a:xfrm>
-            <a:off x="6991350" y="2148840"/>
-            <a:ext cx="4179570" cy="1715531"/>
+                <a16:creationId xmlns:a16="http://schemas.microsoft.com/office/drawing/2014/main" id="{0A32731C-311B-46F7-A865-6C3AF6B09A47}"/>
+              </a:ext>
+            </a:extLst>
+          </p:cNvPr>
+          <p:cNvSpPr>
+            <a:spLocks noGrp="1"/>
+          </p:cNvSpPr>
+          <p:nvPr>
+            <p:ph type="title"/>
+          </p:nvPr>
+        </p:nvSpPr>
+        <p:spPr>
+          <a:xfrm>
+            <a:off x="831850" y="140528"/>
+            <a:ext cx="5111750" cy="517664"/>
+          </a:xfrm>
+        </p:spPr>
+        <p:txBody>
+          <a:bodyPr>
+            <a:normAutofit/>
+          </a:bodyPr>
+          <a:lstStyle/>
+          <a:p>
+            <a:r>
+              <a:rPr lang="en-US" sz="2400" dirty="0"/>
+              <a:t>Continuous deployment</a:t>
+            </a:r>
+          </a:p>
+        </p:txBody>
+      </p:sp>
+      <p:sp>
+        <p:nvSpPr>
+          <p:cNvPr id="3" name="Text Placeholder 2">
+            <a:extLst>
+              <a:ext uri="{FF2B5EF4-FFF2-40B4-BE49-F238E27FC236}">
+                <a16:creationId xmlns:a16="http://schemas.microsoft.com/office/drawing/2014/main" id="{9D5232F9-FD00-464A-9F17-619C91AEF8F3}"/>
+              </a:ext>
+            </a:extLst>
+          </p:cNvPr>
+          <p:cNvSpPr>
+            <a:spLocks noGrp="1"/>
+          </p:cNvSpPr>
+          <p:nvPr>
+            <p:ph type="body" idx="1"/>
+          </p:nvPr>
+        </p:nvSpPr>
+        <p:spPr>
+          <a:xfrm>
+            <a:off x="566944" y="824807"/>
+            <a:ext cx="11012248" cy="4623091"/>
+          </a:xfrm>
+        </p:spPr>
+        <p:txBody>
+          <a:bodyPr>
+            <a:normAutofit lnSpcReduction="10000"/>
+          </a:bodyPr>
+          <a:lstStyle/>
+          <a:p>
+            <a:pPr marL="285750" indent="-285750">
+              <a:buFont typeface="Wingdings" panose="05000000000000000000" pitchFamily="2" charset="2"/>
+              <a:buChar char="q"/>
+            </a:pPr>
+            <a:r>
+              <a:rPr lang="en-US" sz="1800" dirty="0"/>
+              <a:t>Continuous integration was discussed during Jenkins demo</a:t>
+            </a:r>
+          </a:p>
+          <a:p>
+            <a:pPr marL="285750" indent="-285750">
+              <a:buFont typeface="Wingdings" panose="05000000000000000000" pitchFamily="2" charset="2"/>
+              <a:buChar char="q"/>
+            </a:pPr>
+            <a:r>
+              <a:rPr lang="en-US" sz="1800" dirty="0"/>
+              <a:t>The CI will create a docker image and place it in docker hub</a:t>
+            </a:r>
+          </a:p>
+          <a:p>
+            <a:pPr marL="285750" indent="-285750">
+              <a:buFont typeface="Wingdings" panose="05000000000000000000" pitchFamily="2" charset="2"/>
+              <a:buChar char="q"/>
+            </a:pPr>
+            <a:r>
+              <a:rPr lang="en-US" sz="1800" dirty="0"/>
+              <a:t>Now application should be auto deployed with new docker image.</a:t>
+            </a:r>
+          </a:p>
+          <a:p>
+            <a:pPr marL="285750" indent="-285750">
+              <a:buFont typeface="Wingdings" panose="05000000000000000000" pitchFamily="2" charset="2"/>
+              <a:buChar char="q"/>
+            </a:pPr>
+            <a:r>
+              <a:rPr lang="en-US" sz="1800" dirty="0"/>
+              <a:t>Run Jenkins with ngrok</a:t>
+            </a:r>
+          </a:p>
+          <a:p>
+            <a:pPr marL="285750" indent="-285750">
+              <a:buFont typeface="Wingdings" panose="05000000000000000000" pitchFamily="2" charset="2"/>
+              <a:buChar char="q"/>
+            </a:pPr>
+            <a:r>
+              <a:rPr lang="en-US" sz="1800" dirty="0"/>
+              <a:t>Update webhook URL on argocd-all GitHub settings</a:t>
+            </a:r>
+          </a:p>
+          <a:p>
+            <a:pPr marL="285750" indent="-285750">
+              <a:buFont typeface="Wingdings" panose="05000000000000000000" pitchFamily="2" charset="2"/>
+              <a:buChar char="q"/>
+            </a:pPr>
+            <a:r>
+              <a:rPr lang="en-US" sz="1800" dirty="0"/>
+              <a:t>Create a pipeline (argocd_all_pipeline), for code branch and Jenkinsfile, therein</a:t>
+            </a:r>
+          </a:p>
+          <a:p>
+            <a:pPr marL="285750" indent="-285750">
+              <a:lnSpc>
+                <a:spcPct val="110000"/>
+              </a:lnSpc>
+              <a:buFont typeface="Wingdings" panose="05000000000000000000" pitchFamily="2" charset="2"/>
+              <a:buChar char="q"/>
+            </a:pPr>
+            <a:r>
+              <a:rPr lang="en-US" sz="1800" dirty="0"/>
+              <a:t>Ensure all pods are running</a:t>
+            </a:r>
+          </a:p>
+          <a:p>
+            <a:pPr>
+              <a:lnSpc>
+                <a:spcPct val="110000"/>
+              </a:lnSpc>
+            </a:pPr>
+            <a:r>
+              <a:rPr lang="en-US" sz="1500" dirty="0">
+                <a:solidFill>
+                  <a:srgbClr val="7030A0"/>
+                </a:solidFill>
+                <a:latin typeface="Abadi" panose="020B0604020104020204" pitchFamily="34" charset="0"/>
+              </a:rPr>
+              <a:t>kubectl get pods –n argocd</a:t>
+            </a:r>
+            <a:endParaRPr lang="en-US" sz="1500" dirty="0">
+              <a:solidFill>
+                <a:srgbClr val="7030A0"/>
+              </a:solidFill>
+            </a:endParaRPr>
+          </a:p>
+          <a:p>
+            <a:pPr marL="285750" indent="-285750">
+              <a:buFont typeface="Wingdings" panose="05000000000000000000" pitchFamily="2" charset="2"/>
+              <a:buChar char="q"/>
+            </a:pPr>
+            <a:r>
+              <a:rPr lang="en-US" sz="1800" dirty="0"/>
+              <a:t>To get admin password for UI, command is - </a:t>
+            </a:r>
+          </a:p>
+          <a:p>
+            <a:pPr>
+              <a:spcBef>
+                <a:spcPts val="0"/>
+              </a:spcBef>
+            </a:pPr>
+            <a:r>
+              <a:rPr lang="pt-BR" sz="1500" dirty="0">
+                <a:solidFill>
+                  <a:srgbClr val="7030A0"/>
+                </a:solidFill>
+                <a:latin typeface="Abadi" panose="020B0604020104020204" pitchFamily="34" charset="0"/>
+              </a:rPr>
+              <a:t>argocd admin initial-password -n argocd</a:t>
+            </a:r>
+          </a:p>
+          <a:p>
+            <a:pPr>
+              <a:spcBef>
+                <a:spcPts val="0"/>
+              </a:spcBef>
+            </a:pPr>
+            <a:endParaRPr lang="pt-BR" sz="1500" dirty="0">
+              <a:solidFill>
+                <a:srgbClr val="7030A0"/>
+              </a:solidFill>
+              <a:latin typeface="Abadi" panose="020B0604020104020204" pitchFamily="34" charset="0"/>
+            </a:endParaRPr>
+          </a:p>
+          <a:p>
+            <a:pPr marL="285750" indent="-285750">
+              <a:buFont typeface="Wingdings" panose="05000000000000000000" pitchFamily="2" charset="2"/>
+              <a:buChar char="q"/>
+            </a:pPr>
+            <a:r>
+              <a:rPr lang="en-US" sz="1800" dirty="0"/>
+              <a:t>Port forwarding – </a:t>
+            </a:r>
+            <a:endParaRPr lang="pt-BR" sz="1500" dirty="0">
+              <a:solidFill>
+                <a:srgbClr val="7030A0"/>
+              </a:solidFill>
+              <a:latin typeface="Abadi" panose="020B0604020104020204" pitchFamily="34" charset="0"/>
+            </a:endParaRPr>
+          </a:p>
+          <a:p>
+            <a:pPr>
+              <a:spcBef>
+                <a:spcPts val="0"/>
+              </a:spcBef>
+            </a:pPr>
+            <a:endParaRPr lang="en-US" sz="1500" dirty="0">
+              <a:solidFill>
+                <a:srgbClr val="7030A0"/>
+              </a:solidFill>
+              <a:latin typeface="Abadi" panose="020B0604020104020204" pitchFamily="34" charset="0"/>
+            </a:endParaRPr>
+          </a:p>
+          <a:p>
+            <a:pPr>
+              <a:spcBef>
+                <a:spcPts val="0"/>
+              </a:spcBef>
+            </a:pPr>
+            <a:r>
+              <a:rPr lang="en-US" dirty="0">
+                <a:solidFill>
+                  <a:srgbClr val="7030A0"/>
+                </a:solidFill>
+                <a:latin typeface="Abadi" panose="020B0604020104020204" pitchFamily="34" charset="0"/>
+                <a:hlinkClick r:id="rId2">
+                  <a:extLst>
+                    <a:ext uri="{A12FA001-AC4F-418D-AE19-62706E023703}">
+                      <ahyp:hlinkClr xmlns:ahyp="http://schemas.microsoft.com/office/drawing/2018/hyperlinkcolor" val="tx"/>
+                    </a:ext>
+                  </a:extLst>
+                </a:hlinkClick>
+              </a:rPr>
+              <a:t>     </a:t>
+            </a:r>
+            <a:endParaRPr lang="en-US" dirty="0">
+              <a:solidFill>
+                <a:srgbClr val="7030A0"/>
+              </a:solidFill>
+              <a:latin typeface="Abadi" panose="020B0604020104020204" pitchFamily="34" charset="0"/>
+            </a:endParaRPr>
+          </a:p>
+        </p:txBody>
+      </p:sp>
+      <p:sp>
+        <p:nvSpPr>
+          <p:cNvPr id="4" name="Date Placeholder 3">
+            <a:extLst>
+              <a:ext uri="{FF2B5EF4-FFF2-40B4-BE49-F238E27FC236}">
+                <a16:creationId xmlns:a16="http://schemas.microsoft.com/office/drawing/2014/main" id="{70E12647-CCB2-45E2-A9CB-A868F490497E}"/>
+              </a:ext>
+            </a:extLst>
+          </p:cNvPr>
+          <p:cNvSpPr>
+            <a:spLocks noGrp="1"/>
+          </p:cNvSpPr>
+          <p:nvPr>
+            <p:ph type="dt" sz="half" idx="10"/>
+          </p:nvPr>
+        </p:nvSpPr>
+        <p:spPr>
+          <a:xfrm>
+            <a:off x="838200" y="6356350"/>
+            <a:ext cx="1219200" cy="365125"/>
           </a:xfrm>
         </p:spPr>
         <p:txBody>
@@ -11350,15 +11750,50 @@
           <a:p>
             <a:r>
               <a:rPr lang="en-US" dirty="0"/>
-              <a:t>ARGO</a:t>
-            </a:r>
+              <a:t>2023</a:t>
+            </a:r>
+          </a:p>
+        </p:txBody>
+      </p:sp>
+      <p:sp>
+        <p:nvSpPr>
+          <p:cNvPr id="6" name="Slide Number Placeholder 5">
+            <a:extLst>
+              <a:ext uri="{FF2B5EF4-FFF2-40B4-BE49-F238E27FC236}">
+                <a16:creationId xmlns:a16="http://schemas.microsoft.com/office/drawing/2014/main" id="{7BC1787E-7110-4989-B0B8-DD4E0ACC09DF}"/>
+              </a:ext>
+            </a:extLst>
+          </p:cNvPr>
+          <p:cNvSpPr>
+            <a:spLocks noGrp="1"/>
+          </p:cNvSpPr>
+          <p:nvPr>
+            <p:ph type="sldNum" sz="quarter" idx="12"/>
+          </p:nvPr>
+        </p:nvSpPr>
+        <p:spPr>
+          <a:xfrm>
+            <a:off x="8610600" y="6356350"/>
+            <a:ext cx="2743200" cy="365125"/>
+          </a:xfrm>
+        </p:spPr>
+        <p:txBody>
+          <a:bodyPr/>
+          <a:lstStyle/>
+          <a:p>
+            <a:fld id="{A49DFD55-3C28-40EF-9E31-A92D2E4017FF}" type="slidenum">
+              <a:rPr lang="en-US" smtClean="0"/>
+              <a:pPr/>
+              <a:t>7</a:t>
+            </a:fld>
+            <a:endParaRPr lang="en-US" dirty="0"/>
           </a:p>
         </p:txBody>
       </p:sp>
     </p:spTree>
     <p:extLst>
       <p:ext uri="{BB962C8B-B14F-4D97-AF65-F5344CB8AC3E}">
-        <p14:creationId xmlns:p14="http://schemas.microsoft.com/office/powerpoint/2010/main" val="379728094"/>
+        <p14:creationId xmlns:p14="http://schemas.microsoft.com/office/powerpoint/2010/main" val="2241385837"/>
       </p:ext>
     </p:extLst>
   </p:cSld>
@@ -11390,21 +11825,21 @@
           <p:cNvPr id="2" name="Title 1">
             <a:extLst>
               <a:ext uri="{FF2B5EF4-FFF2-40B4-BE49-F238E27FC236}">
-                <a16:creationId xmlns:a16="http://schemas.microsoft.com/office/drawing/2014/main" id="{09140014-73D5-419B-8867-972BB18D52D4}"/>
-              </a:ext>
-            </a:extLst>
-          </p:cNvPr>
-          <p:cNvSpPr>
-            <a:spLocks noGrp="1"/>
-          </p:cNvSpPr>
-          <p:nvPr>
-            <p:ph type="title"/>
-          </p:nvPr>
-        </p:nvSpPr>
-        <p:spPr>
-          <a:xfrm>
-            <a:off x="2933700" y="892177"/>
-            <a:ext cx="8421688" cy="1325563"/>
+                <a16:creationId xmlns:a16="http://schemas.microsoft.com/office/drawing/2014/main" id="{B1FE5F11-B7B9-4B80-8C6A-A8A7A7190B77}"/>
+              </a:ext>
+            </a:extLst>
+          </p:cNvPr>
+          <p:cNvSpPr>
+            <a:spLocks noGrp="1"/>
+          </p:cNvSpPr>
+          <p:nvPr>
+            <p:ph type="ctrTitle"/>
+          </p:nvPr>
+        </p:nvSpPr>
+        <p:spPr>
+          <a:xfrm>
+            <a:off x="6991350" y="2148840"/>
+            <a:ext cx="4179570" cy="1715531"/>
           </a:xfrm>
         </p:spPr>
         <p:txBody>
@@ -11413,169 +11848,15 @@
           <a:p>
             <a:r>
               <a:rPr lang="en-US" dirty="0"/>
-              <a:t>Further learning</a:t>
-            </a:r>
-          </a:p>
-        </p:txBody>
-      </p:sp>
-      <p:sp>
-        <p:nvSpPr>
-          <p:cNvPr id="4" name="Content Placeholder 3">
-            <a:extLst>
-              <a:ext uri="{FF2B5EF4-FFF2-40B4-BE49-F238E27FC236}">
-                <a16:creationId xmlns:a16="http://schemas.microsoft.com/office/drawing/2014/main" id="{33D8731E-4977-402E-8BFD-895B4D0544CC}"/>
-              </a:ext>
-            </a:extLst>
-          </p:cNvPr>
-          <p:cNvSpPr>
-            <a:spLocks noGrp="1"/>
-          </p:cNvSpPr>
-          <p:nvPr>
-            <p:ph sz="half" idx="2"/>
-          </p:nvPr>
-        </p:nvSpPr>
-        <p:spPr>
-          <a:xfrm>
-            <a:off x="2933699" y="2289177"/>
-            <a:ext cx="8789871" cy="1997867"/>
-          </a:xfrm>
-        </p:spPr>
-        <p:txBody>
-          <a:bodyPr>
-            <a:normAutofit/>
-          </a:bodyPr>
-          <a:lstStyle/>
-          <a:p>
-            <a:r>
-              <a:rPr lang="en-US" dirty="0"/>
-              <a:t>Filtering – how to filter data when say price is greater than or less than</a:t>
-            </a:r>
-          </a:p>
-          <a:p>
-            <a:r>
-              <a:rPr lang="en-US" dirty="0"/>
-              <a:t>Atlas mongo features</a:t>
-            </a:r>
-          </a:p>
-          <a:p>
-            <a:r>
-              <a:rPr lang="en-US" dirty="0"/>
-              <a:t>Views with java script</a:t>
-            </a:r>
-          </a:p>
-          <a:p>
-            <a:r>
-              <a:rPr lang="en-US" dirty="0"/>
-              <a:t>Tool for mongo db, like Mongo Compass</a:t>
-            </a:r>
-          </a:p>
-        </p:txBody>
-      </p:sp>
-      <p:sp>
-        <p:nvSpPr>
-          <p:cNvPr id="7" name="Date Placeholder 6">
-            <a:extLst>
-              <a:ext uri="{FF2B5EF4-FFF2-40B4-BE49-F238E27FC236}">
-                <a16:creationId xmlns:a16="http://schemas.microsoft.com/office/drawing/2014/main" id="{B2A46C4A-D036-4440-BB64-6754F4FF27C1}"/>
-              </a:ext>
-            </a:extLst>
-          </p:cNvPr>
-          <p:cNvSpPr>
-            <a:spLocks noGrp="1"/>
-          </p:cNvSpPr>
-          <p:nvPr>
-            <p:ph type="dt" sz="half" idx="10"/>
-          </p:nvPr>
-        </p:nvSpPr>
-        <p:spPr>
-          <a:xfrm>
-            <a:off x="838200" y="6356350"/>
-            <a:ext cx="2743200" cy="365125"/>
-          </a:xfrm>
-        </p:spPr>
-        <p:txBody>
-          <a:bodyPr/>
-          <a:lstStyle/>
-          <a:p>
-            <a:r>
-              <a:rPr lang="en-US" dirty="0"/>
-              <a:t>20XX</a:t>
-            </a:r>
-          </a:p>
-        </p:txBody>
-      </p:sp>
-      <p:sp>
-        <p:nvSpPr>
-          <p:cNvPr id="8" name="Footer Placeholder 7">
-            <a:extLst>
-              <a:ext uri="{FF2B5EF4-FFF2-40B4-BE49-F238E27FC236}">
-                <a16:creationId xmlns:a16="http://schemas.microsoft.com/office/drawing/2014/main" id="{905F172A-5D5D-43CD-A187-DA0D303F4144}"/>
-              </a:ext>
-            </a:extLst>
-          </p:cNvPr>
-          <p:cNvSpPr>
-            <a:spLocks noGrp="1"/>
-          </p:cNvSpPr>
-          <p:nvPr>
-            <p:ph type="ftr" sz="quarter" idx="11"/>
-          </p:nvPr>
-        </p:nvSpPr>
-        <p:spPr>
-          <a:xfrm>
-            <a:off x="4038600" y="6356350"/>
-            <a:ext cx="4114800" cy="365125"/>
-          </a:xfrm>
-        </p:spPr>
-        <p:txBody>
-          <a:bodyPr/>
-          <a:lstStyle/>
-          <a:p>
-            <a:r>
-              <a:rPr lang="en-US" dirty="0"/>
-              <a:t>PRESENTATION TITLE</a:t>
-            </a:r>
-          </a:p>
-        </p:txBody>
-      </p:sp>
-      <p:sp>
-        <p:nvSpPr>
-          <p:cNvPr id="9" name="Slide Number Placeholder 8">
-            <a:extLst>
-              <a:ext uri="{FF2B5EF4-FFF2-40B4-BE49-F238E27FC236}">
-                <a16:creationId xmlns:a16="http://schemas.microsoft.com/office/drawing/2014/main" id="{C396FFDC-ADE8-4009-A466-A81787258E88}"/>
-              </a:ext>
-            </a:extLst>
-          </p:cNvPr>
-          <p:cNvSpPr>
-            <a:spLocks noGrp="1"/>
-          </p:cNvSpPr>
-          <p:nvPr>
-            <p:ph type="sldNum" sz="quarter" idx="12"/>
-          </p:nvPr>
-        </p:nvSpPr>
-        <p:spPr>
-          <a:xfrm>
-            <a:off x="8610600" y="6356350"/>
-            <a:ext cx="2743200" cy="365125"/>
-          </a:xfrm>
-        </p:spPr>
-        <p:txBody>
-          <a:bodyPr/>
-          <a:lstStyle/>
-          <a:p>
-            <a:fld id="{A49DFD55-3C28-40EF-9E31-A92D2E4017FF}" type="slidenum">
-              <a:rPr lang="en-US" smtClean="0"/>
-              <a:pPr/>
-              <a:t>8</a:t>
-            </a:fld>
-            <a:endParaRPr lang="en-US" dirty="0"/>
+              <a:t>ARGO</a:t>
+            </a:r>
           </a:p>
         </p:txBody>
       </p:sp>
     </p:spTree>
     <p:extLst>
       <p:ext uri="{BB962C8B-B14F-4D97-AF65-F5344CB8AC3E}">
-        <p14:creationId xmlns:p14="http://schemas.microsoft.com/office/powerpoint/2010/main" val="1663780162"/>
+        <p14:creationId xmlns:p14="http://schemas.microsoft.com/office/powerpoint/2010/main" val="379728094"/>
       </p:ext>
     </p:extLst>
   </p:cSld>
@@ -11607,7 +11888,7 @@
           <p:cNvPr id="2" name="Title 1">
             <a:extLst>
               <a:ext uri="{FF2B5EF4-FFF2-40B4-BE49-F238E27FC236}">
-                <a16:creationId xmlns:a16="http://schemas.microsoft.com/office/drawing/2014/main" id="{4518FC28-E0BD-4387-B8BE-9965D1A57FF1}"/>
+                <a16:creationId xmlns:a16="http://schemas.microsoft.com/office/drawing/2014/main" id="{09140014-73D5-419B-8867-972BB18D52D4}"/>
               </a:ext>
             </a:extLst>
           </p:cNvPr>
@@ -11620,8 +11901,8 @@
         </p:nvSpPr>
         <p:spPr>
           <a:xfrm>
-            <a:off x="5476875" y="1671638"/>
-            <a:ext cx="5111750" cy="1204912"/>
+            <a:off x="2933700" y="892177"/>
+            <a:ext cx="8421688" cy="1325563"/>
           </a:xfrm>
         </p:spPr>
         <p:txBody>
@@ -11630,31 +11911,31 @@
           <a:p>
             <a:r>
               <a:rPr lang="en-US" dirty="0"/>
-              <a:t>SUMMARY</a:t>
-            </a:r>
-          </a:p>
-        </p:txBody>
-      </p:sp>
-      <p:sp>
-        <p:nvSpPr>
-          <p:cNvPr id="3" name="Text Placeholder 2">
-            <a:extLst>
-              <a:ext uri="{FF2B5EF4-FFF2-40B4-BE49-F238E27FC236}">
-                <a16:creationId xmlns:a16="http://schemas.microsoft.com/office/drawing/2014/main" id="{FED19BCA-B61F-4EA6-A1FB-CCA3BD8506FB}"/>
-              </a:ext>
-            </a:extLst>
-          </p:cNvPr>
-          <p:cNvSpPr>
-            <a:spLocks noGrp="1"/>
-          </p:cNvSpPr>
-          <p:nvPr>
-            <p:ph type="body" idx="1"/>
-          </p:nvPr>
-        </p:nvSpPr>
-        <p:spPr>
-          <a:xfrm>
-            <a:off x="5476875" y="3429000"/>
-            <a:ext cx="5111750" cy="2105526"/>
+              <a:t>Further learning</a:t>
+            </a:r>
+          </a:p>
+        </p:txBody>
+      </p:sp>
+      <p:sp>
+        <p:nvSpPr>
+          <p:cNvPr id="4" name="Content Placeholder 3">
+            <a:extLst>
+              <a:ext uri="{FF2B5EF4-FFF2-40B4-BE49-F238E27FC236}">
+                <a16:creationId xmlns:a16="http://schemas.microsoft.com/office/drawing/2014/main" id="{33D8731E-4977-402E-8BFD-895B4D0544CC}"/>
+              </a:ext>
+            </a:extLst>
+          </p:cNvPr>
+          <p:cNvSpPr>
+            <a:spLocks noGrp="1"/>
+          </p:cNvSpPr>
+          <p:nvPr>
+            <p:ph sz="half" idx="2"/>
+          </p:nvPr>
+        </p:nvSpPr>
+        <p:spPr>
+          <a:xfrm>
+            <a:off x="2933699" y="2289177"/>
+            <a:ext cx="8789871" cy="1997867"/>
           </a:xfrm>
         </p:spPr>
         <p:txBody>
@@ -11665,29 +11946,35 @@
           <a:p>
             <a:r>
               <a:rPr lang="en-US" dirty="0"/>
-              <a:t>We learnt few features of node js, which enables us to design a MVC application where middleware interacts with backend. </a:t>
+              <a:t>Filtering – how to filter data when say price is greater than or less than</a:t>
             </a:r>
           </a:p>
           <a:p>
             <a:r>
               <a:rPr lang="en-US" dirty="0"/>
-              <a:t>We user atlas mongo db as our database, which is primarily used for node js</a:t>
+              <a:t>Atlas mongo features</a:t>
             </a:r>
           </a:p>
           <a:p>
             <a:r>
               <a:rPr lang="en-US" dirty="0"/>
-              <a:t>Always prefer node js for faster applications and not for CPU intensive applications</a:t>
-            </a:r>
-          </a:p>
-        </p:txBody>
-      </p:sp>
-      <p:sp>
-        <p:nvSpPr>
-          <p:cNvPr id="4" name="Date Placeholder 3">
-            <a:extLst>
-              <a:ext uri="{FF2B5EF4-FFF2-40B4-BE49-F238E27FC236}">
-                <a16:creationId xmlns:a16="http://schemas.microsoft.com/office/drawing/2014/main" id="{00560550-EE65-43CE-B899-F421E74287A1}"/>
+              <a:t>Views with java script</a:t>
+            </a:r>
+          </a:p>
+          <a:p>
+            <a:r>
+              <a:rPr lang="en-US" dirty="0"/>
+              <a:t>Tool for mongo db, like Mongo Compass</a:t>
+            </a:r>
+          </a:p>
+        </p:txBody>
+      </p:sp>
+      <p:sp>
+        <p:nvSpPr>
+          <p:cNvPr id="7" name="Date Placeholder 6">
+            <a:extLst>
+              <a:ext uri="{FF2B5EF4-FFF2-40B4-BE49-F238E27FC236}">
+                <a16:creationId xmlns:a16="http://schemas.microsoft.com/office/drawing/2014/main" id="{B2A46C4A-D036-4440-BB64-6754F4FF27C1}"/>
               </a:ext>
             </a:extLst>
           </p:cNvPr>
@@ -11717,10 +12004,10 @@
       </p:sp>
       <p:sp>
         <p:nvSpPr>
-          <p:cNvPr id="5" name="Footer Placeholder 4">
-            <a:extLst>
-              <a:ext uri="{FF2B5EF4-FFF2-40B4-BE49-F238E27FC236}">
-                <a16:creationId xmlns:a16="http://schemas.microsoft.com/office/drawing/2014/main" id="{4135E32A-1A8C-43D2-9C6E-12887B4DEDFB}"/>
+          <p:cNvPr id="8" name="Footer Placeholder 7">
+            <a:extLst>
+              <a:ext uri="{FF2B5EF4-FFF2-40B4-BE49-F238E27FC236}">
+                <a16:creationId xmlns:a16="http://schemas.microsoft.com/office/drawing/2014/main" id="{905F172A-5D5D-43CD-A187-DA0D303F4144}"/>
               </a:ext>
             </a:extLst>
           </p:cNvPr>
@@ -11750,10 +12037,10 @@
       </p:sp>
       <p:sp>
         <p:nvSpPr>
-          <p:cNvPr id="6" name="Slide Number Placeholder 5">
-            <a:extLst>
-              <a:ext uri="{FF2B5EF4-FFF2-40B4-BE49-F238E27FC236}">
-                <a16:creationId xmlns:a16="http://schemas.microsoft.com/office/drawing/2014/main" id="{7C4B8313-9270-4128-8674-3A3E42B806BC}"/>
+          <p:cNvPr id="9" name="Slide Number Placeholder 8">
+            <a:extLst>
+              <a:ext uri="{FF2B5EF4-FFF2-40B4-BE49-F238E27FC236}">
+                <a16:creationId xmlns:a16="http://schemas.microsoft.com/office/drawing/2014/main" id="{C396FFDC-ADE8-4009-A466-A81787258E88}"/>
               </a:ext>
             </a:extLst>
           </p:cNvPr>
@@ -11786,7 +12073,7 @@
     </p:spTree>
     <p:extLst>
       <p:ext uri="{BB962C8B-B14F-4D97-AF65-F5344CB8AC3E}">
-        <p14:creationId xmlns:p14="http://schemas.microsoft.com/office/powerpoint/2010/main" val="1742861620"/>
+        <p14:creationId xmlns:p14="http://schemas.microsoft.com/office/powerpoint/2010/main" val="1663780162"/>
       </p:ext>
     </p:extLst>
   </p:cSld>
@@ -12588,6 +12875,34 @@
 </file>
 
 <file path=customXml/item1.xml><?xml version="1.0" encoding="utf-8"?>
+<p:properties xmlns:p="http://schemas.microsoft.com/office/2006/metadata/properties" xmlns:xsi="http://www.w3.org/2001/XMLSchema-instance" xmlns:pc="http://schemas.microsoft.com/office/infopath/2007/PartnerControls">
+  <documentManagement>
+    <_ip_UnifiedCompliancePolicyUIAction xmlns="http://schemas.microsoft.com/sharepoint/v3" xsi:nil="true"/>
+    <Image xmlns="71af3243-3dd4-4a8d-8c0d-dd76da1f02a5">
+      <Url xsi:nil="true"/>
+      <Description xsi:nil="true"/>
+    </Image>
+    <Status xmlns="71af3243-3dd4-4a8d-8c0d-dd76da1f02a5">Not started</Status>
+    <_ip_UnifiedCompliancePolicyProperties xmlns="http://schemas.microsoft.com/sharepoint/v3" xsi:nil="true"/>
+    <ImageTagsTaxHTField xmlns="71af3243-3dd4-4a8d-8c0d-dd76da1f02a5">
+      <Terms xmlns="http://schemas.microsoft.com/office/infopath/2007/PartnerControls"/>
+    </ImageTagsTaxHTField>
+    <TaxCatchAll xmlns="230e9df3-be65-4c73-a93b-d1236ebd677e"/>
+    <MediaServiceKeyPoints xmlns="71af3243-3dd4-4a8d-8c0d-dd76da1f02a5" xsi:nil="true"/>
+  </documentManagement>
+</p:properties>
+</file>
+
+<file path=customXml/item2.xml><?xml version="1.0" encoding="utf-8"?>
+<?mso-contentType ?>
+<FormTemplates xmlns="http://schemas.microsoft.com/sharepoint/v3/contenttype/forms">
+  <Display>DocumentLibraryForm</Display>
+  <Edit>DocumentLibraryForm</Edit>
+  <New>DocumentLibraryForm</New>
+</FormTemplates>
+</file>
+
+<file path=customXml/item3.xml><?xml version="1.0" encoding="utf-8"?>
 <ct:contentTypeSchema xmlns:ct="http://schemas.microsoft.com/office/2006/metadata/contentType" xmlns:ma="http://schemas.microsoft.com/office/2006/metadata/properties/metaAttributes" ct:_="" ma:_="" ma:contentTypeName="Document" ma:contentTypeID="0x01010079F111ED35F8CC479449609E8A0923A6" ma:contentTypeVersion="20" ma:contentTypeDescription="Create a new document." ma:contentTypeScope="" ma:versionID="1267097ee5f5874adfcc408041ae252e">
   <xsd:schema xmlns:xsd="http://www.w3.org/2001/XMLSchema" xmlns:xs="http://www.w3.org/2001/XMLSchema" xmlns:p="http://schemas.microsoft.com/office/2006/metadata/properties" xmlns:ns1="http://schemas.microsoft.com/sharepoint/v3" xmlns:ns2="71af3243-3dd4-4a8d-8c0d-dd76da1f02a5" xmlns:ns3="16c05727-aa75-4e4a-9b5f-8a80a1165891" xmlns:ns4="230e9df3-be65-4c73-a93b-d1236ebd677e" targetNamespace="http://schemas.microsoft.com/office/2006/metadata/properties" ma:root="true" ma:fieldsID="395891a93df65b14727750f2c06c306c" ns1:_="" ns2:_="" ns3:_="" ns4:_="">
     <xsd:import namespace="http://schemas.microsoft.com/sharepoint/v3"/>
@@ -12863,35 +13178,27 @@
 </ct:contentTypeSchema>
 </file>
 
-<file path=customXml/item2.xml><?xml version="1.0" encoding="utf-8"?>
-<?mso-contentType ?>
-<FormTemplates xmlns="http://schemas.microsoft.com/sharepoint/v3/contenttype/forms">
-  <Display>DocumentLibraryForm</Display>
-  <Edit>DocumentLibraryForm</Edit>
-  <New>DocumentLibraryForm</New>
-</FormTemplates>
+<file path=customXml/itemProps1.xml><?xml version="1.0" encoding="utf-8"?>
+<ds:datastoreItem xmlns:ds="http://schemas.openxmlformats.org/officeDocument/2006/customXml" ds:itemID="{29C43685-694E-4579-B109-3C418D49DA65}">
+  <ds:schemaRefs>
+    <ds:schemaRef ds:uri="http://schemas.microsoft.com/office/2006/metadata/properties"/>
+    <ds:schemaRef ds:uri="http://schemas.microsoft.com/office/infopath/2007/PartnerControls"/>
+    <ds:schemaRef ds:uri="http://schemas.microsoft.com/sharepoint/v3"/>
+    <ds:schemaRef ds:uri="71af3243-3dd4-4a8d-8c0d-dd76da1f02a5"/>
+    <ds:schemaRef ds:uri="230e9df3-be65-4c73-a93b-d1236ebd677e"/>
+  </ds:schemaRefs>
+</ds:datastoreItem>
 </file>
 
-<file path=customXml/item3.xml><?xml version="1.0" encoding="utf-8"?>
-<p:properties xmlns:p="http://schemas.microsoft.com/office/2006/metadata/properties" xmlns:xsi="http://www.w3.org/2001/XMLSchema-instance" xmlns:pc="http://schemas.microsoft.com/office/infopath/2007/PartnerControls">
-  <documentManagement>
-    <_ip_UnifiedCompliancePolicyUIAction xmlns="http://schemas.microsoft.com/sharepoint/v3" xsi:nil="true"/>
-    <Image xmlns="71af3243-3dd4-4a8d-8c0d-dd76da1f02a5">
-      <Url xsi:nil="true"/>
-      <Description xsi:nil="true"/>
-    </Image>
-    <Status xmlns="71af3243-3dd4-4a8d-8c0d-dd76da1f02a5">Not started</Status>
-    <_ip_UnifiedCompliancePolicyProperties xmlns="http://schemas.microsoft.com/sharepoint/v3" xsi:nil="true"/>
-    <ImageTagsTaxHTField xmlns="71af3243-3dd4-4a8d-8c0d-dd76da1f02a5">
-      <Terms xmlns="http://schemas.microsoft.com/office/infopath/2007/PartnerControls"/>
-    </ImageTagsTaxHTField>
-    <TaxCatchAll xmlns="230e9df3-be65-4c73-a93b-d1236ebd677e"/>
-    <MediaServiceKeyPoints xmlns="71af3243-3dd4-4a8d-8c0d-dd76da1f02a5" xsi:nil="true"/>
-  </documentManagement>
-</p:properties>
+<file path=customXml/itemProps2.xml><?xml version="1.0" encoding="utf-8"?>
+<ds:datastoreItem xmlns:ds="http://schemas.openxmlformats.org/officeDocument/2006/customXml" ds:itemID="{0FD6FE22-81A0-4500-AFD0-342D21BB9A2C}">
+  <ds:schemaRefs>
+    <ds:schemaRef ds:uri="http://schemas.microsoft.com/sharepoint/v3/contenttype/forms"/>
+  </ds:schemaRefs>
+</ds:datastoreItem>
 </file>
 
-<file path=customXml/itemProps1.xml><?xml version="1.0" encoding="utf-8"?>
+<file path=customXml/itemProps3.xml><?xml version="1.0" encoding="utf-8"?>
 <ds:datastoreItem xmlns:ds="http://schemas.openxmlformats.org/officeDocument/2006/customXml" ds:itemID="{CC96B61E-1B64-430F-934F-7D1B90028029}">
   <ds:schemaRefs>
     <ds:schemaRef ds:uri="http://schemas.microsoft.com/office/2006/metadata/contentType"/>
@@ -12912,26 +13219,6 @@
 </ds:datastoreItem>
 </file>
 
-<file path=customXml/itemProps2.xml><?xml version="1.0" encoding="utf-8"?>
-<ds:datastoreItem xmlns:ds="http://schemas.openxmlformats.org/officeDocument/2006/customXml" ds:itemID="{0FD6FE22-81A0-4500-AFD0-342D21BB9A2C}">
-  <ds:schemaRefs>
-    <ds:schemaRef ds:uri="http://schemas.microsoft.com/sharepoint/v3/contenttype/forms"/>
-  </ds:schemaRefs>
-</ds:datastoreItem>
-</file>
-
-<file path=customXml/itemProps3.xml><?xml version="1.0" encoding="utf-8"?>
-<ds:datastoreItem xmlns:ds="http://schemas.openxmlformats.org/officeDocument/2006/customXml" ds:itemID="{29C43685-694E-4579-B109-3C418D49DA65}">
-  <ds:schemaRefs>
-    <ds:schemaRef ds:uri="http://schemas.microsoft.com/office/2006/metadata/properties"/>
-    <ds:schemaRef ds:uri="http://schemas.microsoft.com/office/infopath/2007/PartnerControls"/>
-    <ds:schemaRef ds:uri="http://schemas.microsoft.com/sharepoint/v3"/>
-    <ds:schemaRef ds:uri="71af3243-3dd4-4a8d-8c0d-dd76da1f02a5"/>
-    <ds:schemaRef ds:uri="230e9df3-be65-4c73-a93b-d1236ebd677e"/>
-  </ds:schemaRefs>
-</ds:datastoreItem>
-</file>
-
 <file path=docMetadata/LabelInfo.xml><?xml version="1.0" encoding="utf-8"?>
 <clbl:labelList xmlns:clbl="http://schemas.microsoft.com/office/2020/mipLabelMetadata">
   <clbl:label id="{f42aa342-8706-4288-bd11-ebb85995028c}" enabled="1" method="Standard" siteId="{72f988bf-86f1-41af-91ab-2d7cd011db47}" removed="0"/>

--- a/argo_learnings.pptx
+++ b/argo_learnings.pptx
@@ -11526,7 +11526,7 @@
         </p:spPr>
         <p:txBody>
           <a:bodyPr>
-            <a:normAutofit lnSpcReduction="10000"/>
+            <a:normAutofit/>
           </a:bodyPr>
           <a:lstStyle/>
           <a:p>
@@ -11599,7 +11599,7 @@
             </a:pPr>
             <a:r>
               <a:rPr lang="en-US" sz="1800" dirty="0"/>
-              <a:t>Ensure all pods are running</a:t>
+              <a:t>Now update the new image version at - </a:t>
             </a:r>
           </a:p>
           <a:p>
@@ -11615,22 +11615,20 @@
                 </a:solidFill>
                 <a:latin typeface="Abadi" panose="020B0604020104020204" pitchFamily="34" charset="0"/>
               </a:rPr>
-              <a:t>kubectl get pods –n argocd</a:t>
-            </a:r>
-            <a:endParaRPr lang="en-US" sz="1500" dirty="0">
-              <a:solidFill>
-                <a:srgbClr val="7030A0"/>
-              </a:solidFill>
-            </a:endParaRPr>
+              <a:t>resources/nodeapp/templates/01-deployments/nodeapp_deployment.yaml</a:t>
+            </a:r>
           </a:p>
           <a:p>
             <a:pPr marL="285750" indent="-285750">
+              <a:lnSpc>
+                <a:spcPct val="110000"/>
+              </a:lnSpc>
               <a:buFont typeface="Wingdings" panose="05000000000000000000" pitchFamily="2" charset="2"/>
               <a:buChar char="q"/>
             </a:pPr>
             <a:r>
               <a:rPr lang="en-US" sz="1800" dirty="0"/>
-              <a:t>To get admin password for UI, command is - </a:t>
+              <a:t>The application will be auto deployed in sometime</a:t>
             </a:r>
           </a:p>
           <a:p>
@@ -11639,38 +11637,6 @@
                 <a:spcPts val="0"/>
               </a:spcBef>
             </a:pPr>
-            <a:r>
-              <a:rPr lang="pt-BR" sz="1500" dirty="0">
-                <a:solidFill>
-                  <a:srgbClr val="7030A0"/>
-                </a:solidFill>
-                <a:latin typeface="Abadi" panose="020B0604020104020204" pitchFamily="34" charset="0"/>
-              </a:rPr>
-              <a:t>argocd admin initial-password -n argocd</a:t>
-            </a:r>
-          </a:p>
-          <a:p>
-            <a:pPr>
-              <a:spcBef>
-                <a:spcPts val="0"/>
-              </a:spcBef>
-            </a:pPr>
-            <a:endParaRPr lang="pt-BR" sz="1500" dirty="0">
-              <a:solidFill>
-                <a:srgbClr val="7030A0"/>
-              </a:solidFill>
-              <a:latin typeface="Abadi" panose="020B0604020104020204" pitchFamily="34" charset="0"/>
-            </a:endParaRPr>
-          </a:p>
-          <a:p>
-            <a:pPr marL="285750" indent="-285750">
-              <a:buFont typeface="Wingdings" panose="05000000000000000000" pitchFamily="2" charset="2"/>
-              <a:buChar char="q"/>
-            </a:pPr>
-            <a:r>
-              <a:rPr lang="en-US" sz="1800" dirty="0"/>
-              <a:t>Port forwarding – </a:t>
-            </a:r>
             <a:endParaRPr lang="pt-BR" sz="1500" dirty="0">
               <a:solidFill>
                 <a:srgbClr val="7030A0"/>

--- a/argo_learnings.pptx
+++ b/argo_learnings.pptx
@@ -12841,6 +12841,15 @@
 </file>
 
 <file path=customXml/item1.xml><?xml version="1.0" encoding="utf-8"?>
+<?mso-contentType ?>
+<FormTemplates xmlns="http://schemas.microsoft.com/sharepoint/v3/contenttype/forms">
+  <Display>DocumentLibraryForm</Display>
+  <Edit>DocumentLibraryForm</Edit>
+  <New>DocumentLibraryForm</New>
+</FormTemplates>
+</file>
+
+<file path=customXml/item2.xml><?xml version="1.0" encoding="utf-8"?>
 <p:properties xmlns:p="http://schemas.microsoft.com/office/2006/metadata/properties" xmlns:xsi="http://www.w3.org/2001/XMLSchema-instance" xmlns:pc="http://schemas.microsoft.com/office/infopath/2007/PartnerControls">
   <documentManagement>
     <_ip_UnifiedCompliancePolicyUIAction xmlns="http://schemas.microsoft.com/sharepoint/v3" xsi:nil="true"/>
@@ -12857,15 +12866,6 @@
     <MediaServiceKeyPoints xmlns="71af3243-3dd4-4a8d-8c0d-dd76da1f02a5" xsi:nil="true"/>
   </documentManagement>
 </p:properties>
-</file>
-
-<file path=customXml/item2.xml><?xml version="1.0" encoding="utf-8"?>
-<?mso-contentType ?>
-<FormTemplates xmlns="http://schemas.microsoft.com/sharepoint/v3/contenttype/forms">
-  <Display>DocumentLibraryForm</Display>
-  <Edit>DocumentLibraryForm</Edit>
-  <New>DocumentLibraryForm</New>
-</FormTemplates>
 </file>
 
 <file path=customXml/item3.xml><?xml version="1.0" encoding="utf-8"?>
@@ -13145,6 +13145,14 @@
 </file>
 
 <file path=customXml/itemProps1.xml><?xml version="1.0" encoding="utf-8"?>
+<ds:datastoreItem xmlns:ds="http://schemas.openxmlformats.org/officeDocument/2006/customXml" ds:itemID="{0FD6FE22-81A0-4500-AFD0-342D21BB9A2C}">
+  <ds:schemaRefs>
+    <ds:schemaRef ds:uri="http://schemas.microsoft.com/sharepoint/v3/contenttype/forms"/>
+  </ds:schemaRefs>
+</ds:datastoreItem>
+</file>
+
+<file path=customXml/itemProps2.xml><?xml version="1.0" encoding="utf-8"?>
 <ds:datastoreItem xmlns:ds="http://schemas.openxmlformats.org/officeDocument/2006/customXml" ds:itemID="{29C43685-694E-4579-B109-3C418D49DA65}">
   <ds:schemaRefs>
     <ds:schemaRef ds:uri="http://schemas.microsoft.com/office/2006/metadata/properties"/>
@@ -13152,14 +13160,6 @@
     <ds:schemaRef ds:uri="http://schemas.microsoft.com/sharepoint/v3"/>
     <ds:schemaRef ds:uri="71af3243-3dd4-4a8d-8c0d-dd76da1f02a5"/>
     <ds:schemaRef ds:uri="230e9df3-be65-4c73-a93b-d1236ebd677e"/>
-  </ds:schemaRefs>
-</ds:datastoreItem>
-</file>
-
-<file path=customXml/itemProps2.xml><?xml version="1.0" encoding="utf-8"?>
-<ds:datastoreItem xmlns:ds="http://schemas.openxmlformats.org/officeDocument/2006/customXml" ds:itemID="{0FD6FE22-81A0-4500-AFD0-342D21BB9A2C}">
-  <ds:schemaRefs>
-    <ds:schemaRef ds:uri="http://schemas.microsoft.com/sharepoint/v3/contenttype/forms"/>
   </ds:schemaRefs>
 </ds:datastoreItem>
 </file>

--- a/argo_learnings.pptx
+++ b/argo_learnings.pptx
@@ -5,22 +5,23 @@
     <p:sldMasterId id="2147483648" r:id="rId4"/>
   </p:sldMasterIdLst>
   <p:notesMasterIdLst>
-    <p:notesMasterId r:id="rId15"/>
+    <p:notesMasterId r:id="rId16"/>
   </p:notesMasterIdLst>
   <p:handoutMasterIdLst>
-    <p:handoutMasterId r:id="rId16"/>
+    <p:handoutMasterId r:id="rId17"/>
   </p:handoutMasterIdLst>
   <p:sldIdLst>
     <p:sldId id="256" r:id="rId5"/>
     <p:sldId id="258" r:id="rId6"/>
-    <p:sldId id="273" r:id="rId7"/>
-    <p:sldId id="275" r:id="rId8"/>
-    <p:sldId id="276" r:id="rId9"/>
-    <p:sldId id="277" r:id="rId10"/>
-    <p:sldId id="278" r:id="rId11"/>
-    <p:sldId id="262" r:id="rId12"/>
-    <p:sldId id="260" r:id="rId13"/>
-    <p:sldId id="266" r:id="rId14"/>
+    <p:sldId id="279" r:id="rId7"/>
+    <p:sldId id="273" r:id="rId8"/>
+    <p:sldId id="275" r:id="rId9"/>
+    <p:sldId id="276" r:id="rId10"/>
+    <p:sldId id="277" r:id="rId11"/>
+    <p:sldId id="278" r:id="rId12"/>
+    <p:sldId id="262" r:id="rId13"/>
+    <p:sldId id="260" r:id="rId14"/>
+    <p:sldId id="266" r:id="rId15"/>
   </p:sldIdLst>
   <p:sldSz cx="12192000" cy="6858000"/>
   <p:notesSz cx="6858000" cy="9144000"/>
@@ -9576,7 +9577,7 @@
           <p:cNvPr id="2" name="Title 1">
             <a:extLst>
               <a:ext uri="{FF2B5EF4-FFF2-40B4-BE49-F238E27FC236}">
-                <a16:creationId xmlns:a16="http://schemas.microsoft.com/office/drawing/2014/main" id="{4518FC28-E0BD-4387-B8BE-9965D1A57FF1}"/>
+                <a16:creationId xmlns:a16="http://schemas.microsoft.com/office/drawing/2014/main" id="{09140014-73D5-419B-8867-972BB18D52D4}"/>
               </a:ext>
             </a:extLst>
           </p:cNvPr>
@@ -9589,8 +9590,8 @@
         </p:nvSpPr>
         <p:spPr>
           <a:xfrm>
-            <a:off x="5476875" y="1671638"/>
-            <a:ext cx="5111750" cy="1204912"/>
+            <a:off x="2933700" y="892177"/>
+            <a:ext cx="8421688" cy="1325563"/>
           </a:xfrm>
         </p:spPr>
         <p:txBody>
@@ -9599,31 +9600,31 @@
           <a:p>
             <a:r>
               <a:rPr lang="en-US" dirty="0"/>
-              <a:t>SUMMARY</a:t>
-            </a:r>
-          </a:p>
-        </p:txBody>
-      </p:sp>
-      <p:sp>
-        <p:nvSpPr>
-          <p:cNvPr id="3" name="Text Placeholder 2">
-            <a:extLst>
-              <a:ext uri="{FF2B5EF4-FFF2-40B4-BE49-F238E27FC236}">
-                <a16:creationId xmlns:a16="http://schemas.microsoft.com/office/drawing/2014/main" id="{FED19BCA-B61F-4EA6-A1FB-CCA3BD8506FB}"/>
-              </a:ext>
-            </a:extLst>
-          </p:cNvPr>
-          <p:cNvSpPr>
-            <a:spLocks noGrp="1"/>
-          </p:cNvSpPr>
-          <p:nvPr>
-            <p:ph type="body" idx="1"/>
-          </p:nvPr>
-        </p:nvSpPr>
-        <p:spPr>
-          <a:xfrm>
-            <a:off x="5476875" y="3429000"/>
-            <a:ext cx="5111750" cy="2105526"/>
+              <a:t>Further learning</a:t>
+            </a:r>
+          </a:p>
+        </p:txBody>
+      </p:sp>
+      <p:sp>
+        <p:nvSpPr>
+          <p:cNvPr id="4" name="Content Placeholder 3">
+            <a:extLst>
+              <a:ext uri="{FF2B5EF4-FFF2-40B4-BE49-F238E27FC236}">
+                <a16:creationId xmlns:a16="http://schemas.microsoft.com/office/drawing/2014/main" id="{33D8731E-4977-402E-8BFD-895B4D0544CC}"/>
+              </a:ext>
+            </a:extLst>
+          </p:cNvPr>
+          <p:cNvSpPr>
+            <a:spLocks noGrp="1"/>
+          </p:cNvSpPr>
+          <p:nvPr>
+            <p:ph sz="half" idx="2"/>
+          </p:nvPr>
+        </p:nvSpPr>
+        <p:spPr>
+          <a:xfrm>
+            <a:off x="2933699" y="2289177"/>
+            <a:ext cx="8789871" cy="1997867"/>
           </a:xfrm>
         </p:spPr>
         <p:txBody>
@@ -9634,29 +9635,35 @@
           <a:p>
             <a:r>
               <a:rPr lang="en-US" dirty="0"/>
-              <a:t>We learnt few features of node js, which enables us to design a MVC application where middleware interacts with backend. </a:t>
+              <a:t>Filtering – how to filter data when say price is greater than or less than</a:t>
             </a:r>
           </a:p>
           <a:p>
             <a:r>
               <a:rPr lang="en-US" dirty="0"/>
-              <a:t>We user atlas mongo db as our database, which is primarily used for node js</a:t>
+              <a:t>Atlas mongo features</a:t>
             </a:r>
           </a:p>
           <a:p>
             <a:r>
               <a:rPr lang="en-US" dirty="0"/>
-              <a:t>Always prefer node js for faster applications and not for CPU intensive applications</a:t>
-            </a:r>
-          </a:p>
-        </p:txBody>
-      </p:sp>
-      <p:sp>
-        <p:nvSpPr>
-          <p:cNvPr id="4" name="Date Placeholder 3">
-            <a:extLst>
-              <a:ext uri="{FF2B5EF4-FFF2-40B4-BE49-F238E27FC236}">
-                <a16:creationId xmlns:a16="http://schemas.microsoft.com/office/drawing/2014/main" id="{00560550-EE65-43CE-B899-F421E74287A1}"/>
+              <a:t>Views with java script</a:t>
+            </a:r>
+          </a:p>
+          <a:p>
+            <a:r>
+              <a:rPr lang="en-US" dirty="0"/>
+              <a:t>Tool for mongo db, like Mongo Compass</a:t>
+            </a:r>
+          </a:p>
+        </p:txBody>
+      </p:sp>
+      <p:sp>
+        <p:nvSpPr>
+          <p:cNvPr id="7" name="Date Placeholder 6">
+            <a:extLst>
+              <a:ext uri="{FF2B5EF4-FFF2-40B4-BE49-F238E27FC236}">
+                <a16:creationId xmlns:a16="http://schemas.microsoft.com/office/drawing/2014/main" id="{B2A46C4A-D036-4440-BB64-6754F4FF27C1}"/>
               </a:ext>
             </a:extLst>
           </p:cNvPr>
@@ -9686,10 +9693,10 @@
       </p:sp>
       <p:sp>
         <p:nvSpPr>
-          <p:cNvPr id="5" name="Footer Placeholder 4">
-            <a:extLst>
-              <a:ext uri="{FF2B5EF4-FFF2-40B4-BE49-F238E27FC236}">
-                <a16:creationId xmlns:a16="http://schemas.microsoft.com/office/drawing/2014/main" id="{4135E32A-1A8C-43D2-9C6E-12887B4DEDFB}"/>
+          <p:cNvPr id="8" name="Footer Placeholder 7">
+            <a:extLst>
+              <a:ext uri="{FF2B5EF4-FFF2-40B4-BE49-F238E27FC236}">
+                <a16:creationId xmlns:a16="http://schemas.microsoft.com/office/drawing/2014/main" id="{905F172A-5D5D-43CD-A187-DA0D303F4144}"/>
               </a:ext>
             </a:extLst>
           </p:cNvPr>
@@ -9719,10 +9726,10 @@
       </p:sp>
       <p:sp>
         <p:nvSpPr>
-          <p:cNvPr id="6" name="Slide Number Placeholder 5">
-            <a:extLst>
-              <a:ext uri="{FF2B5EF4-FFF2-40B4-BE49-F238E27FC236}">
-                <a16:creationId xmlns:a16="http://schemas.microsoft.com/office/drawing/2014/main" id="{7C4B8313-9270-4128-8674-3A3E42B806BC}"/>
+          <p:cNvPr id="9" name="Slide Number Placeholder 8">
+            <a:extLst>
+              <a:ext uri="{FF2B5EF4-FFF2-40B4-BE49-F238E27FC236}">
+                <a16:creationId xmlns:a16="http://schemas.microsoft.com/office/drawing/2014/main" id="{C396FFDC-ADE8-4009-A466-A81787258E88}"/>
               </a:ext>
             </a:extLst>
           </p:cNvPr>
@@ -9747,6 +9754,217 @@
               <a:rPr lang="en-US" smtClean="0"/>
               <a:pPr/>
               <a:t>10</a:t>
+            </a:fld>
+            <a:endParaRPr lang="en-US" dirty="0"/>
+          </a:p>
+        </p:txBody>
+      </p:sp>
+    </p:spTree>
+    <p:extLst>
+      <p:ext uri="{BB962C8B-B14F-4D97-AF65-F5344CB8AC3E}">
+        <p14:creationId xmlns:p14="http://schemas.microsoft.com/office/powerpoint/2010/main" val="1663780162"/>
+      </p:ext>
+    </p:extLst>
+  </p:cSld>
+  <p:clrMapOvr>
+    <a:masterClrMapping/>
+  </p:clrMapOvr>
+</p:sld>
+</file>
+
+<file path=ppt/slides/slide11.xml><?xml version="1.0" encoding="utf-8"?>
+<p:sld xmlns:a="http://schemas.openxmlformats.org/drawingml/2006/main" xmlns:r="http://schemas.openxmlformats.org/officeDocument/2006/relationships" xmlns:p="http://schemas.openxmlformats.org/presentationml/2006/main">
+  <p:cSld>
+    <p:spTree>
+      <p:nvGrpSpPr>
+        <p:cNvPr id="1" name=""/>
+        <p:cNvGrpSpPr/>
+        <p:nvPr/>
+      </p:nvGrpSpPr>
+      <p:grpSpPr>
+        <a:xfrm>
+          <a:off x="0" y="0"/>
+          <a:ext cx="0" cy="0"/>
+          <a:chOff x="0" y="0"/>
+          <a:chExt cx="0" cy="0"/>
+        </a:xfrm>
+      </p:grpSpPr>
+      <p:sp>
+        <p:nvSpPr>
+          <p:cNvPr id="2" name="Title 1">
+            <a:extLst>
+              <a:ext uri="{FF2B5EF4-FFF2-40B4-BE49-F238E27FC236}">
+                <a16:creationId xmlns:a16="http://schemas.microsoft.com/office/drawing/2014/main" id="{4518FC28-E0BD-4387-B8BE-9965D1A57FF1}"/>
+              </a:ext>
+            </a:extLst>
+          </p:cNvPr>
+          <p:cNvSpPr>
+            <a:spLocks noGrp="1"/>
+          </p:cNvSpPr>
+          <p:nvPr>
+            <p:ph type="title"/>
+          </p:nvPr>
+        </p:nvSpPr>
+        <p:spPr>
+          <a:xfrm>
+            <a:off x="5476875" y="1671638"/>
+            <a:ext cx="5111750" cy="1204912"/>
+          </a:xfrm>
+        </p:spPr>
+        <p:txBody>
+          <a:bodyPr/>
+          <a:lstStyle/>
+          <a:p>
+            <a:r>
+              <a:rPr lang="en-US" dirty="0"/>
+              <a:t>SUMMARY</a:t>
+            </a:r>
+          </a:p>
+        </p:txBody>
+      </p:sp>
+      <p:sp>
+        <p:nvSpPr>
+          <p:cNvPr id="3" name="Text Placeholder 2">
+            <a:extLst>
+              <a:ext uri="{FF2B5EF4-FFF2-40B4-BE49-F238E27FC236}">
+                <a16:creationId xmlns:a16="http://schemas.microsoft.com/office/drawing/2014/main" id="{FED19BCA-B61F-4EA6-A1FB-CCA3BD8506FB}"/>
+              </a:ext>
+            </a:extLst>
+          </p:cNvPr>
+          <p:cNvSpPr>
+            <a:spLocks noGrp="1"/>
+          </p:cNvSpPr>
+          <p:nvPr>
+            <p:ph type="body" idx="1"/>
+          </p:nvPr>
+        </p:nvSpPr>
+        <p:spPr>
+          <a:xfrm>
+            <a:off x="5476875" y="3429000"/>
+            <a:ext cx="5111750" cy="2105526"/>
+          </a:xfrm>
+        </p:spPr>
+        <p:txBody>
+          <a:bodyPr>
+            <a:normAutofit/>
+          </a:bodyPr>
+          <a:lstStyle/>
+          <a:p>
+            <a:r>
+              <a:rPr lang="en-US" dirty="0"/>
+              <a:t>We learnt few features of node js, which enables us to design a MVC application where middleware interacts with backend. </a:t>
+            </a:r>
+          </a:p>
+          <a:p>
+            <a:r>
+              <a:rPr lang="en-US" dirty="0"/>
+              <a:t>We user atlas mongo db as our database, which is primarily used for node js</a:t>
+            </a:r>
+          </a:p>
+          <a:p>
+            <a:r>
+              <a:rPr lang="en-US" dirty="0"/>
+              <a:t>Always prefer node js for faster applications and not for CPU intensive applications</a:t>
+            </a:r>
+          </a:p>
+        </p:txBody>
+      </p:sp>
+      <p:sp>
+        <p:nvSpPr>
+          <p:cNvPr id="4" name="Date Placeholder 3">
+            <a:extLst>
+              <a:ext uri="{FF2B5EF4-FFF2-40B4-BE49-F238E27FC236}">
+                <a16:creationId xmlns:a16="http://schemas.microsoft.com/office/drawing/2014/main" id="{00560550-EE65-43CE-B899-F421E74287A1}"/>
+              </a:ext>
+            </a:extLst>
+          </p:cNvPr>
+          <p:cNvSpPr>
+            <a:spLocks noGrp="1"/>
+          </p:cNvSpPr>
+          <p:nvPr>
+            <p:ph type="dt" sz="half" idx="10"/>
+          </p:nvPr>
+        </p:nvSpPr>
+        <p:spPr>
+          <a:xfrm>
+            <a:off x="838200" y="6356350"/>
+            <a:ext cx="2743200" cy="365125"/>
+          </a:xfrm>
+        </p:spPr>
+        <p:txBody>
+          <a:bodyPr/>
+          <a:lstStyle/>
+          <a:p>
+            <a:r>
+              <a:rPr lang="en-US" dirty="0"/>
+              <a:t>20XX</a:t>
+            </a:r>
+          </a:p>
+        </p:txBody>
+      </p:sp>
+      <p:sp>
+        <p:nvSpPr>
+          <p:cNvPr id="5" name="Footer Placeholder 4">
+            <a:extLst>
+              <a:ext uri="{FF2B5EF4-FFF2-40B4-BE49-F238E27FC236}">
+                <a16:creationId xmlns:a16="http://schemas.microsoft.com/office/drawing/2014/main" id="{4135E32A-1A8C-43D2-9C6E-12887B4DEDFB}"/>
+              </a:ext>
+            </a:extLst>
+          </p:cNvPr>
+          <p:cNvSpPr>
+            <a:spLocks noGrp="1"/>
+          </p:cNvSpPr>
+          <p:nvPr>
+            <p:ph type="ftr" sz="quarter" idx="11"/>
+          </p:nvPr>
+        </p:nvSpPr>
+        <p:spPr>
+          <a:xfrm>
+            <a:off x="4038600" y="6356350"/>
+            <a:ext cx="4114800" cy="365125"/>
+          </a:xfrm>
+        </p:spPr>
+        <p:txBody>
+          <a:bodyPr/>
+          <a:lstStyle/>
+          <a:p>
+            <a:r>
+              <a:rPr lang="en-US" dirty="0"/>
+              <a:t>PRESENTATION TITLE</a:t>
+            </a:r>
+          </a:p>
+        </p:txBody>
+      </p:sp>
+      <p:sp>
+        <p:nvSpPr>
+          <p:cNvPr id="6" name="Slide Number Placeholder 5">
+            <a:extLst>
+              <a:ext uri="{FF2B5EF4-FFF2-40B4-BE49-F238E27FC236}">
+                <a16:creationId xmlns:a16="http://schemas.microsoft.com/office/drawing/2014/main" id="{7C4B8313-9270-4128-8674-3A3E42B806BC}"/>
+              </a:ext>
+            </a:extLst>
+          </p:cNvPr>
+          <p:cNvSpPr>
+            <a:spLocks noGrp="1"/>
+          </p:cNvSpPr>
+          <p:nvPr>
+            <p:ph type="sldNum" sz="quarter" idx="12"/>
+          </p:nvPr>
+        </p:nvSpPr>
+        <p:spPr>
+          <a:xfrm>
+            <a:off x="8610600" y="6356350"/>
+            <a:ext cx="2743200" cy="365125"/>
+          </a:xfrm>
+        </p:spPr>
+        <p:txBody>
+          <a:bodyPr/>
+          <a:lstStyle/>
+          <a:p>
+            <a:fld id="{A49DFD55-3C28-40EF-9E31-A92D2E4017FF}" type="slidenum">
+              <a:rPr lang="en-US" smtClean="0"/>
+              <a:pPr/>
+              <a:t>11</a:t>
             </a:fld>
             <a:endParaRPr lang="en-US" dirty="0"/>
           </a:p>
@@ -9836,7 +10054,7 @@
         <p:spPr>
           <a:xfrm>
             <a:off x="566944" y="824808"/>
-            <a:ext cx="8139734" cy="3760444"/>
+            <a:ext cx="10511734" cy="3760444"/>
           </a:xfrm>
         </p:spPr>
         <p:txBody>
@@ -9851,7 +10069,37 @@
             </a:pPr>
             <a:r>
               <a:rPr lang="en-US" sz="1800" dirty="0"/>
-              <a:t>A Continuous Deployment tool</a:t>
+              <a:t>A GitOps Continuous Deployment tool</a:t>
+            </a:r>
+          </a:p>
+          <a:p>
+            <a:pPr marL="285750" indent="-285750">
+              <a:buFont typeface="Wingdings" panose="05000000000000000000" pitchFamily="2" charset="2"/>
+              <a:buChar char="q"/>
+            </a:pPr>
+            <a:r>
+              <a:rPr lang="en-US" sz="1800" dirty="0"/>
+              <a:t>It monitors the cluster and declarative yamls stored in Git repository and resolves differences</a:t>
+            </a:r>
+          </a:p>
+          <a:p>
+            <a:pPr marL="285750" indent="-285750">
+              <a:buFont typeface="Wingdings" panose="05000000000000000000" pitchFamily="2" charset="2"/>
+              <a:buChar char="q"/>
+            </a:pPr>
+            <a:r>
+              <a:rPr lang="en-US" sz="1800" dirty="0"/>
+              <a:t>ArgoCD automatically deploys new configuration and new version of code to target environment</a:t>
+            </a:r>
+          </a:p>
+          <a:p>
+            <a:pPr marL="285750" indent="-285750">
+              <a:buFont typeface="Wingdings" panose="05000000000000000000" pitchFamily="2" charset="2"/>
+              <a:buChar char="q"/>
+            </a:pPr>
+            <a:r>
+              <a:rPr lang="en-US" sz="1800" dirty="0"/>
+              <a:t>This tool is great for complex application rollout</a:t>
             </a:r>
           </a:p>
           <a:p>
@@ -9997,7 +10245,7 @@
           <a:p>
             <a:r>
               <a:rPr lang="en-US" sz="2400" dirty="0"/>
-              <a:t>Installation and tools</a:t>
+              <a:t>Few Terminologies</a:t>
             </a:r>
           </a:p>
         </p:txBody>
@@ -10020,13 +10268,13 @@
         </p:nvSpPr>
         <p:spPr>
           <a:xfrm>
-            <a:off x="566944" y="824807"/>
-            <a:ext cx="11012248" cy="4623091"/>
+            <a:off x="566944" y="824808"/>
+            <a:ext cx="10511734" cy="3760444"/>
           </a:xfrm>
         </p:spPr>
         <p:txBody>
           <a:bodyPr>
-            <a:normAutofit fontScale="92500" lnSpcReduction="20000"/>
+            <a:normAutofit/>
           </a:bodyPr>
           <a:lstStyle/>
           <a:p>
@@ -10036,23 +10284,7 @@
             </a:pPr>
             <a:r>
               <a:rPr lang="en-US" sz="1800" dirty="0"/>
-              <a:t>Follow following URL for installation – </a:t>
-            </a:r>
-          </a:p>
-          <a:p>
-            <a:pPr>
-              <a:spcBef>
-                <a:spcPts val="0"/>
-              </a:spcBef>
-            </a:pPr>
-            <a:r>
-              <a:rPr lang="en-US" sz="1500" dirty="0">
-                <a:solidFill>
-                  <a:srgbClr val="7030A0"/>
-                </a:solidFill>
-                <a:latin typeface="Abadi" panose="020B0604020104020204" pitchFamily="34" charset="0"/>
-              </a:rPr>
-              <a:t>https://argo-cd.readthedocs.io/en/stable/getting_started/</a:t>
+              <a:t>ArgoCD ‘Application’  is a yaml manifest which tells ArgoCD, how the application should be deployed</a:t>
             </a:r>
           </a:p>
           <a:p>
@@ -10062,7 +10294,7 @@
             </a:pPr>
             <a:r>
               <a:rPr lang="en-US" sz="1800" dirty="0"/>
-              <a:t>For local env, to access Argo CD API server, do port forwarding</a:t>
+              <a:t>ArgoCD ‘ApplicationSet’, is controller, which helps ArgoCD to generate/deploy applications</a:t>
             </a:r>
           </a:p>
           <a:p>
@@ -10070,238 +10302,13 @@
               <a:buFont typeface="Wingdings" panose="05000000000000000000" pitchFamily="2" charset="2"/>
               <a:buChar char="q"/>
             </a:pPr>
-            <a:r>
-              <a:rPr lang="en-US" sz="1800" dirty="0"/>
-              <a:t>The code setup required few plugins. Run these commands to setup those – </a:t>
-            </a:r>
-          </a:p>
-          <a:p>
-            <a:pPr marL="285750" indent="-285750">
-              <a:buFont typeface="Wingdings" panose="05000000000000000000" pitchFamily="2" charset="2"/>
-              <a:buChar char="q"/>
-            </a:pPr>
-            <a:r>
-              <a:rPr lang="en-US" sz="1800" dirty="0"/>
-              <a:t>At argo-all repo , get files inside folder - /plugins/argocd-vault-plugin-helm-custom</a:t>
-            </a:r>
-          </a:p>
-          <a:p>
-            <a:pPr>
-              <a:lnSpc>
-                <a:spcPct val="120000"/>
-              </a:lnSpc>
-            </a:pPr>
-            <a:r>
-              <a:rPr lang="en-US" sz="1500" dirty="0">
-                <a:solidFill>
-                  <a:srgbClr val="7030A0"/>
-                </a:solidFill>
-                <a:latin typeface="Abadi" panose="020B0604020104020204" pitchFamily="34" charset="0"/>
-              </a:rPr>
-              <a:t>kubectl -n argocd patch cm/argocd-cm -p "$(cat </a:t>
-            </a:r>
-            <a:r>
-              <a:rPr lang="en-US" sz="1500" dirty="0" err="1">
-                <a:solidFill>
-                  <a:srgbClr val="7030A0"/>
-                </a:solidFill>
-                <a:latin typeface="Abadi" panose="020B0604020104020204" pitchFamily="34" charset="0"/>
-              </a:rPr>
-              <a:t>cm.yaml</a:t>
-            </a:r>
-            <a:r>
-              <a:rPr lang="en-US" sz="1500" dirty="0">
-                <a:solidFill>
-                  <a:srgbClr val="7030A0"/>
-                </a:solidFill>
-                <a:latin typeface="Abadi" panose="020B0604020104020204" pitchFamily="34" charset="0"/>
-              </a:rPr>
-              <a:t>)"</a:t>
-            </a:r>
-          </a:p>
-          <a:p>
-            <a:pPr>
-              <a:lnSpc>
-                <a:spcPct val="120000"/>
-              </a:lnSpc>
-            </a:pPr>
-            <a:r>
-              <a:rPr lang="en-US" sz="1500" dirty="0">
-                <a:solidFill>
-                  <a:srgbClr val="7030A0"/>
-                </a:solidFill>
-                <a:latin typeface="Abadi" panose="020B0604020104020204" pitchFamily="34" charset="0"/>
-              </a:rPr>
-              <a:t>kubectl -n argocd patch deploy/argocd-repo-server -p "$(cat </a:t>
-            </a:r>
-            <a:r>
-              <a:rPr lang="en-US" sz="1500" dirty="0" err="1">
-                <a:solidFill>
-                  <a:srgbClr val="7030A0"/>
-                </a:solidFill>
-                <a:latin typeface="Abadi" panose="020B0604020104020204" pitchFamily="34" charset="0"/>
-              </a:rPr>
-              <a:t>deploy.yaml</a:t>
-            </a:r>
-            <a:r>
-              <a:rPr lang="en-US" sz="1500" dirty="0">
-                <a:solidFill>
-                  <a:srgbClr val="7030A0"/>
-                </a:solidFill>
-                <a:latin typeface="Abadi" panose="020B0604020104020204" pitchFamily="34" charset="0"/>
-              </a:rPr>
-              <a:t>)"</a:t>
-            </a:r>
-          </a:p>
-          <a:p>
-            <a:pPr marL="285750" indent="-285750">
-              <a:lnSpc>
-                <a:spcPct val="110000"/>
-              </a:lnSpc>
-              <a:buFont typeface="Wingdings" panose="05000000000000000000" pitchFamily="2" charset="2"/>
-              <a:buChar char="q"/>
-            </a:pPr>
-            <a:r>
-              <a:rPr lang="en-US" sz="1800" dirty="0"/>
-              <a:t>Ensure all pods are running</a:t>
-            </a:r>
-          </a:p>
-          <a:p>
-            <a:pPr>
-              <a:lnSpc>
-                <a:spcPct val="110000"/>
-              </a:lnSpc>
-            </a:pPr>
-            <a:r>
-              <a:rPr lang="en-US" sz="1500" dirty="0">
-                <a:solidFill>
-                  <a:srgbClr val="7030A0"/>
-                </a:solidFill>
-                <a:latin typeface="Abadi" panose="020B0604020104020204" pitchFamily="34" charset="0"/>
-              </a:rPr>
-              <a:t>kubectl get pods –n argocd</a:t>
-            </a:r>
-            <a:endParaRPr lang="en-US" sz="1500" dirty="0">
-              <a:solidFill>
-                <a:srgbClr val="7030A0"/>
-              </a:solidFill>
-            </a:endParaRPr>
-          </a:p>
-          <a:p>
-            <a:pPr marL="285750" indent="-285750">
-              <a:buFont typeface="Wingdings" panose="05000000000000000000" pitchFamily="2" charset="2"/>
-              <a:buChar char="q"/>
-            </a:pPr>
-            <a:r>
-              <a:rPr lang="en-US" sz="1800" dirty="0"/>
-              <a:t>To get admin password for UI, command is - </a:t>
-            </a:r>
-          </a:p>
-          <a:p>
-            <a:pPr>
-              <a:spcBef>
-                <a:spcPts val="0"/>
-              </a:spcBef>
-            </a:pPr>
-            <a:r>
-              <a:rPr lang="pt-BR" sz="1500" dirty="0">
-                <a:solidFill>
-                  <a:srgbClr val="7030A0"/>
-                </a:solidFill>
-                <a:latin typeface="Abadi" panose="020B0604020104020204" pitchFamily="34" charset="0"/>
-              </a:rPr>
-              <a:t>argocd admin initial-password -n argocd</a:t>
-            </a:r>
-          </a:p>
-          <a:p>
-            <a:pPr>
-              <a:spcBef>
-                <a:spcPts val="0"/>
-              </a:spcBef>
-            </a:pPr>
-            <a:endParaRPr lang="pt-BR" sz="1500" dirty="0">
-              <a:solidFill>
-                <a:srgbClr val="7030A0"/>
-              </a:solidFill>
-              <a:latin typeface="Abadi" panose="020B0604020104020204" pitchFamily="34" charset="0"/>
-            </a:endParaRPr>
-          </a:p>
-          <a:p>
-            <a:pPr marL="285750" indent="-285750">
-              <a:buFont typeface="Wingdings" panose="05000000000000000000" pitchFamily="2" charset="2"/>
-              <a:buChar char="q"/>
-            </a:pPr>
-            <a:r>
-              <a:rPr lang="en-US" sz="1800" dirty="0"/>
-              <a:t>Port forwarding – </a:t>
-            </a:r>
-            <a:endParaRPr lang="pt-BR" sz="1500" dirty="0">
-              <a:solidFill>
-                <a:srgbClr val="7030A0"/>
-              </a:solidFill>
-              <a:latin typeface="Abadi" panose="020B0604020104020204" pitchFamily="34" charset="0"/>
-            </a:endParaRPr>
-          </a:p>
-          <a:p>
-            <a:pPr>
-              <a:spcBef>
-                <a:spcPts val="0"/>
-              </a:spcBef>
-            </a:pPr>
-            <a:endParaRPr lang="en-US" sz="1500" dirty="0">
-              <a:solidFill>
-                <a:srgbClr val="7030A0"/>
-              </a:solidFill>
-              <a:latin typeface="Abadi" panose="020B0604020104020204" pitchFamily="34" charset="0"/>
-            </a:endParaRPr>
-          </a:p>
-          <a:p>
-            <a:pPr>
-              <a:spcBef>
-                <a:spcPts val="0"/>
-              </a:spcBef>
-            </a:pPr>
-            <a:r>
-              <a:rPr lang="en-US" sz="2000" dirty="0">
-                <a:effectLst/>
-              </a:rPr>
-              <a:t>kubectl port-forward svc/argocd-server -n argocd 8080:443</a:t>
-            </a:r>
-            <a:endParaRPr lang="en-US" sz="1500" dirty="0">
-              <a:solidFill>
-                <a:srgbClr val="7030A0"/>
-              </a:solidFill>
-              <a:latin typeface="Abadi" panose="020B0604020104020204" pitchFamily="34" charset="0"/>
-            </a:endParaRPr>
-          </a:p>
-          <a:p>
-            <a:pPr>
-              <a:spcBef>
-                <a:spcPts val="0"/>
-              </a:spcBef>
-            </a:pPr>
-            <a:r>
-              <a:rPr lang="en-US" dirty="0">
-                <a:solidFill>
-                  <a:srgbClr val="7030A0"/>
-                </a:solidFill>
-                <a:latin typeface="Abadi" panose="020B0604020104020204" pitchFamily="34" charset="0"/>
-                <a:hlinkClick r:id="rId2">
-                  <a:extLst>
-                    <a:ext uri="{A12FA001-AC4F-418D-AE19-62706E023703}">
-                      <ahyp:hlinkClr xmlns:ahyp="http://schemas.microsoft.com/office/drawing/2018/hyperlinkcolor" val="tx"/>
-                    </a:ext>
-                  </a:extLst>
-                </a:hlinkClick>
-              </a:rPr>
-              <a:t>     </a:t>
-            </a:r>
-            <a:endParaRPr lang="en-US" dirty="0">
-              <a:solidFill>
-                <a:srgbClr val="7030A0"/>
-              </a:solidFill>
-              <a:latin typeface="Abadi" panose="020B0604020104020204" pitchFamily="34" charset="0"/>
-            </a:endParaRPr>
+            <a:endParaRPr lang="en-US" sz="1800" dirty="0"/>
+          </a:p>
+          <a:p>
+            <a:endParaRPr lang="en-US" dirty="0"/>
+          </a:p>
+          <a:p>
+            <a:endParaRPr lang="en-US" dirty="0"/>
           </a:p>
         </p:txBody>
       </p:sp>
@@ -10376,7 +10383,7 @@
     </p:spTree>
     <p:extLst>
       <p:ext uri="{BB962C8B-B14F-4D97-AF65-F5344CB8AC3E}">
-        <p14:creationId xmlns:p14="http://schemas.microsoft.com/office/powerpoint/2010/main" val="2020502254"/>
+        <p14:creationId xmlns:p14="http://schemas.microsoft.com/office/powerpoint/2010/main" val="2283271699"/>
       </p:ext>
     </p:extLst>
   </p:cSld>
@@ -10421,8 +10428,8 @@
         </p:nvSpPr>
         <p:spPr>
           <a:xfrm>
-            <a:off x="831849" y="140528"/>
-            <a:ext cx="6887611" cy="517664"/>
+            <a:off x="831850" y="140528"/>
+            <a:ext cx="5111750" cy="517664"/>
           </a:xfrm>
         </p:spPr>
         <p:txBody>
@@ -10433,7 +10440,7 @@
           <a:p>
             <a:r>
               <a:rPr lang="en-US" sz="2400" dirty="0"/>
-              <a:t>Over THE Argo cd UI – Add Project</a:t>
+              <a:t>Installation and tools</a:t>
             </a:r>
           </a:p>
         </p:txBody>
@@ -10456,13 +10463,13 @@
         </p:nvSpPr>
         <p:spPr>
           <a:xfrm>
-            <a:off x="566943" y="824807"/>
-            <a:ext cx="9895717" cy="5701121"/>
+            <a:off x="566944" y="824807"/>
+            <a:ext cx="11012248" cy="4623091"/>
           </a:xfrm>
         </p:spPr>
         <p:txBody>
           <a:bodyPr>
-            <a:normAutofit/>
+            <a:normAutofit fontScale="92500" lnSpcReduction="20000"/>
           </a:bodyPr>
           <a:lstStyle/>
           <a:p>
@@ -10471,8 +10478,24 @@
               <a:buChar char="q"/>
             </a:pPr>
             <a:r>
-              <a:rPr lang="en-US" sz="1600" dirty="0"/>
-              <a:t>Login to UI and on Settings, Project, create new Project</a:t>
+              <a:rPr lang="en-US" sz="1800" dirty="0"/>
+              <a:t>Follow following URL for installation – </a:t>
+            </a:r>
+          </a:p>
+          <a:p>
+            <a:pPr>
+              <a:spcBef>
+                <a:spcPts val="0"/>
+              </a:spcBef>
+            </a:pPr>
+            <a:r>
+              <a:rPr lang="en-US" sz="1500" dirty="0">
+                <a:solidFill>
+                  <a:srgbClr val="7030A0"/>
+                </a:solidFill>
+                <a:latin typeface="Abadi" panose="020B0604020104020204" pitchFamily="34" charset="0"/>
+              </a:rPr>
+              <a:t>https://argo-cd.readthedocs.io/en/stable/getting_started/</a:t>
             </a:r>
           </a:p>
           <a:p>
@@ -10481,8 +10504,8 @@
               <a:buChar char="q"/>
             </a:pPr>
             <a:r>
-              <a:rPr lang="en-US" sz="1600" dirty="0"/>
-              <a:t>Setting, Project, click on project and add Source repository, Destinations, Cluster Resource Allow List, Namespace Resource Allow List as *</a:t>
+              <a:rPr lang="en-US" sz="1800" dirty="0"/>
+              <a:t>For local env, to access Argo CD API server, do port forwarding</a:t>
             </a:r>
           </a:p>
           <a:p>
@@ -10491,8 +10514,8 @@
               <a:buChar char="q"/>
             </a:pPr>
             <a:r>
-              <a:rPr lang="en-US" sz="1600" dirty="0"/>
-              <a:t>Don’t put any entry for Cluster Resource Deny List, Namespace Resource Deny List</a:t>
+              <a:rPr lang="en-US" sz="1800" dirty="0"/>
+              <a:t>The code setup required few plugins. Run these commands to setup those – </a:t>
             </a:r>
           </a:p>
           <a:p>
@@ -10500,16 +10523,222 @@
               <a:buFont typeface="Wingdings" panose="05000000000000000000" pitchFamily="2" charset="2"/>
               <a:buChar char="q"/>
             </a:pPr>
-            <a:endParaRPr lang="en-US" sz="1600" dirty="0"/>
+            <a:r>
+              <a:rPr lang="en-US" sz="1800" dirty="0"/>
+              <a:t>At argo-all repo , get files inside folder - /plugins/argocd-vault-plugin-helm-custom</a:t>
+            </a:r>
+          </a:p>
+          <a:p>
+            <a:pPr>
+              <a:lnSpc>
+                <a:spcPct val="120000"/>
+              </a:lnSpc>
+            </a:pPr>
+            <a:r>
+              <a:rPr lang="en-US" sz="1500" dirty="0">
+                <a:solidFill>
+                  <a:srgbClr val="7030A0"/>
+                </a:solidFill>
+                <a:latin typeface="Abadi" panose="020B0604020104020204" pitchFamily="34" charset="0"/>
+              </a:rPr>
+              <a:t>kubectl -n argocd patch cm/argocd-cm -p "$(cat </a:t>
+            </a:r>
+            <a:r>
+              <a:rPr lang="en-US" sz="1500" dirty="0" err="1">
+                <a:solidFill>
+                  <a:srgbClr val="7030A0"/>
+                </a:solidFill>
+                <a:latin typeface="Abadi" panose="020B0604020104020204" pitchFamily="34" charset="0"/>
+              </a:rPr>
+              <a:t>cm.yaml</a:t>
+            </a:r>
+            <a:r>
+              <a:rPr lang="en-US" sz="1500" dirty="0">
+                <a:solidFill>
+                  <a:srgbClr val="7030A0"/>
+                </a:solidFill>
+                <a:latin typeface="Abadi" panose="020B0604020104020204" pitchFamily="34" charset="0"/>
+              </a:rPr>
+              <a:t>)"</a:t>
+            </a:r>
+          </a:p>
+          <a:p>
+            <a:pPr>
+              <a:lnSpc>
+                <a:spcPct val="120000"/>
+              </a:lnSpc>
+            </a:pPr>
+            <a:r>
+              <a:rPr lang="en-US" sz="1500" dirty="0">
+                <a:solidFill>
+                  <a:srgbClr val="7030A0"/>
+                </a:solidFill>
+                <a:latin typeface="Abadi" panose="020B0604020104020204" pitchFamily="34" charset="0"/>
+              </a:rPr>
+              <a:t>kubectl -n argocd patch deploy/argocd-repo-server -p "$(cat </a:t>
+            </a:r>
+            <a:r>
+              <a:rPr lang="en-US" sz="1500" dirty="0" err="1">
+                <a:solidFill>
+                  <a:srgbClr val="7030A0"/>
+                </a:solidFill>
+                <a:latin typeface="Abadi" panose="020B0604020104020204" pitchFamily="34" charset="0"/>
+              </a:rPr>
+              <a:t>deploy.yaml</a:t>
+            </a:r>
+            <a:r>
+              <a:rPr lang="en-US" sz="1500" dirty="0">
+                <a:solidFill>
+                  <a:srgbClr val="7030A0"/>
+                </a:solidFill>
+                <a:latin typeface="Abadi" panose="020B0604020104020204" pitchFamily="34" charset="0"/>
+              </a:rPr>
+              <a:t>)"</a:t>
+            </a:r>
+          </a:p>
+          <a:p>
+            <a:pPr marL="285750" indent="-285750">
+              <a:lnSpc>
+                <a:spcPct val="110000"/>
+              </a:lnSpc>
+              <a:buFont typeface="Wingdings" panose="05000000000000000000" pitchFamily="2" charset="2"/>
+              <a:buChar char="q"/>
+            </a:pPr>
+            <a:r>
+              <a:rPr lang="en-US" sz="1800" dirty="0"/>
+              <a:t>Ensure all pods are running</a:t>
+            </a:r>
+          </a:p>
+          <a:p>
+            <a:pPr>
+              <a:lnSpc>
+                <a:spcPct val="110000"/>
+              </a:lnSpc>
+            </a:pPr>
+            <a:r>
+              <a:rPr lang="en-US" sz="1500" dirty="0">
+                <a:solidFill>
+                  <a:srgbClr val="7030A0"/>
+                </a:solidFill>
+                <a:latin typeface="Abadi" panose="020B0604020104020204" pitchFamily="34" charset="0"/>
+              </a:rPr>
+              <a:t>kubectl get pods –n argocd</a:t>
+            </a:r>
+            <a:endParaRPr lang="en-US" sz="1500" dirty="0">
+              <a:solidFill>
+                <a:srgbClr val="7030A0"/>
+              </a:solidFill>
+            </a:endParaRPr>
           </a:p>
           <a:p>
             <a:pPr marL="285750" indent="-285750">
               <a:buFont typeface="Wingdings" panose="05000000000000000000" pitchFamily="2" charset="2"/>
               <a:buChar char="q"/>
             </a:pPr>
-            <a:endParaRPr lang="en-US" sz="1600" dirty="0"/>
-          </a:p>
-          <a:p>
+            <a:r>
+              <a:rPr lang="en-US" sz="1800" dirty="0"/>
+              <a:t>To get admin password for UI, command is - </a:t>
+            </a:r>
+          </a:p>
+          <a:p>
+            <a:pPr>
+              <a:spcBef>
+                <a:spcPts val="0"/>
+              </a:spcBef>
+            </a:pPr>
+            <a:r>
+              <a:rPr lang="pt-BR" sz="1500" dirty="0">
+                <a:solidFill>
+                  <a:srgbClr val="7030A0"/>
+                </a:solidFill>
+                <a:latin typeface="Abadi" panose="020B0604020104020204" pitchFamily="34" charset="0"/>
+              </a:rPr>
+              <a:t>argocd admin initial-password -n argocd</a:t>
+            </a:r>
+          </a:p>
+          <a:p>
+            <a:pPr>
+              <a:spcBef>
+                <a:spcPts val="0"/>
+              </a:spcBef>
+            </a:pPr>
+            <a:endParaRPr lang="pt-BR" sz="1500" dirty="0">
+              <a:solidFill>
+                <a:srgbClr val="7030A0"/>
+              </a:solidFill>
+              <a:latin typeface="Abadi" panose="020B0604020104020204" pitchFamily="34" charset="0"/>
+            </a:endParaRPr>
+          </a:p>
+          <a:p>
+            <a:pPr marL="285750" indent="-285750">
+              <a:buFont typeface="Wingdings" panose="05000000000000000000" pitchFamily="2" charset="2"/>
+              <a:buChar char="q"/>
+            </a:pPr>
+            <a:r>
+              <a:rPr lang="en-US" sz="1800" dirty="0"/>
+              <a:t>Port forwarding – </a:t>
+            </a:r>
+            <a:endParaRPr lang="pt-BR" sz="1500" dirty="0">
+              <a:solidFill>
+                <a:srgbClr val="7030A0"/>
+              </a:solidFill>
+              <a:latin typeface="Abadi" panose="020B0604020104020204" pitchFamily="34" charset="0"/>
+            </a:endParaRPr>
+          </a:p>
+          <a:p>
+            <a:pPr>
+              <a:spcBef>
+                <a:spcPts val="0"/>
+              </a:spcBef>
+            </a:pPr>
+            <a:endParaRPr lang="en-US" sz="1500" dirty="0">
+              <a:solidFill>
+                <a:srgbClr val="7030A0"/>
+              </a:solidFill>
+              <a:latin typeface="Abadi" panose="020B0604020104020204" pitchFamily="34" charset="0"/>
+            </a:endParaRPr>
+          </a:p>
+          <a:p>
+            <a:pPr>
+              <a:spcBef>
+                <a:spcPts val="0"/>
+              </a:spcBef>
+            </a:pPr>
+            <a:r>
+              <a:rPr lang="en-US" sz="2000" dirty="0">
+                <a:effectLst/>
+              </a:rPr>
+              <a:t>kubectl port-forward svc/argocd-server -n argocd 8080:443</a:t>
+            </a:r>
+            <a:endParaRPr lang="en-US" sz="1500" dirty="0">
+              <a:solidFill>
+                <a:srgbClr val="7030A0"/>
+              </a:solidFill>
+              <a:latin typeface="Abadi" panose="020B0604020104020204" pitchFamily="34" charset="0"/>
+            </a:endParaRPr>
+          </a:p>
+          <a:p>
+            <a:pPr>
+              <a:spcBef>
+                <a:spcPts val="0"/>
+              </a:spcBef>
+            </a:pPr>
+            <a:r>
+              <a:rPr lang="en-US" dirty="0">
+                <a:solidFill>
+                  <a:srgbClr val="7030A0"/>
+                </a:solidFill>
+                <a:latin typeface="Abadi" panose="020B0604020104020204" pitchFamily="34" charset="0"/>
+                <a:hlinkClick r:id="rId2">
+                  <a:extLst>
+                    <a:ext uri="{A12FA001-AC4F-418D-AE19-62706E023703}">
+                      <ahyp:hlinkClr xmlns:ahyp="http://schemas.microsoft.com/office/drawing/2018/hyperlinkcolor" val="tx"/>
+                    </a:ext>
+                  </a:extLst>
+                </a:hlinkClick>
+              </a:rPr>
+              <a:t>     </a:t>
+            </a:r>
             <a:endParaRPr lang="en-US" dirty="0">
               <a:solidFill>
                 <a:srgbClr val="7030A0"/>
@@ -10587,40 +10816,10 @@
           </a:p>
         </p:txBody>
       </p:sp>
-      <p:pic>
-        <p:nvPicPr>
-          <p:cNvPr id="8" name="Picture 7" descr="A screenshot of a phone&#10;&#10;Description automatically generated with low confidence">
-            <a:extLst>
-              <a:ext uri="{FF2B5EF4-FFF2-40B4-BE49-F238E27FC236}">
-                <a16:creationId xmlns:a16="http://schemas.microsoft.com/office/drawing/2014/main" id="{34113E32-B6DB-9C23-6A26-64B4697D87E6}"/>
-              </a:ext>
-            </a:extLst>
-          </p:cNvPr>
-          <p:cNvPicPr>
-            <a:picLocks noChangeAspect="1"/>
-          </p:cNvPicPr>
-          <p:nvPr/>
-        </p:nvPicPr>
-        <p:blipFill>
-          <a:blip r:embed="rId2"/>
-          <a:stretch>
-            <a:fillRect/>
-          </a:stretch>
-        </p:blipFill>
-        <p:spPr>
-          <a:xfrm>
-            <a:off x="924026" y="2466240"/>
-            <a:ext cx="8768616" cy="3003550"/>
-          </a:xfrm>
-          <a:prstGeom prst="rect">
-            <a:avLst/>
-          </a:prstGeom>
-        </p:spPr>
-      </p:pic>
     </p:spTree>
     <p:extLst>
       <p:ext uri="{BB962C8B-B14F-4D97-AF65-F5344CB8AC3E}">
-        <p14:creationId xmlns:p14="http://schemas.microsoft.com/office/powerpoint/2010/main" val="3538724931"/>
+        <p14:creationId xmlns:p14="http://schemas.microsoft.com/office/powerpoint/2010/main" val="2020502254"/>
       </p:ext>
     </p:extLst>
   </p:cSld>
@@ -10677,7 +10876,7 @@
           <a:p>
             <a:r>
               <a:rPr lang="en-US" sz="2400" dirty="0"/>
-              <a:t>Over THE Argo cd UI – Add Git REPO</a:t>
+              <a:t>Over THE Argo cd UI – Add Project</a:t>
             </a:r>
           </a:p>
         </p:txBody>
@@ -10716,7 +10915,7 @@
             </a:pPr>
             <a:r>
               <a:rPr lang="en-US" sz="1600" dirty="0"/>
-              <a:t>On Settings, Connect Repo , add the git repository containing code (configurations branch)</a:t>
+              <a:t>Login to UI and on Settings, Project, create new Project</a:t>
             </a:r>
           </a:p>
           <a:p>
@@ -10726,8 +10925,25 @@
             </a:pPr>
             <a:r>
               <a:rPr lang="en-US" sz="1600" dirty="0"/>
-              <a:t>Put appropriate username and token as password</a:t>
-            </a:r>
+              <a:t>Setting, Project, click on project and add Source repository, Destinations, Cluster Resource Allow List, Namespace Resource Allow List as *</a:t>
+            </a:r>
+          </a:p>
+          <a:p>
+            <a:pPr marL="285750" indent="-285750">
+              <a:buFont typeface="Wingdings" panose="05000000000000000000" pitchFamily="2" charset="2"/>
+              <a:buChar char="q"/>
+            </a:pPr>
+            <a:r>
+              <a:rPr lang="en-US" sz="1600" dirty="0"/>
+              <a:t>Don’t put any entry for Cluster Resource Deny List, Namespace Resource Deny List</a:t>
+            </a:r>
+          </a:p>
+          <a:p>
+            <a:pPr marL="285750" indent="-285750">
+              <a:buFont typeface="Wingdings" panose="05000000000000000000" pitchFamily="2" charset="2"/>
+              <a:buChar char="q"/>
+            </a:pPr>
+            <a:endParaRPr lang="en-US" sz="1600" dirty="0"/>
           </a:p>
           <a:p>
             <a:pPr marL="285750" indent="-285750">
@@ -10816,10 +11032,10 @@
       </p:sp>
       <p:pic>
         <p:nvPicPr>
-          <p:cNvPr id="7" name="Picture 6">
-            <a:extLst>
-              <a:ext uri="{FF2B5EF4-FFF2-40B4-BE49-F238E27FC236}">
-                <a16:creationId xmlns:a16="http://schemas.microsoft.com/office/drawing/2014/main" id="{C50C618C-C42E-86C3-7B9F-ABED28F109C7}"/>
+          <p:cNvPr id="8" name="Picture 7" descr="A screenshot of a phone&#10;&#10;Description automatically generated with low confidence">
+            <a:extLst>
+              <a:ext uri="{FF2B5EF4-FFF2-40B4-BE49-F238E27FC236}">
+                <a16:creationId xmlns:a16="http://schemas.microsoft.com/office/drawing/2014/main" id="{34113E32-B6DB-9C23-6A26-64B4697D87E6}"/>
               </a:ext>
             </a:extLst>
           </p:cNvPr>
@@ -10836,8 +11052,8 @@
         </p:blipFill>
         <p:spPr>
           <a:xfrm>
-            <a:off x="831849" y="1691005"/>
-            <a:ext cx="9321476" cy="4469798"/>
+            <a:off x="924026" y="2466240"/>
+            <a:ext cx="8768616" cy="3003550"/>
           </a:xfrm>
           <a:prstGeom prst="rect">
             <a:avLst/>
@@ -10847,7 +11063,7 @@
     </p:spTree>
     <p:extLst>
       <p:ext uri="{BB962C8B-B14F-4D97-AF65-F5344CB8AC3E}">
-        <p14:creationId xmlns:p14="http://schemas.microsoft.com/office/powerpoint/2010/main" val="886382101"/>
+        <p14:creationId xmlns:p14="http://schemas.microsoft.com/office/powerpoint/2010/main" val="3538724931"/>
       </p:ext>
     </p:extLst>
   </p:cSld>
@@ -10898,13 +11114,13 @@
         </p:spPr>
         <p:txBody>
           <a:bodyPr>
-            <a:normAutofit fontScale="90000"/>
+            <a:normAutofit/>
           </a:bodyPr>
           <a:lstStyle/>
           <a:p>
             <a:r>
               <a:rPr lang="en-US" sz="2400" dirty="0"/>
-              <a:t>Over THE Argo cd UI – create application</a:t>
+              <a:t>Over THE Argo cd UI – Add Git REPO</a:t>
             </a:r>
           </a:p>
         </p:txBody>
@@ -10943,38 +11159,8 @@
             </a:pPr>
             <a:r>
               <a:rPr lang="en-US" sz="1600" dirty="0"/>
-              <a:t>On Application -&gt; New App and Input following</a:t>
-            </a:r>
-          </a:p>
-          <a:p>
-            <a:endParaRPr lang="en-US" sz="1600" dirty="0"/>
-          </a:p>
-          <a:p>
-            <a:endParaRPr lang="en-US" sz="1600" dirty="0"/>
-          </a:p>
-          <a:p>
-            <a:endParaRPr lang="en-US" sz="1600" dirty="0"/>
-          </a:p>
-          <a:p>
-            <a:endParaRPr lang="en-US" sz="1600" dirty="0"/>
-          </a:p>
-          <a:p>
-            <a:endParaRPr lang="en-US" sz="1600" dirty="0"/>
-          </a:p>
-          <a:p>
-            <a:endParaRPr lang="en-US" sz="1600" dirty="0"/>
-          </a:p>
-          <a:p>
-            <a:endParaRPr lang="en-US" sz="1600" dirty="0"/>
-          </a:p>
-          <a:p>
-            <a:endParaRPr lang="en-US" sz="1600" dirty="0"/>
-          </a:p>
-          <a:p>
-            <a:endParaRPr lang="en-US" sz="1600" dirty="0"/>
-          </a:p>
-          <a:p>
-            <a:endParaRPr lang="en-US" sz="1600" dirty="0"/>
+              <a:t>On Settings, Connect Repo , add the git repository containing code (configurations branch)</a:t>
+            </a:r>
           </a:p>
           <a:p>
             <a:pPr marL="285750" indent="-285750">
@@ -10983,7 +11169,7 @@
             </a:pPr>
             <a:r>
               <a:rPr lang="en-US" sz="1600" dirty="0"/>
-              <a:t>Once application is created, do hard refresh and sync</a:t>
+              <a:t>Put appropriate username and token as password</a:t>
             </a:r>
           </a:p>
           <a:p>
@@ -10991,20 +11177,7 @@
               <a:buFont typeface="Wingdings" panose="05000000000000000000" pitchFamily="2" charset="2"/>
               <a:buChar char="q"/>
             </a:pPr>
-            <a:r>
-              <a:rPr lang="en-US" sz="1600" dirty="0"/>
-              <a:t>Ensure docker login on host</a:t>
-            </a:r>
-          </a:p>
-          <a:p>
-            <a:pPr marL="285750" indent="-285750">
-              <a:buFont typeface="Wingdings" panose="05000000000000000000" pitchFamily="2" charset="2"/>
-              <a:buChar char="q"/>
-            </a:pPr>
-            <a:r>
-              <a:rPr lang="en-US" sz="1600" dirty="0"/>
-              <a:t>Also ensure to turn off ZScaler</a:t>
-            </a:r>
+            <a:endParaRPr lang="en-US" sz="1600" dirty="0"/>
           </a:p>
           <a:p>
             <a:endParaRPr lang="en-US" dirty="0">
@@ -11079,6 +11252,276 @@
               <a:rPr lang="en-US" smtClean="0"/>
               <a:pPr/>
               <a:t>6</a:t>
+            </a:fld>
+            <a:endParaRPr lang="en-US" dirty="0"/>
+          </a:p>
+        </p:txBody>
+      </p:sp>
+      <p:pic>
+        <p:nvPicPr>
+          <p:cNvPr id="7" name="Picture 6">
+            <a:extLst>
+              <a:ext uri="{FF2B5EF4-FFF2-40B4-BE49-F238E27FC236}">
+                <a16:creationId xmlns:a16="http://schemas.microsoft.com/office/drawing/2014/main" id="{C50C618C-C42E-86C3-7B9F-ABED28F109C7}"/>
+              </a:ext>
+            </a:extLst>
+          </p:cNvPr>
+          <p:cNvPicPr>
+            <a:picLocks noChangeAspect="1"/>
+          </p:cNvPicPr>
+          <p:nvPr/>
+        </p:nvPicPr>
+        <p:blipFill>
+          <a:blip r:embed="rId2"/>
+          <a:stretch>
+            <a:fillRect/>
+          </a:stretch>
+        </p:blipFill>
+        <p:spPr>
+          <a:xfrm>
+            <a:off x="831849" y="1691005"/>
+            <a:ext cx="9321476" cy="4469798"/>
+          </a:xfrm>
+          <a:prstGeom prst="rect">
+            <a:avLst/>
+          </a:prstGeom>
+        </p:spPr>
+      </p:pic>
+    </p:spTree>
+    <p:extLst>
+      <p:ext uri="{BB962C8B-B14F-4D97-AF65-F5344CB8AC3E}">
+        <p14:creationId xmlns:p14="http://schemas.microsoft.com/office/powerpoint/2010/main" val="886382101"/>
+      </p:ext>
+    </p:extLst>
+  </p:cSld>
+  <p:clrMapOvr>
+    <a:masterClrMapping/>
+  </p:clrMapOvr>
+</p:sld>
+</file>
+
+<file path=ppt/slides/slide7.xml><?xml version="1.0" encoding="utf-8"?>
+<p:sld xmlns:a="http://schemas.openxmlformats.org/drawingml/2006/main" xmlns:r="http://schemas.openxmlformats.org/officeDocument/2006/relationships" xmlns:p="http://schemas.openxmlformats.org/presentationml/2006/main">
+  <p:cSld>
+    <p:spTree>
+      <p:nvGrpSpPr>
+        <p:cNvPr id="1" name=""/>
+        <p:cNvGrpSpPr/>
+        <p:nvPr/>
+      </p:nvGrpSpPr>
+      <p:grpSpPr>
+        <a:xfrm>
+          <a:off x="0" y="0"/>
+          <a:ext cx="0" cy="0"/>
+          <a:chOff x="0" y="0"/>
+          <a:chExt cx="0" cy="0"/>
+        </a:xfrm>
+      </p:grpSpPr>
+      <p:sp>
+        <p:nvSpPr>
+          <p:cNvPr id="2" name="Title 1">
+            <a:extLst>
+              <a:ext uri="{FF2B5EF4-FFF2-40B4-BE49-F238E27FC236}">
+                <a16:creationId xmlns:a16="http://schemas.microsoft.com/office/drawing/2014/main" id="{0A32731C-311B-46F7-A865-6C3AF6B09A47}"/>
+              </a:ext>
+            </a:extLst>
+          </p:cNvPr>
+          <p:cNvSpPr>
+            <a:spLocks noGrp="1"/>
+          </p:cNvSpPr>
+          <p:nvPr>
+            <p:ph type="title"/>
+          </p:nvPr>
+        </p:nvSpPr>
+        <p:spPr>
+          <a:xfrm>
+            <a:off x="831849" y="140528"/>
+            <a:ext cx="6887611" cy="517664"/>
+          </a:xfrm>
+        </p:spPr>
+        <p:txBody>
+          <a:bodyPr>
+            <a:normAutofit fontScale="90000"/>
+          </a:bodyPr>
+          <a:lstStyle/>
+          <a:p>
+            <a:r>
+              <a:rPr lang="en-US" sz="2400" dirty="0"/>
+              <a:t>Over THE Argo cd UI – create application</a:t>
+            </a:r>
+          </a:p>
+        </p:txBody>
+      </p:sp>
+      <p:sp>
+        <p:nvSpPr>
+          <p:cNvPr id="3" name="Text Placeholder 2">
+            <a:extLst>
+              <a:ext uri="{FF2B5EF4-FFF2-40B4-BE49-F238E27FC236}">
+                <a16:creationId xmlns:a16="http://schemas.microsoft.com/office/drawing/2014/main" id="{9D5232F9-FD00-464A-9F17-619C91AEF8F3}"/>
+              </a:ext>
+            </a:extLst>
+          </p:cNvPr>
+          <p:cNvSpPr>
+            <a:spLocks noGrp="1"/>
+          </p:cNvSpPr>
+          <p:nvPr>
+            <p:ph type="body" idx="1"/>
+          </p:nvPr>
+        </p:nvSpPr>
+        <p:spPr>
+          <a:xfrm>
+            <a:off x="566943" y="824807"/>
+            <a:ext cx="9895717" cy="5701121"/>
+          </a:xfrm>
+        </p:spPr>
+        <p:txBody>
+          <a:bodyPr>
+            <a:normAutofit/>
+          </a:bodyPr>
+          <a:lstStyle/>
+          <a:p>
+            <a:pPr marL="285750" indent="-285750">
+              <a:buFont typeface="Wingdings" panose="05000000000000000000" pitchFamily="2" charset="2"/>
+              <a:buChar char="q"/>
+            </a:pPr>
+            <a:r>
+              <a:rPr lang="en-US" sz="1600" dirty="0"/>
+              <a:t>On Application -&gt; New App and Input following</a:t>
+            </a:r>
+          </a:p>
+          <a:p>
+            <a:endParaRPr lang="en-US" sz="1600" dirty="0"/>
+          </a:p>
+          <a:p>
+            <a:endParaRPr lang="en-US" sz="1600" dirty="0"/>
+          </a:p>
+          <a:p>
+            <a:endParaRPr lang="en-US" sz="1600" dirty="0"/>
+          </a:p>
+          <a:p>
+            <a:endParaRPr lang="en-US" sz="1600" dirty="0"/>
+          </a:p>
+          <a:p>
+            <a:endParaRPr lang="en-US" sz="1600" dirty="0"/>
+          </a:p>
+          <a:p>
+            <a:endParaRPr lang="en-US" sz="1600" dirty="0"/>
+          </a:p>
+          <a:p>
+            <a:endParaRPr lang="en-US" sz="1600" dirty="0"/>
+          </a:p>
+          <a:p>
+            <a:endParaRPr lang="en-US" sz="1600" dirty="0"/>
+          </a:p>
+          <a:p>
+            <a:endParaRPr lang="en-US" sz="1600" dirty="0"/>
+          </a:p>
+          <a:p>
+            <a:endParaRPr lang="en-US" sz="1600" dirty="0"/>
+          </a:p>
+          <a:p>
+            <a:pPr marL="285750" indent="-285750">
+              <a:buFont typeface="Wingdings" panose="05000000000000000000" pitchFamily="2" charset="2"/>
+              <a:buChar char="q"/>
+            </a:pPr>
+            <a:r>
+              <a:rPr lang="en-US" sz="1600" dirty="0"/>
+              <a:t>Once application is created, do hard refresh and sync</a:t>
+            </a:r>
+          </a:p>
+          <a:p>
+            <a:pPr marL="285750" indent="-285750">
+              <a:buFont typeface="Wingdings" panose="05000000000000000000" pitchFamily="2" charset="2"/>
+              <a:buChar char="q"/>
+            </a:pPr>
+            <a:r>
+              <a:rPr lang="en-US" sz="1600" dirty="0"/>
+              <a:t>Ensure docker login on host</a:t>
+            </a:r>
+          </a:p>
+          <a:p>
+            <a:pPr marL="285750" indent="-285750">
+              <a:buFont typeface="Wingdings" panose="05000000000000000000" pitchFamily="2" charset="2"/>
+              <a:buChar char="q"/>
+            </a:pPr>
+            <a:r>
+              <a:rPr lang="en-US" sz="1600" dirty="0"/>
+              <a:t>Also ensure to turn off ZScaler</a:t>
+            </a:r>
+          </a:p>
+          <a:p>
+            <a:endParaRPr lang="en-US" dirty="0">
+              <a:solidFill>
+                <a:srgbClr val="7030A0"/>
+              </a:solidFill>
+              <a:latin typeface="Abadi" panose="020B0604020104020204" pitchFamily="34" charset="0"/>
+            </a:endParaRPr>
+          </a:p>
+        </p:txBody>
+      </p:sp>
+      <p:sp>
+        <p:nvSpPr>
+          <p:cNvPr id="4" name="Date Placeholder 3">
+            <a:extLst>
+              <a:ext uri="{FF2B5EF4-FFF2-40B4-BE49-F238E27FC236}">
+                <a16:creationId xmlns:a16="http://schemas.microsoft.com/office/drawing/2014/main" id="{70E12647-CCB2-45E2-A9CB-A868F490497E}"/>
+              </a:ext>
+            </a:extLst>
+          </p:cNvPr>
+          <p:cNvSpPr>
+            <a:spLocks noGrp="1"/>
+          </p:cNvSpPr>
+          <p:nvPr>
+            <p:ph type="dt" sz="half" idx="10"/>
+          </p:nvPr>
+        </p:nvSpPr>
+        <p:spPr>
+          <a:xfrm>
+            <a:off x="838200" y="6356350"/>
+            <a:ext cx="1219200" cy="365125"/>
+          </a:xfrm>
+        </p:spPr>
+        <p:txBody>
+          <a:bodyPr/>
+          <a:lstStyle/>
+          <a:p>
+            <a:r>
+              <a:rPr lang="en-US" dirty="0"/>
+              <a:t>2023</a:t>
+            </a:r>
+          </a:p>
+        </p:txBody>
+      </p:sp>
+      <p:sp>
+        <p:nvSpPr>
+          <p:cNvPr id="6" name="Slide Number Placeholder 5">
+            <a:extLst>
+              <a:ext uri="{FF2B5EF4-FFF2-40B4-BE49-F238E27FC236}">
+                <a16:creationId xmlns:a16="http://schemas.microsoft.com/office/drawing/2014/main" id="{7BC1787E-7110-4989-B0B8-DD4E0ACC09DF}"/>
+              </a:ext>
+            </a:extLst>
+          </p:cNvPr>
+          <p:cNvSpPr>
+            <a:spLocks noGrp="1"/>
+          </p:cNvSpPr>
+          <p:nvPr>
+            <p:ph type="sldNum" sz="quarter" idx="12"/>
+          </p:nvPr>
+        </p:nvSpPr>
+        <p:spPr>
+          <a:xfrm>
+            <a:off x="8610600" y="6356350"/>
+            <a:ext cx="2743200" cy="365125"/>
+          </a:xfrm>
+        </p:spPr>
+        <p:txBody>
+          <a:bodyPr/>
+          <a:lstStyle/>
+          <a:p>
+            <a:fld id="{A49DFD55-3C28-40EF-9E31-A92D2E4017FF}" type="slidenum">
+              <a:rPr lang="en-US" smtClean="0"/>
+              <a:pPr/>
+              <a:t>7</a:t>
             </a:fld>
             <a:endParaRPr lang="en-US" dirty="0"/>
           </a:p>
@@ -11450,325 +11893,6 @@
 </p:sld>
 </file>
 
-<file path=ppt/slides/slide7.xml><?xml version="1.0" encoding="utf-8"?>
-<p:sld xmlns:a="http://schemas.openxmlformats.org/drawingml/2006/main" xmlns:r="http://schemas.openxmlformats.org/officeDocument/2006/relationships" xmlns:p="http://schemas.openxmlformats.org/presentationml/2006/main">
-  <p:cSld>
-    <p:spTree>
-      <p:nvGrpSpPr>
-        <p:cNvPr id="1" name=""/>
-        <p:cNvGrpSpPr/>
-        <p:nvPr/>
-      </p:nvGrpSpPr>
-      <p:grpSpPr>
-        <a:xfrm>
-          <a:off x="0" y="0"/>
-          <a:ext cx="0" cy="0"/>
-          <a:chOff x="0" y="0"/>
-          <a:chExt cx="0" cy="0"/>
-        </a:xfrm>
-      </p:grpSpPr>
-      <p:sp>
-        <p:nvSpPr>
-          <p:cNvPr id="2" name="Title 1">
-            <a:extLst>
-              <a:ext uri="{FF2B5EF4-FFF2-40B4-BE49-F238E27FC236}">
-                <a16:creationId xmlns:a16="http://schemas.microsoft.com/office/drawing/2014/main" id="{0A32731C-311B-46F7-A865-6C3AF6B09A47}"/>
-              </a:ext>
-            </a:extLst>
-          </p:cNvPr>
-          <p:cNvSpPr>
-            <a:spLocks noGrp="1"/>
-          </p:cNvSpPr>
-          <p:nvPr>
-            <p:ph type="title"/>
-          </p:nvPr>
-        </p:nvSpPr>
-        <p:spPr>
-          <a:xfrm>
-            <a:off x="831850" y="140528"/>
-            <a:ext cx="5111750" cy="517664"/>
-          </a:xfrm>
-        </p:spPr>
-        <p:txBody>
-          <a:bodyPr>
-            <a:normAutofit/>
-          </a:bodyPr>
-          <a:lstStyle/>
-          <a:p>
-            <a:r>
-              <a:rPr lang="en-US" sz="2400" dirty="0"/>
-              <a:t>Continuous deployment</a:t>
-            </a:r>
-          </a:p>
-        </p:txBody>
-      </p:sp>
-      <p:sp>
-        <p:nvSpPr>
-          <p:cNvPr id="3" name="Text Placeholder 2">
-            <a:extLst>
-              <a:ext uri="{FF2B5EF4-FFF2-40B4-BE49-F238E27FC236}">
-                <a16:creationId xmlns:a16="http://schemas.microsoft.com/office/drawing/2014/main" id="{9D5232F9-FD00-464A-9F17-619C91AEF8F3}"/>
-              </a:ext>
-            </a:extLst>
-          </p:cNvPr>
-          <p:cNvSpPr>
-            <a:spLocks noGrp="1"/>
-          </p:cNvSpPr>
-          <p:nvPr>
-            <p:ph type="body" idx="1"/>
-          </p:nvPr>
-        </p:nvSpPr>
-        <p:spPr>
-          <a:xfrm>
-            <a:off x="566944" y="824807"/>
-            <a:ext cx="11012248" cy="4623091"/>
-          </a:xfrm>
-        </p:spPr>
-        <p:txBody>
-          <a:bodyPr>
-            <a:normAutofit/>
-          </a:bodyPr>
-          <a:lstStyle/>
-          <a:p>
-            <a:pPr marL="285750" indent="-285750">
-              <a:buFont typeface="Wingdings" panose="05000000000000000000" pitchFamily="2" charset="2"/>
-              <a:buChar char="q"/>
-            </a:pPr>
-            <a:r>
-              <a:rPr lang="en-US" sz="1800" dirty="0"/>
-              <a:t>Continuous integration was discussed during Jenkins demo</a:t>
-            </a:r>
-          </a:p>
-          <a:p>
-            <a:pPr marL="285750" indent="-285750">
-              <a:buFont typeface="Wingdings" panose="05000000000000000000" pitchFamily="2" charset="2"/>
-              <a:buChar char="q"/>
-            </a:pPr>
-            <a:r>
-              <a:rPr lang="en-US" sz="1800" dirty="0"/>
-              <a:t>The CI will create a docker image and place it in docker hub</a:t>
-            </a:r>
-          </a:p>
-          <a:p>
-            <a:pPr marL="285750" indent="-285750">
-              <a:buFont typeface="Wingdings" panose="05000000000000000000" pitchFamily="2" charset="2"/>
-              <a:buChar char="q"/>
-            </a:pPr>
-            <a:r>
-              <a:rPr lang="en-US" sz="1800" dirty="0"/>
-              <a:t>Now application should be auto deployed with new docker image.</a:t>
-            </a:r>
-          </a:p>
-          <a:p>
-            <a:pPr marL="285750" indent="-285750">
-              <a:buFont typeface="Wingdings" panose="05000000000000000000" pitchFamily="2" charset="2"/>
-              <a:buChar char="q"/>
-            </a:pPr>
-            <a:r>
-              <a:rPr lang="en-US" sz="1800" dirty="0"/>
-              <a:t>Run Jenkins with ngrok</a:t>
-            </a:r>
-          </a:p>
-          <a:p>
-            <a:pPr marL="285750" indent="-285750">
-              <a:buFont typeface="Wingdings" panose="05000000000000000000" pitchFamily="2" charset="2"/>
-              <a:buChar char="q"/>
-            </a:pPr>
-            <a:r>
-              <a:rPr lang="en-US" sz="1800" dirty="0"/>
-              <a:t>Update webhook URL on argocd-all GitHub settings</a:t>
-            </a:r>
-          </a:p>
-          <a:p>
-            <a:pPr marL="285750" indent="-285750">
-              <a:buFont typeface="Wingdings" panose="05000000000000000000" pitchFamily="2" charset="2"/>
-              <a:buChar char="q"/>
-            </a:pPr>
-            <a:r>
-              <a:rPr lang="en-US" sz="1800" dirty="0"/>
-              <a:t>Create a pipeline (argocd_all_pipeline), for code branch and Jenkinsfile, therein</a:t>
-            </a:r>
-          </a:p>
-          <a:p>
-            <a:pPr marL="285750" indent="-285750">
-              <a:lnSpc>
-                <a:spcPct val="110000"/>
-              </a:lnSpc>
-              <a:buFont typeface="Wingdings" panose="05000000000000000000" pitchFamily="2" charset="2"/>
-              <a:buChar char="q"/>
-            </a:pPr>
-            <a:r>
-              <a:rPr lang="en-US" sz="1800" dirty="0"/>
-              <a:t>Now update the new image version at - </a:t>
-            </a:r>
-          </a:p>
-          <a:p>
-            <a:pPr>
-              <a:lnSpc>
-                <a:spcPct val="110000"/>
-              </a:lnSpc>
-            </a:pPr>
-            <a:r>
-              <a:rPr lang="en-US" sz="1500" dirty="0">
-                <a:solidFill>
-                  <a:srgbClr val="7030A0"/>
-                </a:solidFill>
-                <a:latin typeface="Abadi" panose="020B0604020104020204" pitchFamily="34" charset="0"/>
-              </a:rPr>
-              <a:t>resources/nodeapp/templates/01-deployments/nodeapp_deployment.yaml</a:t>
-            </a:r>
-          </a:p>
-          <a:p>
-            <a:pPr marL="285750" indent="-285750">
-              <a:lnSpc>
-                <a:spcPct val="110000"/>
-              </a:lnSpc>
-              <a:buFont typeface="Wingdings" panose="05000000000000000000" pitchFamily="2" charset="2"/>
-              <a:buChar char="q"/>
-            </a:pPr>
-            <a:r>
-              <a:rPr lang="en-US" sz="1800" dirty="0"/>
-              <a:t>The application will be auto deployed in sometime</a:t>
-            </a:r>
-          </a:p>
-          <a:p>
-            <a:pPr>
-              <a:spcBef>
-                <a:spcPts val="0"/>
-              </a:spcBef>
-            </a:pPr>
-            <a:endParaRPr lang="pt-BR" sz="1500" dirty="0">
-              <a:solidFill>
-                <a:srgbClr val="7030A0"/>
-              </a:solidFill>
-              <a:latin typeface="Abadi" panose="020B0604020104020204" pitchFamily="34" charset="0"/>
-            </a:endParaRPr>
-          </a:p>
-          <a:p>
-            <a:pPr>
-              <a:spcBef>
-                <a:spcPts val="0"/>
-              </a:spcBef>
-            </a:pPr>
-            <a:endParaRPr lang="en-US" sz="1500" dirty="0">
-              <a:solidFill>
-                <a:srgbClr val="7030A0"/>
-              </a:solidFill>
-              <a:latin typeface="Abadi" panose="020B0604020104020204" pitchFamily="34" charset="0"/>
-            </a:endParaRPr>
-          </a:p>
-          <a:p>
-            <a:pPr>
-              <a:spcBef>
-                <a:spcPts val="0"/>
-              </a:spcBef>
-            </a:pPr>
-            <a:r>
-              <a:rPr lang="en-US" dirty="0">
-                <a:solidFill>
-                  <a:srgbClr val="7030A0"/>
-                </a:solidFill>
-                <a:latin typeface="Abadi" panose="020B0604020104020204" pitchFamily="34" charset="0"/>
-                <a:hlinkClick r:id="rId2">
-                  <a:extLst>
-                    <a:ext uri="{A12FA001-AC4F-418D-AE19-62706E023703}">
-                      <ahyp:hlinkClr xmlns:ahyp="http://schemas.microsoft.com/office/drawing/2018/hyperlinkcolor" val="tx"/>
-                    </a:ext>
-                  </a:extLst>
-                </a:hlinkClick>
-              </a:rPr>
-              <a:t>     </a:t>
-            </a:r>
-            <a:endParaRPr lang="en-US" dirty="0">
-              <a:solidFill>
-                <a:srgbClr val="7030A0"/>
-              </a:solidFill>
-              <a:latin typeface="Abadi" panose="020B0604020104020204" pitchFamily="34" charset="0"/>
-            </a:endParaRPr>
-          </a:p>
-        </p:txBody>
-      </p:sp>
-      <p:sp>
-        <p:nvSpPr>
-          <p:cNvPr id="4" name="Date Placeholder 3">
-            <a:extLst>
-              <a:ext uri="{FF2B5EF4-FFF2-40B4-BE49-F238E27FC236}">
-                <a16:creationId xmlns:a16="http://schemas.microsoft.com/office/drawing/2014/main" id="{70E12647-CCB2-45E2-A9CB-A868F490497E}"/>
-              </a:ext>
-            </a:extLst>
-          </p:cNvPr>
-          <p:cNvSpPr>
-            <a:spLocks noGrp="1"/>
-          </p:cNvSpPr>
-          <p:nvPr>
-            <p:ph type="dt" sz="half" idx="10"/>
-          </p:nvPr>
-        </p:nvSpPr>
-        <p:spPr>
-          <a:xfrm>
-            <a:off x="838200" y="6356350"/>
-            <a:ext cx="1219200" cy="365125"/>
-          </a:xfrm>
-        </p:spPr>
-        <p:txBody>
-          <a:bodyPr/>
-          <a:lstStyle/>
-          <a:p>
-            <a:r>
-              <a:rPr lang="en-US" dirty="0"/>
-              <a:t>2023</a:t>
-            </a:r>
-          </a:p>
-        </p:txBody>
-      </p:sp>
-      <p:sp>
-        <p:nvSpPr>
-          <p:cNvPr id="6" name="Slide Number Placeholder 5">
-            <a:extLst>
-              <a:ext uri="{FF2B5EF4-FFF2-40B4-BE49-F238E27FC236}">
-                <a16:creationId xmlns:a16="http://schemas.microsoft.com/office/drawing/2014/main" id="{7BC1787E-7110-4989-B0B8-DD4E0ACC09DF}"/>
-              </a:ext>
-            </a:extLst>
-          </p:cNvPr>
-          <p:cNvSpPr>
-            <a:spLocks noGrp="1"/>
-          </p:cNvSpPr>
-          <p:nvPr>
-            <p:ph type="sldNum" sz="quarter" idx="12"/>
-          </p:nvPr>
-        </p:nvSpPr>
-        <p:spPr>
-          <a:xfrm>
-            <a:off x="8610600" y="6356350"/>
-            <a:ext cx="2743200" cy="365125"/>
-          </a:xfrm>
-        </p:spPr>
-        <p:txBody>
-          <a:bodyPr/>
-          <a:lstStyle/>
-          <a:p>
-            <a:fld id="{A49DFD55-3C28-40EF-9E31-A92D2E4017FF}" type="slidenum">
-              <a:rPr lang="en-US" smtClean="0"/>
-              <a:pPr/>
-              <a:t>7</a:t>
-            </a:fld>
-            <a:endParaRPr lang="en-US" dirty="0"/>
-          </a:p>
-        </p:txBody>
-      </p:sp>
-    </p:spTree>
-    <p:extLst>
-      <p:ext uri="{BB962C8B-B14F-4D97-AF65-F5344CB8AC3E}">
-        <p14:creationId xmlns:p14="http://schemas.microsoft.com/office/powerpoint/2010/main" val="2241385837"/>
-      </p:ext>
-    </p:extLst>
-  </p:cSld>
-  <p:clrMapOvr>
-    <a:masterClrMapping/>
-  </p:clrMapOvr>
-</p:sld>
-</file>
-
 <file path=ppt/slides/slide8.xml><?xml version="1.0" encoding="utf-8"?>
 <p:sld xmlns:a="http://schemas.openxmlformats.org/drawingml/2006/main" xmlns:r="http://schemas.openxmlformats.org/officeDocument/2006/relationships" xmlns:p="http://schemas.openxmlformats.org/presentationml/2006/main">
   <p:cSld>
@@ -11791,21 +11915,242 @@
           <p:cNvPr id="2" name="Title 1">
             <a:extLst>
               <a:ext uri="{FF2B5EF4-FFF2-40B4-BE49-F238E27FC236}">
-                <a16:creationId xmlns:a16="http://schemas.microsoft.com/office/drawing/2014/main" id="{B1FE5F11-B7B9-4B80-8C6A-A8A7A7190B77}"/>
-              </a:ext>
-            </a:extLst>
-          </p:cNvPr>
-          <p:cNvSpPr>
-            <a:spLocks noGrp="1"/>
-          </p:cNvSpPr>
-          <p:nvPr>
-            <p:ph type="ctrTitle"/>
-          </p:nvPr>
-        </p:nvSpPr>
-        <p:spPr>
-          <a:xfrm>
-            <a:off x="6991350" y="2148840"/>
-            <a:ext cx="4179570" cy="1715531"/>
+                <a16:creationId xmlns:a16="http://schemas.microsoft.com/office/drawing/2014/main" id="{0A32731C-311B-46F7-A865-6C3AF6B09A47}"/>
+              </a:ext>
+            </a:extLst>
+          </p:cNvPr>
+          <p:cNvSpPr>
+            <a:spLocks noGrp="1"/>
+          </p:cNvSpPr>
+          <p:nvPr>
+            <p:ph type="title"/>
+          </p:nvPr>
+        </p:nvSpPr>
+        <p:spPr>
+          <a:xfrm>
+            <a:off x="831850" y="140528"/>
+            <a:ext cx="5111750" cy="517664"/>
+          </a:xfrm>
+        </p:spPr>
+        <p:txBody>
+          <a:bodyPr>
+            <a:normAutofit/>
+          </a:bodyPr>
+          <a:lstStyle/>
+          <a:p>
+            <a:r>
+              <a:rPr lang="en-US" sz="2400" dirty="0"/>
+              <a:t>Continuous deployment</a:t>
+            </a:r>
+          </a:p>
+        </p:txBody>
+      </p:sp>
+      <p:sp>
+        <p:nvSpPr>
+          <p:cNvPr id="3" name="Text Placeholder 2">
+            <a:extLst>
+              <a:ext uri="{FF2B5EF4-FFF2-40B4-BE49-F238E27FC236}">
+                <a16:creationId xmlns:a16="http://schemas.microsoft.com/office/drawing/2014/main" id="{9D5232F9-FD00-464A-9F17-619C91AEF8F3}"/>
+              </a:ext>
+            </a:extLst>
+          </p:cNvPr>
+          <p:cNvSpPr>
+            <a:spLocks noGrp="1"/>
+          </p:cNvSpPr>
+          <p:nvPr>
+            <p:ph type="body" idx="1"/>
+          </p:nvPr>
+        </p:nvSpPr>
+        <p:spPr>
+          <a:xfrm>
+            <a:off x="566944" y="824807"/>
+            <a:ext cx="11012248" cy="4623091"/>
+          </a:xfrm>
+        </p:spPr>
+        <p:txBody>
+          <a:bodyPr>
+            <a:normAutofit/>
+          </a:bodyPr>
+          <a:lstStyle/>
+          <a:p>
+            <a:pPr marL="285750" indent="-285750">
+              <a:buFont typeface="Wingdings" panose="05000000000000000000" pitchFamily="2" charset="2"/>
+              <a:buChar char="q"/>
+            </a:pPr>
+            <a:r>
+              <a:rPr lang="en-US" sz="1800" dirty="0"/>
+              <a:t>Continuous integration was discussed during Jenkins demo</a:t>
+            </a:r>
+          </a:p>
+          <a:p>
+            <a:pPr marL="285750" indent="-285750">
+              <a:buFont typeface="Wingdings" panose="05000000000000000000" pitchFamily="2" charset="2"/>
+              <a:buChar char="q"/>
+            </a:pPr>
+            <a:r>
+              <a:rPr lang="en-US" sz="1800" dirty="0"/>
+              <a:t>The CI will create a docker image and place it in docker hub</a:t>
+            </a:r>
+          </a:p>
+          <a:p>
+            <a:pPr marL="285750" indent="-285750">
+              <a:buFont typeface="Wingdings" panose="05000000000000000000" pitchFamily="2" charset="2"/>
+              <a:buChar char="q"/>
+            </a:pPr>
+            <a:r>
+              <a:rPr lang="en-US" sz="1800" dirty="0"/>
+              <a:t>Now application should be auto deployed with new docker image.</a:t>
+            </a:r>
+          </a:p>
+          <a:p>
+            <a:pPr marL="285750" indent="-285750">
+              <a:buFont typeface="Wingdings" panose="05000000000000000000" pitchFamily="2" charset="2"/>
+              <a:buChar char="q"/>
+            </a:pPr>
+            <a:r>
+              <a:rPr lang="en-US" sz="1800" dirty="0"/>
+              <a:t>Run Jenkins with ngrok</a:t>
+            </a:r>
+          </a:p>
+          <a:p>
+            <a:pPr marL="285750" indent="-285750">
+              <a:buFont typeface="Wingdings" panose="05000000000000000000" pitchFamily="2" charset="2"/>
+              <a:buChar char="q"/>
+            </a:pPr>
+            <a:r>
+              <a:rPr lang="en-US" sz="1800" dirty="0"/>
+              <a:t>Update webhook URL on argocd-all GitHub settings</a:t>
+            </a:r>
+          </a:p>
+          <a:p>
+            <a:pPr marL="285750" indent="-285750">
+              <a:buFont typeface="Wingdings" panose="05000000000000000000" pitchFamily="2" charset="2"/>
+              <a:buChar char="q"/>
+            </a:pPr>
+            <a:r>
+              <a:rPr lang="en-US" sz="1800" dirty="0"/>
+              <a:t>Create a pipeline (argocd_all_pipeline), for code branch and Jenkinsfile, therein</a:t>
+            </a:r>
+          </a:p>
+          <a:p>
+            <a:pPr marL="285750" indent="-285750">
+              <a:lnSpc>
+                <a:spcPct val="110000"/>
+              </a:lnSpc>
+              <a:buFont typeface="Wingdings" panose="05000000000000000000" pitchFamily="2" charset="2"/>
+              <a:buChar char="q"/>
+            </a:pPr>
+            <a:r>
+              <a:rPr lang="en-US" sz="1800" dirty="0"/>
+              <a:t>Now update the new image version at - </a:t>
+            </a:r>
+          </a:p>
+          <a:p>
+            <a:pPr>
+              <a:lnSpc>
+                <a:spcPct val="110000"/>
+              </a:lnSpc>
+            </a:pPr>
+            <a:r>
+              <a:rPr lang="en-US" sz="1500" dirty="0">
+                <a:solidFill>
+                  <a:srgbClr val="7030A0"/>
+                </a:solidFill>
+                <a:latin typeface="Abadi" panose="020B0604020104020204" pitchFamily="34" charset="0"/>
+              </a:rPr>
+              <a:t>resources/nodeapp/templates/01-deployments/nodeapp_deployment.yaml</a:t>
+            </a:r>
+          </a:p>
+          <a:p>
+            <a:pPr marL="285750" indent="-285750">
+              <a:lnSpc>
+                <a:spcPct val="110000"/>
+              </a:lnSpc>
+              <a:buFont typeface="Wingdings" panose="05000000000000000000" pitchFamily="2" charset="2"/>
+              <a:buChar char="q"/>
+            </a:pPr>
+            <a:r>
+              <a:rPr lang="en-US" sz="1800" dirty="0"/>
+              <a:t>The application will be auto deployed in sometime</a:t>
+            </a:r>
+          </a:p>
+          <a:p>
+            <a:pPr>
+              <a:spcBef>
+                <a:spcPts val="0"/>
+              </a:spcBef>
+            </a:pPr>
+            <a:endParaRPr lang="pt-BR" sz="1500" dirty="0">
+              <a:solidFill>
+                <a:srgbClr val="7030A0"/>
+              </a:solidFill>
+              <a:latin typeface="Abadi" panose="020B0604020104020204" pitchFamily="34" charset="0"/>
+            </a:endParaRPr>
+          </a:p>
+          <a:p>
+            <a:pPr>
+              <a:spcBef>
+                <a:spcPts val="0"/>
+              </a:spcBef>
+            </a:pPr>
+            <a:endParaRPr lang="en-US" sz="1500" dirty="0">
+              <a:solidFill>
+                <a:srgbClr val="7030A0"/>
+              </a:solidFill>
+              <a:latin typeface="Abadi" panose="020B0604020104020204" pitchFamily="34" charset="0"/>
+            </a:endParaRPr>
+          </a:p>
+          <a:p>
+            <a:pPr>
+              <a:spcBef>
+                <a:spcPts val="0"/>
+              </a:spcBef>
+            </a:pPr>
+            <a:r>
+              <a:rPr lang="en-US" dirty="0">
+                <a:solidFill>
+                  <a:srgbClr val="7030A0"/>
+                </a:solidFill>
+                <a:latin typeface="Abadi" panose="020B0604020104020204" pitchFamily="34" charset="0"/>
+                <a:hlinkClick r:id="rId2">
+                  <a:extLst>
+                    <a:ext uri="{A12FA001-AC4F-418D-AE19-62706E023703}">
+                      <ahyp:hlinkClr xmlns:ahyp="http://schemas.microsoft.com/office/drawing/2018/hyperlinkcolor" val="tx"/>
+                    </a:ext>
+                  </a:extLst>
+                </a:hlinkClick>
+              </a:rPr>
+              <a:t>     </a:t>
+            </a:r>
+            <a:endParaRPr lang="en-US" dirty="0">
+              <a:solidFill>
+                <a:srgbClr val="7030A0"/>
+              </a:solidFill>
+              <a:latin typeface="Abadi" panose="020B0604020104020204" pitchFamily="34" charset="0"/>
+            </a:endParaRPr>
+          </a:p>
+        </p:txBody>
+      </p:sp>
+      <p:sp>
+        <p:nvSpPr>
+          <p:cNvPr id="4" name="Date Placeholder 3">
+            <a:extLst>
+              <a:ext uri="{FF2B5EF4-FFF2-40B4-BE49-F238E27FC236}">
+                <a16:creationId xmlns:a16="http://schemas.microsoft.com/office/drawing/2014/main" id="{70E12647-CCB2-45E2-A9CB-A868F490497E}"/>
+              </a:ext>
+            </a:extLst>
+          </p:cNvPr>
+          <p:cNvSpPr>
+            <a:spLocks noGrp="1"/>
+          </p:cNvSpPr>
+          <p:nvPr>
+            <p:ph type="dt" sz="half" idx="10"/>
+          </p:nvPr>
+        </p:nvSpPr>
+        <p:spPr>
+          <a:xfrm>
+            <a:off x="838200" y="6356350"/>
+            <a:ext cx="1219200" cy="365125"/>
           </a:xfrm>
         </p:spPr>
         <p:txBody>
@@ -11814,15 +12159,50 @@
           <a:p>
             <a:r>
               <a:rPr lang="en-US" dirty="0"/>
-              <a:t>ARGO</a:t>
-            </a:r>
+              <a:t>2023</a:t>
+            </a:r>
+          </a:p>
+        </p:txBody>
+      </p:sp>
+      <p:sp>
+        <p:nvSpPr>
+          <p:cNvPr id="6" name="Slide Number Placeholder 5">
+            <a:extLst>
+              <a:ext uri="{FF2B5EF4-FFF2-40B4-BE49-F238E27FC236}">
+                <a16:creationId xmlns:a16="http://schemas.microsoft.com/office/drawing/2014/main" id="{7BC1787E-7110-4989-B0B8-DD4E0ACC09DF}"/>
+              </a:ext>
+            </a:extLst>
+          </p:cNvPr>
+          <p:cNvSpPr>
+            <a:spLocks noGrp="1"/>
+          </p:cNvSpPr>
+          <p:nvPr>
+            <p:ph type="sldNum" sz="quarter" idx="12"/>
+          </p:nvPr>
+        </p:nvSpPr>
+        <p:spPr>
+          <a:xfrm>
+            <a:off x="8610600" y="6356350"/>
+            <a:ext cx="2743200" cy="365125"/>
+          </a:xfrm>
+        </p:spPr>
+        <p:txBody>
+          <a:bodyPr/>
+          <a:lstStyle/>
+          <a:p>
+            <a:fld id="{A49DFD55-3C28-40EF-9E31-A92D2E4017FF}" type="slidenum">
+              <a:rPr lang="en-US" smtClean="0"/>
+              <a:pPr/>
+              <a:t>8</a:t>
+            </a:fld>
+            <a:endParaRPr lang="en-US" dirty="0"/>
           </a:p>
         </p:txBody>
       </p:sp>
     </p:spTree>
     <p:extLst>
       <p:ext uri="{BB962C8B-B14F-4D97-AF65-F5344CB8AC3E}">
-        <p14:creationId xmlns:p14="http://schemas.microsoft.com/office/powerpoint/2010/main" val="379728094"/>
+        <p14:creationId xmlns:p14="http://schemas.microsoft.com/office/powerpoint/2010/main" val="2241385837"/>
       </p:ext>
     </p:extLst>
   </p:cSld>
@@ -11854,21 +12234,21 @@
           <p:cNvPr id="2" name="Title 1">
             <a:extLst>
               <a:ext uri="{FF2B5EF4-FFF2-40B4-BE49-F238E27FC236}">
-                <a16:creationId xmlns:a16="http://schemas.microsoft.com/office/drawing/2014/main" id="{09140014-73D5-419B-8867-972BB18D52D4}"/>
-              </a:ext>
-            </a:extLst>
-          </p:cNvPr>
-          <p:cNvSpPr>
-            <a:spLocks noGrp="1"/>
-          </p:cNvSpPr>
-          <p:nvPr>
-            <p:ph type="title"/>
-          </p:nvPr>
-        </p:nvSpPr>
-        <p:spPr>
-          <a:xfrm>
-            <a:off x="2933700" y="892177"/>
-            <a:ext cx="8421688" cy="1325563"/>
+                <a16:creationId xmlns:a16="http://schemas.microsoft.com/office/drawing/2014/main" id="{B1FE5F11-B7B9-4B80-8C6A-A8A7A7190B77}"/>
+              </a:ext>
+            </a:extLst>
+          </p:cNvPr>
+          <p:cNvSpPr>
+            <a:spLocks noGrp="1"/>
+          </p:cNvSpPr>
+          <p:nvPr>
+            <p:ph type="ctrTitle"/>
+          </p:nvPr>
+        </p:nvSpPr>
+        <p:spPr>
+          <a:xfrm>
+            <a:off x="6991350" y="2148840"/>
+            <a:ext cx="4179570" cy="1715531"/>
           </a:xfrm>
         </p:spPr>
         <p:txBody>
@@ -11877,169 +12257,15 @@
           <a:p>
             <a:r>
               <a:rPr lang="en-US" dirty="0"/>
-              <a:t>Further learning</a:t>
-            </a:r>
-          </a:p>
-        </p:txBody>
-      </p:sp>
-      <p:sp>
-        <p:nvSpPr>
-          <p:cNvPr id="4" name="Content Placeholder 3">
-            <a:extLst>
-              <a:ext uri="{FF2B5EF4-FFF2-40B4-BE49-F238E27FC236}">
-                <a16:creationId xmlns:a16="http://schemas.microsoft.com/office/drawing/2014/main" id="{33D8731E-4977-402E-8BFD-895B4D0544CC}"/>
-              </a:ext>
-            </a:extLst>
-          </p:cNvPr>
-          <p:cNvSpPr>
-            <a:spLocks noGrp="1"/>
-          </p:cNvSpPr>
-          <p:nvPr>
-            <p:ph sz="half" idx="2"/>
-          </p:nvPr>
-        </p:nvSpPr>
-        <p:spPr>
-          <a:xfrm>
-            <a:off x="2933699" y="2289177"/>
-            <a:ext cx="8789871" cy="1997867"/>
-          </a:xfrm>
-        </p:spPr>
-        <p:txBody>
-          <a:bodyPr>
-            <a:normAutofit/>
-          </a:bodyPr>
-          <a:lstStyle/>
-          <a:p>
-            <a:r>
-              <a:rPr lang="en-US" dirty="0"/>
-              <a:t>Filtering – how to filter data when say price is greater than or less than</a:t>
-            </a:r>
-          </a:p>
-          <a:p>
-            <a:r>
-              <a:rPr lang="en-US" dirty="0"/>
-              <a:t>Atlas mongo features</a:t>
-            </a:r>
-          </a:p>
-          <a:p>
-            <a:r>
-              <a:rPr lang="en-US" dirty="0"/>
-              <a:t>Views with java script</a:t>
-            </a:r>
-          </a:p>
-          <a:p>
-            <a:r>
-              <a:rPr lang="en-US" dirty="0"/>
-              <a:t>Tool for mongo db, like Mongo Compass</a:t>
-            </a:r>
-          </a:p>
-        </p:txBody>
-      </p:sp>
-      <p:sp>
-        <p:nvSpPr>
-          <p:cNvPr id="7" name="Date Placeholder 6">
-            <a:extLst>
-              <a:ext uri="{FF2B5EF4-FFF2-40B4-BE49-F238E27FC236}">
-                <a16:creationId xmlns:a16="http://schemas.microsoft.com/office/drawing/2014/main" id="{B2A46C4A-D036-4440-BB64-6754F4FF27C1}"/>
-              </a:ext>
-            </a:extLst>
-          </p:cNvPr>
-          <p:cNvSpPr>
-            <a:spLocks noGrp="1"/>
-          </p:cNvSpPr>
-          <p:nvPr>
-            <p:ph type="dt" sz="half" idx="10"/>
-          </p:nvPr>
-        </p:nvSpPr>
-        <p:spPr>
-          <a:xfrm>
-            <a:off x="838200" y="6356350"/>
-            <a:ext cx="2743200" cy="365125"/>
-          </a:xfrm>
-        </p:spPr>
-        <p:txBody>
-          <a:bodyPr/>
-          <a:lstStyle/>
-          <a:p>
-            <a:r>
-              <a:rPr lang="en-US" dirty="0"/>
-              <a:t>20XX</a:t>
-            </a:r>
-          </a:p>
-        </p:txBody>
-      </p:sp>
-      <p:sp>
-        <p:nvSpPr>
-          <p:cNvPr id="8" name="Footer Placeholder 7">
-            <a:extLst>
-              <a:ext uri="{FF2B5EF4-FFF2-40B4-BE49-F238E27FC236}">
-                <a16:creationId xmlns:a16="http://schemas.microsoft.com/office/drawing/2014/main" id="{905F172A-5D5D-43CD-A187-DA0D303F4144}"/>
-              </a:ext>
-            </a:extLst>
-          </p:cNvPr>
-          <p:cNvSpPr>
-            <a:spLocks noGrp="1"/>
-          </p:cNvSpPr>
-          <p:nvPr>
-            <p:ph type="ftr" sz="quarter" idx="11"/>
-          </p:nvPr>
-        </p:nvSpPr>
-        <p:spPr>
-          <a:xfrm>
-            <a:off x="4038600" y="6356350"/>
-            <a:ext cx="4114800" cy="365125"/>
-          </a:xfrm>
-        </p:spPr>
-        <p:txBody>
-          <a:bodyPr/>
-          <a:lstStyle/>
-          <a:p>
-            <a:r>
-              <a:rPr lang="en-US" dirty="0"/>
-              <a:t>PRESENTATION TITLE</a:t>
-            </a:r>
-          </a:p>
-        </p:txBody>
-      </p:sp>
-      <p:sp>
-        <p:nvSpPr>
-          <p:cNvPr id="9" name="Slide Number Placeholder 8">
-            <a:extLst>
-              <a:ext uri="{FF2B5EF4-FFF2-40B4-BE49-F238E27FC236}">
-                <a16:creationId xmlns:a16="http://schemas.microsoft.com/office/drawing/2014/main" id="{C396FFDC-ADE8-4009-A466-A81787258E88}"/>
-              </a:ext>
-            </a:extLst>
-          </p:cNvPr>
-          <p:cNvSpPr>
-            <a:spLocks noGrp="1"/>
-          </p:cNvSpPr>
-          <p:nvPr>
-            <p:ph type="sldNum" sz="quarter" idx="12"/>
-          </p:nvPr>
-        </p:nvSpPr>
-        <p:spPr>
-          <a:xfrm>
-            <a:off x="8610600" y="6356350"/>
-            <a:ext cx="2743200" cy="365125"/>
-          </a:xfrm>
-        </p:spPr>
-        <p:txBody>
-          <a:bodyPr/>
-          <a:lstStyle/>
-          <a:p>
-            <a:fld id="{A49DFD55-3C28-40EF-9E31-A92D2E4017FF}" type="slidenum">
-              <a:rPr lang="en-US" smtClean="0"/>
-              <a:pPr/>
-              <a:t>9</a:t>
-            </a:fld>
-            <a:endParaRPr lang="en-US" dirty="0"/>
+              <a:t>ARGO</a:t>
+            </a:r>
           </a:p>
         </p:txBody>
       </p:sp>
     </p:spTree>
     <p:extLst>
       <p:ext uri="{BB962C8B-B14F-4D97-AF65-F5344CB8AC3E}">
-        <p14:creationId xmlns:p14="http://schemas.microsoft.com/office/powerpoint/2010/main" val="1663780162"/>
+        <p14:creationId xmlns:p14="http://schemas.microsoft.com/office/powerpoint/2010/main" val="379728094"/>
       </p:ext>
     </p:extLst>
   </p:cSld>
@@ -12841,34 +13067,6 @@
 </file>
 
 <file path=customXml/item1.xml><?xml version="1.0" encoding="utf-8"?>
-<?mso-contentType ?>
-<FormTemplates xmlns="http://schemas.microsoft.com/sharepoint/v3/contenttype/forms">
-  <Display>DocumentLibraryForm</Display>
-  <Edit>DocumentLibraryForm</Edit>
-  <New>DocumentLibraryForm</New>
-</FormTemplates>
-</file>
-
-<file path=customXml/item2.xml><?xml version="1.0" encoding="utf-8"?>
-<p:properties xmlns:p="http://schemas.microsoft.com/office/2006/metadata/properties" xmlns:xsi="http://www.w3.org/2001/XMLSchema-instance" xmlns:pc="http://schemas.microsoft.com/office/infopath/2007/PartnerControls">
-  <documentManagement>
-    <_ip_UnifiedCompliancePolicyUIAction xmlns="http://schemas.microsoft.com/sharepoint/v3" xsi:nil="true"/>
-    <Image xmlns="71af3243-3dd4-4a8d-8c0d-dd76da1f02a5">
-      <Url xsi:nil="true"/>
-      <Description xsi:nil="true"/>
-    </Image>
-    <Status xmlns="71af3243-3dd4-4a8d-8c0d-dd76da1f02a5">Not started</Status>
-    <_ip_UnifiedCompliancePolicyProperties xmlns="http://schemas.microsoft.com/sharepoint/v3" xsi:nil="true"/>
-    <ImageTagsTaxHTField xmlns="71af3243-3dd4-4a8d-8c0d-dd76da1f02a5">
-      <Terms xmlns="http://schemas.microsoft.com/office/infopath/2007/PartnerControls"/>
-    </ImageTagsTaxHTField>
-    <TaxCatchAll xmlns="230e9df3-be65-4c73-a93b-d1236ebd677e"/>
-    <MediaServiceKeyPoints xmlns="71af3243-3dd4-4a8d-8c0d-dd76da1f02a5" xsi:nil="true"/>
-  </documentManagement>
-</p:properties>
-</file>
-
-<file path=customXml/item3.xml><?xml version="1.0" encoding="utf-8"?>
 <ct:contentTypeSchema xmlns:ct="http://schemas.microsoft.com/office/2006/metadata/contentType" xmlns:ma="http://schemas.microsoft.com/office/2006/metadata/properties/metaAttributes" ct:_="" ma:_="" ma:contentTypeName="Document" ma:contentTypeID="0x01010079F111ED35F8CC479449609E8A0923A6" ma:contentTypeVersion="20" ma:contentTypeDescription="Create a new document." ma:contentTypeScope="" ma:versionID="1267097ee5f5874adfcc408041ae252e">
   <xsd:schema xmlns:xsd="http://www.w3.org/2001/XMLSchema" xmlns:xs="http://www.w3.org/2001/XMLSchema" xmlns:p="http://schemas.microsoft.com/office/2006/metadata/properties" xmlns:ns1="http://schemas.microsoft.com/sharepoint/v3" xmlns:ns2="71af3243-3dd4-4a8d-8c0d-dd76da1f02a5" xmlns:ns3="16c05727-aa75-4e4a-9b5f-8a80a1165891" xmlns:ns4="230e9df3-be65-4c73-a93b-d1236ebd677e" targetNamespace="http://schemas.microsoft.com/office/2006/metadata/properties" ma:root="true" ma:fieldsID="395891a93df65b14727750f2c06c306c" ns1:_="" ns2:_="" ns3:_="" ns4:_="">
     <xsd:import namespace="http://schemas.microsoft.com/sharepoint/v3"/>
@@ -13144,27 +13342,35 @@
 </ct:contentTypeSchema>
 </file>
 
-<file path=customXml/itemProps1.xml><?xml version="1.0" encoding="utf-8"?>
-<ds:datastoreItem xmlns:ds="http://schemas.openxmlformats.org/officeDocument/2006/customXml" ds:itemID="{0FD6FE22-81A0-4500-AFD0-342D21BB9A2C}">
-  <ds:schemaRefs>
-    <ds:schemaRef ds:uri="http://schemas.microsoft.com/sharepoint/v3/contenttype/forms"/>
-  </ds:schemaRefs>
-</ds:datastoreItem>
+<file path=customXml/item2.xml><?xml version="1.0" encoding="utf-8"?>
+<p:properties xmlns:p="http://schemas.microsoft.com/office/2006/metadata/properties" xmlns:xsi="http://www.w3.org/2001/XMLSchema-instance" xmlns:pc="http://schemas.microsoft.com/office/infopath/2007/PartnerControls">
+  <documentManagement>
+    <_ip_UnifiedCompliancePolicyUIAction xmlns="http://schemas.microsoft.com/sharepoint/v3" xsi:nil="true"/>
+    <Image xmlns="71af3243-3dd4-4a8d-8c0d-dd76da1f02a5">
+      <Url xsi:nil="true"/>
+      <Description xsi:nil="true"/>
+    </Image>
+    <Status xmlns="71af3243-3dd4-4a8d-8c0d-dd76da1f02a5">Not started</Status>
+    <_ip_UnifiedCompliancePolicyProperties xmlns="http://schemas.microsoft.com/sharepoint/v3" xsi:nil="true"/>
+    <ImageTagsTaxHTField xmlns="71af3243-3dd4-4a8d-8c0d-dd76da1f02a5">
+      <Terms xmlns="http://schemas.microsoft.com/office/infopath/2007/PartnerControls"/>
+    </ImageTagsTaxHTField>
+    <TaxCatchAll xmlns="230e9df3-be65-4c73-a93b-d1236ebd677e"/>
+    <MediaServiceKeyPoints xmlns="71af3243-3dd4-4a8d-8c0d-dd76da1f02a5" xsi:nil="true"/>
+  </documentManagement>
+</p:properties>
 </file>
 
-<file path=customXml/itemProps2.xml><?xml version="1.0" encoding="utf-8"?>
-<ds:datastoreItem xmlns:ds="http://schemas.openxmlformats.org/officeDocument/2006/customXml" ds:itemID="{29C43685-694E-4579-B109-3C418D49DA65}">
-  <ds:schemaRefs>
-    <ds:schemaRef ds:uri="http://schemas.microsoft.com/office/2006/metadata/properties"/>
-    <ds:schemaRef ds:uri="http://schemas.microsoft.com/office/infopath/2007/PartnerControls"/>
-    <ds:schemaRef ds:uri="http://schemas.microsoft.com/sharepoint/v3"/>
-    <ds:schemaRef ds:uri="71af3243-3dd4-4a8d-8c0d-dd76da1f02a5"/>
-    <ds:schemaRef ds:uri="230e9df3-be65-4c73-a93b-d1236ebd677e"/>
-  </ds:schemaRefs>
-</ds:datastoreItem>
+<file path=customXml/item3.xml><?xml version="1.0" encoding="utf-8"?>
+<?mso-contentType ?>
+<FormTemplates xmlns="http://schemas.microsoft.com/sharepoint/v3/contenttype/forms">
+  <Display>DocumentLibraryForm</Display>
+  <Edit>DocumentLibraryForm</Edit>
+  <New>DocumentLibraryForm</New>
+</FormTemplates>
 </file>
 
-<file path=customXml/itemProps3.xml><?xml version="1.0" encoding="utf-8"?>
+<file path=customXml/itemProps1.xml><?xml version="1.0" encoding="utf-8"?>
 <ds:datastoreItem xmlns:ds="http://schemas.openxmlformats.org/officeDocument/2006/customXml" ds:itemID="{CC96B61E-1B64-430F-934F-7D1B90028029}">
   <ds:schemaRefs>
     <ds:schemaRef ds:uri="http://schemas.microsoft.com/office/2006/metadata/contentType"/>
@@ -13185,6 +13391,26 @@
 </ds:datastoreItem>
 </file>
 
+<file path=customXml/itemProps2.xml><?xml version="1.0" encoding="utf-8"?>
+<ds:datastoreItem xmlns:ds="http://schemas.openxmlformats.org/officeDocument/2006/customXml" ds:itemID="{29C43685-694E-4579-B109-3C418D49DA65}">
+  <ds:schemaRefs>
+    <ds:schemaRef ds:uri="http://schemas.microsoft.com/office/2006/metadata/properties"/>
+    <ds:schemaRef ds:uri="http://schemas.microsoft.com/office/infopath/2007/PartnerControls"/>
+    <ds:schemaRef ds:uri="http://schemas.microsoft.com/sharepoint/v3"/>
+    <ds:schemaRef ds:uri="71af3243-3dd4-4a8d-8c0d-dd76da1f02a5"/>
+    <ds:schemaRef ds:uri="230e9df3-be65-4c73-a93b-d1236ebd677e"/>
+  </ds:schemaRefs>
+</ds:datastoreItem>
+</file>
+
+<file path=customXml/itemProps3.xml><?xml version="1.0" encoding="utf-8"?>
+<ds:datastoreItem xmlns:ds="http://schemas.openxmlformats.org/officeDocument/2006/customXml" ds:itemID="{0FD6FE22-81A0-4500-AFD0-342D21BB9A2C}">
+  <ds:schemaRefs>
+    <ds:schemaRef ds:uri="http://schemas.microsoft.com/sharepoint/v3/contenttype/forms"/>
+  </ds:schemaRefs>
+</ds:datastoreItem>
+</file>
+
 <file path=docMetadata/LabelInfo.xml><?xml version="1.0" encoding="utf-8"?>
 <clbl:labelList xmlns:clbl="http://schemas.microsoft.com/office/2020/mipLabelMetadata">
   <clbl:label id="{f42aa342-8706-4288-bd11-ebb85995028c}" enabled="1" method="Standard" siteId="{72f988bf-86f1-41af-91ab-2d7cd011db47}" removed="0"/>

--- a/argo_learnings.pptx
+++ b/argo_learnings.pptx
@@ -10295,6 +10295,16 @@
             <a:r>
               <a:rPr lang="en-US" sz="1800" dirty="0"/>
               <a:t>ArgoCD ‘ApplicationSet’, is controller, which helps ArgoCD to generate/deploy applications</a:t>
+            </a:r>
+          </a:p>
+          <a:p>
+            <a:pPr marL="285750" indent="-285750">
+              <a:buFont typeface="Wingdings" panose="05000000000000000000" pitchFamily="2" charset="2"/>
+              <a:buChar char="q"/>
+            </a:pPr>
+            <a:r>
+              <a:rPr lang="en-US" sz="1800" dirty="0"/>
+              <a:t>Generator in ApplicationSet is responsible for generating parameters, which can be latter used in templates section of ApplicationSet</a:t>
             </a:r>
           </a:p>
           <a:p>

--- a/argo_learnings.pptx
+++ b/argo_learnings.pptx
@@ -5,23 +5,24 @@
     <p:sldMasterId id="2147483648" r:id="rId4"/>
   </p:sldMasterIdLst>
   <p:notesMasterIdLst>
-    <p:notesMasterId r:id="rId16"/>
+    <p:notesMasterId r:id="rId17"/>
   </p:notesMasterIdLst>
   <p:handoutMasterIdLst>
-    <p:handoutMasterId r:id="rId17"/>
+    <p:handoutMasterId r:id="rId18"/>
   </p:handoutMasterIdLst>
   <p:sldIdLst>
     <p:sldId id="256" r:id="rId5"/>
     <p:sldId id="258" r:id="rId6"/>
-    <p:sldId id="279" r:id="rId7"/>
-    <p:sldId id="273" r:id="rId8"/>
-    <p:sldId id="275" r:id="rId9"/>
-    <p:sldId id="276" r:id="rId10"/>
-    <p:sldId id="277" r:id="rId11"/>
-    <p:sldId id="278" r:id="rId12"/>
-    <p:sldId id="262" r:id="rId13"/>
-    <p:sldId id="260" r:id="rId14"/>
-    <p:sldId id="266" r:id="rId15"/>
+    <p:sldId id="273" r:id="rId7"/>
+    <p:sldId id="279" r:id="rId8"/>
+    <p:sldId id="280" r:id="rId9"/>
+    <p:sldId id="281" r:id="rId10"/>
+    <p:sldId id="275" r:id="rId11"/>
+    <p:sldId id="276" r:id="rId12"/>
+    <p:sldId id="277" r:id="rId13"/>
+    <p:sldId id="278" r:id="rId14"/>
+    <p:sldId id="260" r:id="rId15"/>
+    <p:sldId id="266" r:id="rId16"/>
   </p:sldIdLst>
   <p:sldSz cx="12192000" cy="6858000"/>
   <p:notesSz cx="6858000" cy="9144000"/>
@@ -9577,7 +9578,7 @@
           <p:cNvPr id="2" name="Title 1">
             <a:extLst>
               <a:ext uri="{FF2B5EF4-FFF2-40B4-BE49-F238E27FC236}">
-                <a16:creationId xmlns:a16="http://schemas.microsoft.com/office/drawing/2014/main" id="{09140014-73D5-419B-8867-972BB18D52D4}"/>
+                <a16:creationId xmlns:a16="http://schemas.microsoft.com/office/drawing/2014/main" id="{0A32731C-311B-46F7-A865-6C3AF6B09A47}"/>
               </a:ext>
             </a:extLst>
           </p:cNvPr>
@@ -9590,41 +9591,8 @@
         </p:nvSpPr>
         <p:spPr>
           <a:xfrm>
-            <a:off x="2933700" y="892177"/>
-            <a:ext cx="8421688" cy="1325563"/>
-          </a:xfrm>
-        </p:spPr>
-        <p:txBody>
-          <a:bodyPr/>
-          <a:lstStyle/>
-          <a:p>
-            <a:r>
-              <a:rPr lang="en-US" dirty="0"/>
-              <a:t>Further learning</a:t>
-            </a:r>
-          </a:p>
-        </p:txBody>
-      </p:sp>
-      <p:sp>
-        <p:nvSpPr>
-          <p:cNvPr id="4" name="Content Placeholder 3">
-            <a:extLst>
-              <a:ext uri="{FF2B5EF4-FFF2-40B4-BE49-F238E27FC236}">
-                <a16:creationId xmlns:a16="http://schemas.microsoft.com/office/drawing/2014/main" id="{33D8731E-4977-402E-8BFD-895B4D0544CC}"/>
-              </a:ext>
-            </a:extLst>
-          </p:cNvPr>
-          <p:cNvSpPr>
-            <a:spLocks noGrp="1"/>
-          </p:cNvSpPr>
-          <p:nvPr>
-            <p:ph sz="half" idx="2"/>
-          </p:nvPr>
-        </p:nvSpPr>
-        <p:spPr>
-          <a:xfrm>
-            <a:off x="2933699" y="2289177"/>
-            <a:ext cx="8789871" cy="1997867"/>
+            <a:off x="831850" y="140528"/>
+            <a:ext cx="5111750" cy="517664"/>
           </a:xfrm>
         </p:spPr>
         <p:txBody>
@@ -9634,36 +9602,204 @@
           <a:lstStyle/>
           <a:p>
             <a:r>
-              <a:rPr lang="en-US" dirty="0"/>
-              <a:t>Filtering – how to filter data when say price is greater than or less than</a:t>
-            </a:r>
-          </a:p>
-          <a:p>
-            <a:r>
-              <a:rPr lang="en-US" dirty="0"/>
-              <a:t>Atlas mongo features</a:t>
-            </a:r>
-          </a:p>
-          <a:p>
-            <a:r>
-              <a:rPr lang="en-US" dirty="0"/>
-              <a:t>Views with java script</a:t>
-            </a:r>
-          </a:p>
-          <a:p>
-            <a:r>
-              <a:rPr lang="en-US" dirty="0"/>
-              <a:t>Tool for mongo db, like Mongo Compass</a:t>
-            </a:r>
-          </a:p>
-        </p:txBody>
-      </p:sp>
-      <p:sp>
-        <p:nvSpPr>
-          <p:cNvPr id="7" name="Date Placeholder 6">
-            <a:extLst>
-              <a:ext uri="{FF2B5EF4-FFF2-40B4-BE49-F238E27FC236}">
-                <a16:creationId xmlns:a16="http://schemas.microsoft.com/office/drawing/2014/main" id="{B2A46C4A-D036-4440-BB64-6754F4FF27C1}"/>
+              <a:rPr lang="en-US" sz="2400" dirty="0"/>
+              <a:t>Continuous deployment</a:t>
+            </a:r>
+          </a:p>
+        </p:txBody>
+      </p:sp>
+      <p:sp>
+        <p:nvSpPr>
+          <p:cNvPr id="3" name="Text Placeholder 2">
+            <a:extLst>
+              <a:ext uri="{FF2B5EF4-FFF2-40B4-BE49-F238E27FC236}">
+                <a16:creationId xmlns:a16="http://schemas.microsoft.com/office/drawing/2014/main" id="{9D5232F9-FD00-464A-9F17-619C91AEF8F3}"/>
+              </a:ext>
+            </a:extLst>
+          </p:cNvPr>
+          <p:cNvSpPr>
+            <a:spLocks noGrp="1"/>
+          </p:cNvSpPr>
+          <p:nvPr>
+            <p:ph type="body" idx="1"/>
+          </p:nvPr>
+        </p:nvSpPr>
+        <p:spPr>
+          <a:xfrm>
+            <a:off x="566944" y="824807"/>
+            <a:ext cx="11012248" cy="4623091"/>
+          </a:xfrm>
+        </p:spPr>
+        <p:txBody>
+          <a:bodyPr>
+            <a:normAutofit/>
+          </a:bodyPr>
+          <a:lstStyle/>
+          <a:p>
+            <a:pPr marL="285750" indent="-285750">
+              <a:buFont typeface="Wingdings" panose="05000000000000000000" pitchFamily="2" charset="2"/>
+              <a:buChar char="q"/>
+            </a:pPr>
+            <a:r>
+              <a:rPr lang="en-US" sz="1800" dirty="0"/>
+              <a:t>Continuous integration was discussed during Jenkins demo</a:t>
+            </a:r>
+          </a:p>
+          <a:p>
+            <a:pPr marL="285750" indent="-285750">
+              <a:buFont typeface="Wingdings" panose="05000000000000000000" pitchFamily="2" charset="2"/>
+              <a:buChar char="q"/>
+            </a:pPr>
+            <a:r>
+              <a:rPr lang="en-US" sz="1800" dirty="0"/>
+              <a:t>The CI will create a docker image and place it in docker hub</a:t>
+            </a:r>
+          </a:p>
+          <a:p>
+            <a:pPr marL="285750" indent="-285750">
+              <a:buFont typeface="Wingdings" panose="05000000000000000000" pitchFamily="2" charset="2"/>
+              <a:buChar char="q"/>
+            </a:pPr>
+            <a:r>
+              <a:rPr lang="en-US" sz="1800" dirty="0"/>
+              <a:t>Now application should be auto deployed with new docker image.</a:t>
+            </a:r>
+          </a:p>
+          <a:p>
+            <a:pPr marL="285750" indent="-285750">
+              <a:buFont typeface="Wingdings" panose="05000000000000000000" pitchFamily="2" charset="2"/>
+              <a:buChar char="q"/>
+            </a:pPr>
+            <a:r>
+              <a:rPr lang="en-US" sz="1800" dirty="0"/>
+              <a:t>Run Jenkins with ngrok</a:t>
+            </a:r>
+          </a:p>
+          <a:p>
+            <a:pPr marL="285750" indent="-285750">
+              <a:buFont typeface="Wingdings" panose="05000000000000000000" pitchFamily="2" charset="2"/>
+              <a:buChar char="q"/>
+            </a:pPr>
+            <a:r>
+              <a:rPr lang="en-US" sz="1800" dirty="0"/>
+              <a:t>Update webhook URL on argocd-all GitHub settings</a:t>
+            </a:r>
+          </a:p>
+          <a:p>
+            <a:pPr marL="285750" indent="-285750">
+              <a:buFont typeface="Wingdings" panose="05000000000000000000" pitchFamily="2" charset="2"/>
+              <a:buChar char="q"/>
+            </a:pPr>
+            <a:r>
+              <a:rPr lang="en-US" sz="1800" dirty="0"/>
+              <a:t>Create a pipeline (argocd_all_pipeline), for code branch and Jenkinsfile, therein</a:t>
+            </a:r>
+          </a:p>
+          <a:p>
+            <a:pPr marL="285750" indent="-285750">
+              <a:lnSpc>
+                <a:spcPct val="110000"/>
+              </a:lnSpc>
+              <a:buFont typeface="Wingdings" panose="05000000000000000000" pitchFamily="2" charset="2"/>
+              <a:buChar char="q"/>
+            </a:pPr>
+            <a:r>
+              <a:rPr lang="en-US" sz="1800" dirty="0"/>
+              <a:t>Now update the new image version at - </a:t>
+            </a:r>
+          </a:p>
+          <a:p>
+            <a:pPr>
+              <a:lnSpc>
+                <a:spcPct val="110000"/>
+              </a:lnSpc>
+            </a:pPr>
+            <a:r>
+              <a:rPr lang="en-US" sz="1500" dirty="0">
+                <a:solidFill>
+                  <a:srgbClr val="7030A0"/>
+                </a:solidFill>
+                <a:latin typeface="Abadi" panose="020B0604020104020204" pitchFamily="34" charset="0"/>
+              </a:rPr>
+              <a:t>resources/nodeapp/templates/01-deployments/nodeapp_deployment.yaml</a:t>
+            </a:r>
+          </a:p>
+          <a:p>
+            <a:pPr marL="285750" indent="-285750">
+              <a:lnSpc>
+                <a:spcPct val="110000"/>
+              </a:lnSpc>
+              <a:buFont typeface="Wingdings" panose="05000000000000000000" pitchFamily="2" charset="2"/>
+              <a:buChar char="q"/>
+            </a:pPr>
+            <a:r>
+              <a:rPr lang="en-US" sz="1800" dirty="0"/>
+              <a:t>The application will be auto deployed in sometime</a:t>
+            </a:r>
+          </a:p>
+          <a:p>
+            <a:pPr>
+              <a:spcBef>
+                <a:spcPts val="0"/>
+              </a:spcBef>
+            </a:pPr>
+            <a:endParaRPr lang="pt-BR" sz="1500" dirty="0">
+              <a:solidFill>
+                <a:srgbClr val="7030A0"/>
+              </a:solidFill>
+              <a:latin typeface="Abadi" panose="020B0604020104020204" pitchFamily="34" charset="0"/>
+            </a:endParaRPr>
+          </a:p>
+          <a:p>
+            <a:pPr>
+              <a:spcBef>
+                <a:spcPts val="0"/>
+              </a:spcBef>
+            </a:pPr>
+            <a:endParaRPr lang="en-US" sz="1500" dirty="0">
+              <a:solidFill>
+                <a:srgbClr val="7030A0"/>
+              </a:solidFill>
+              <a:latin typeface="Abadi" panose="020B0604020104020204" pitchFamily="34" charset="0"/>
+            </a:endParaRPr>
+          </a:p>
+          <a:p>
+            <a:pPr>
+              <a:spcBef>
+                <a:spcPts val="0"/>
+              </a:spcBef>
+            </a:pPr>
+            <a:r>
+              <a:rPr lang="en-US" dirty="0">
+                <a:solidFill>
+                  <a:srgbClr val="7030A0"/>
+                </a:solidFill>
+                <a:latin typeface="Abadi" panose="020B0604020104020204" pitchFamily="34" charset="0"/>
+                <a:hlinkClick r:id="rId2">
+                  <a:extLst>
+                    <a:ext uri="{A12FA001-AC4F-418D-AE19-62706E023703}">
+                      <ahyp:hlinkClr xmlns:ahyp="http://schemas.microsoft.com/office/drawing/2018/hyperlinkcolor" val="tx"/>
+                    </a:ext>
+                  </a:extLst>
+                </a:hlinkClick>
+              </a:rPr>
+              <a:t>     </a:t>
+            </a:r>
+            <a:endParaRPr lang="en-US" dirty="0">
+              <a:solidFill>
+                <a:srgbClr val="7030A0"/>
+              </a:solidFill>
+              <a:latin typeface="Abadi" panose="020B0604020104020204" pitchFamily="34" charset="0"/>
+            </a:endParaRPr>
+          </a:p>
+        </p:txBody>
+      </p:sp>
+      <p:sp>
+        <p:nvSpPr>
+          <p:cNvPr id="4" name="Date Placeholder 3">
+            <a:extLst>
+              <a:ext uri="{FF2B5EF4-FFF2-40B4-BE49-F238E27FC236}">
+                <a16:creationId xmlns:a16="http://schemas.microsoft.com/office/drawing/2014/main" id="{70E12647-CCB2-45E2-A9CB-A868F490497E}"/>
               </a:ext>
             </a:extLst>
           </p:cNvPr>
@@ -9677,7 +9813,7 @@
         <p:spPr>
           <a:xfrm>
             <a:off x="838200" y="6356350"/>
-            <a:ext cx="2743200" cy="365125"/>
+            <a:ext cx="1219200" cy="365125"/>
           </a:xfrm>
         </p:spPr>
         <p:txBody>
@@ -9686,50 +9822,17 @@
           <a:p>
             <a:r>
               <a:rPr lang="en-US" dirty="0"/>
-              <a:t>20XX</a:t>
-            </a:r>
-          </a:p>
-        </p:txBody>
-      </p:sp>
-      <p:sp>
-        <p:nvSpPr>
-          <p:cNvPr id="8" name="Footer Placeholder 7">
-            <a:extLst>
-              <a:ext uri="{FF2B5EF4-FFF2-40B4-BE49-F238E27FC236}">
-                <a16:creationId xmlns:a16="http://schemas.microsoft.com/office/drawing/2014/main" id="{905F172A-5D5D-43CD-A187-DA0D303F4144}"/>
-              </a:ext>
-            </a:extLst>
-          </p:cNvPr>
-          <p:cNvSpPr>
-            <a:spLocks noGrp="1"/>
-          </p:cNvSpPr>
-          <p:nvPr>
-            <p:ph type="ftr" sz="quarter" idx="11"/>
-          </p:nvPr>
-        </p:nvSpPr>
-        <p:spPr>
-          <a:xfrm>
-            <a:off x="4038600" y="6356350"/>
-            <a:ext cx="4114800" cy="365125"/>
-          </a:xfrm>
-        </p:spPr>
-        <p:txBody>
-          <a:bodyPr/>
-          <a:lstStyle/>
-          <a:p>
-            <a:r>
-              <a:rPr lang="en-US" dirty="0"/>
-              <a:t>PRESENTATION TITLE</a:t>
-            </a:r>
-          </a:p>
-        </p:txBody>
-      </p:sp>
-      <p:sp>
-        <p:nvSpPr>
-          <p:cNvPr id="9" name="Slide Number Placeholder 8">
-            <a:extLst>
-              <a:ext uri="{FF2B5EF4-FFF2-40B4-BE49-F238E27FC236}">
-                <a16:creationId xmlns:a16="http://schemas.microsoft.com/office/drawing/2014/main" id="{C396FFDC-ADE8-4009-A466-A81787258E88}"/>
+              <a:t>2023</a:t>
+            </a:r>
+          </a:p>
+        </p:txBody>
+      </p:sp>
+      <p:sp>
+        <p:nvSpPr>
+          <p:cNvPr id="6" name="Slide Number Placeholder 5">
+            <a:extLst>
+              <a:ext uri="{FF2B5EF4-FFF2-40B4-BE49-F238E27FC236}">
+                <a16:creationId xmlns:a16="http://schemas.microsoft.com/office/drawing/2014/main" id="{7BC1787E-7110-4989-B0B8-DD4E0ACC09DF}"/>
               </a:ext>
             </a:extLst>
           </p:cNvPr>
@@ -9762,7 +9865,7 @@
     </p:spTree>
     <p:extLst>
       <p:ext uri="{BB962C8B-B14F-4D97-AF65-F5344CB8AC3E}">
-        <p14:creationId xmlns:p14="http://schemas.microsoft.com/office/powerpoint/2010/main" val="1663780162"/>
+        <p14:creationId xmlns:p14="http://schemas.microsoft.com/office/powerpoint/2010/main" val="2241385837"/>
       </p:ext>
     </p:extLst>
   </p:cSld>
@@ -9794,7 +9897,7 @@
           <p:cNvPr id="2" name="Title 1">
             <a:extLst>
               <a:ext uri="{FF2B5EF4-FFF2-40B4-BE49-F238E27FC236}">
-                <a16:creationId xmlns:a16="http://schemas.microsoft.com/office/drawing/2014/main" id="{4518FC28-E0BD-4387-B8BE-9965D1A57FF1}"/>
+                <a16:creationId xmlns:a16="http://schemas.microsoft.com/office/drawing/2014/main" id="{09140014-73D5-419B-8867-972BB18D52D4}"/>
               </a:ext>
             </a:extLst>
           </p:cNvPr>
@@ -9807,8 +9910,8 @@
         </p:nvSpPr>
         <p:spPr>
           <a:xfrm>
-            <a:off x="5476875" y="1671638"/>
-            <a:ext cx="5111750" cy="1204912"/>
+            <a:off x="2933700" y="892177"/>
+            <a:ext cx="8421688" cy="1325563"/>
           </a:xfrm>
         </p:spPr>
         <p:txBody>
@@ -9817,31 +9920,31 @@
           <a:p>
             <a:r>
               <a:rPr lang="en-US" dirty="0"/>
-              <a:t>SUMMARY</a:t>
-            </a:r>
-          </a:p>
-        </p:txBody>
-      </p:sp>
-      <p:sp>
-        <p:nvSpPr>
-          <p:cNvPr id="3" name="Text Placeholder 2">
-            <a:extLst>
-              <a:ext uri="{FF2B5EF4-FFF2-40B4-BE49-F238E27FC236}">
-                <a16:creationId xmlns:a16="http://schemas.microsoft.com/office/drawing/2014/main" id="{FED19BCA-B61F-4EA6-A1FB-CCA3BD8506FB}"/>
-              </a:ext>
-            </a:extLst>
-          </p:cNvPr>
-          <p:cNvSpPr>
-            <a:spLocks noGrp="1"/>
-          </p:cNvSpPr>
-          <p:nvPr>
-            <p:ph type="body" idx="1"/>
-          </p:nvPr>
-        </p:nvSpPr>
-        <p:spPr>
-          <a:xfrm>
-            <a:off x="5476875" y="3429000"/>
-            <a:ext cx="5111750" cy="2105526"/>
+              <a:t>Further learning</a:t>
+            </a:r>
+          </a:p>
+        </p:txBody>
+      </p:sp>
+      <p:sp>
+        <p:nvSpPr>
+          <p:cNvPr id="4" name="Content Placeholder 3">
+            <a:extLst>
+              <a:ext uri="{FF2B5EF4-FFF2-40B4-BE49-F238E27FC236}">
+                <a16:creationId xmlns:a16="http://schemas.microsoft.com/office/drawing/2014/main" id="{33D8731E-4977-402E-8BFD-895B4D0544CC}"/>
+              </a:ext>
+            </a:extLst>
+          </p:cNvPr>
+          <p:cNvSpPr>
+            <a:spLocks noGrp="1"/>
+          </p:cNvSpPr>
+          <p:nvPr>
+            <p:ph sz="half" idx="2"/>
+          </p:nvPr>
+        </p:nvSpPr>
+        <p:spPr>
+          <a:xfrm>
+            <a:off x="2933699" y="2289177"/>
+            <a:ext cx="8789871" cy="1997867"/>
           </a:xfrm>
         </p:spPr>
         <p:txBody>
@@ -9852,29 +9955,29 @@
           <a:p>
             <a:r>
               <a:rPr lang="en-US" dirty="0"/>
-              <a:t>We learnt few features of node js, which enables us to design a MVC application where middleware interacts with backend. </a:t>
+              <a:t>ArgoCD is well integrated with Helm. The values can be externalized to manage in better way.</a:t>
             </a:r>
           </a:p>
           <a:p>
             <a:r>
               <a:rPr lang="en-US" dirty="0"/>
-              <a:t>We user atlas mongo db as our database, which is primarily used for node js</a:t>
+              <a:t>Implement ArgoCD with helm templating</a:t>
             </a:r>
           </a:p>
           <a:p>
             <a:r>
               <a:rPr lang="en-US" dirty="0"/>
-              <a:t>Always prefer node js for faster applications and not for CPU intensive applications</a:t>
-            </a:r>
-          </a:p>
-        </p:txBody>
-      </p:sp>
-      <p:sp>
-        <p:nvSpPr>
-          <p:cNvPr id="4" name="Date Placeholder 3">
-            <a:extLst>
-              <a:ext uri="{FF2B5EF4-FFF2-40B4-BE49-F238E27FC236}">
-                <a16:creationId xmlns:a16="http://schemas.microsoft.com/office/drawing/2014/main" id="{00560550-EE65-43CE-B899-F421E74287A1}"/>
+              <a:t>Explore more on ArgoCD plugins</a:t>
+            </a:r>
+          </a:p>
+        </p:txBody>
+      </p:sp>
+      <p:sp>
+        <p:nvSpPr>
+          <p:cNvPr id="7" name="Date Placeholder 6">
+            <a:extLst>
+              <a:ext uri="{FF2B5EF4-FFF2-40B4-BE49-F238E27FC236}">
+                <a16:creationId xmlns:a16="http://schemas.microsoft.com/office/drawing/2014/main" id="{B2A46C4A-D036-4440-BB64-6754F4FF27C1}"/>
               </a:ext>
             </a:extLst>
           </p:cNvPr>
@@ -9904,10 +10007,10 @@
       </p:sp>
       <p:sp>
         <p:nvSpPr>
-          <p:cNvPr id="5" name="Footer Placeholder 4">
-            <a:extLst>
-              <a:ext uri="{FF2B5EF4-FFF2-40B4-BE49-F238E27FC236}">
-                <a16:creationId xmlns:a16="http://schemas.microsoft.com/office/drawing/2014/main" id="{4135E32A-1A8C-43D2-9C6E-12887B4DEDFB}"/>
+          <p:cNvPr id="8" name="Footer Placeholder 7">
+            <a:extLst>
+              <a:ext uri="{FF2B5EF4-FFF2-40B4-BE49-F238E27FC236}">
+                <a16:creationId xmlns:a16="http://schemas.microsoft.com/office/drawing/2014/main" id="{905F172A-5D5D-43CD-A187-DA0D303F4144}"/>
               </a:ext>
             </a:extLst>
           </p:cNvPr>
@@ -9937,10 +10040,10 @@
       </p:sp>
       <p:sp>
         <p:nvSpPr>
-          <p:cNvPr id="6" name="Slide Number Placeholder 5">
-            <a:extLst>
-              <a:ext uri="{FF2B5EF4-FFF2-40B4-BE49-F238E27FC236}">
-                <a16:creationId xmlns:a16="http://schemas.microsoft.com/office/drawing/2014/main" id="{7C4B8313-9270-4128-8674-3A3E42B806BC}"/>
+          <p:cNvPr id="9" name="Slide Number Placeholder 8">
+            <a:extLst>
+              <a:ext uri="{FF2B5EF4-FFF2-40B4-BE49-F238E27FC236}">
+                <a16:creationId xmlns:a16="http://schemas.microsoft.com/office/drawing/2014/main" id="{C396FFDC-ADE8-4009-A466-A81787258E88}"/>
               </a:ext>
             </a:extLst>
           </p:cNvPr>
@@ -9965,6 +10068,211 @@
               <a:rPr lang="en-US" smtClean="0"/>
               <a:pPr/>
               <a:t>11</a:t>
+            </a:fld>
+            <a:endParaRPr lang="en-US" dirty="0"/>
+          </a:p>
+        </p:txBody>
+      </p:sp>
+    </p:spTree>
+    <p:extLst>
+      <p:ext uri="{BB962C8B-B14F-4D97-AF65-F5344CB8AC3E}">
+        <p14:creationId xmlns:p14="http://schemas.microsoft.com/office/powerpoint/2010/main" val="1663780162"/>
+      </p:ext>
+    </p:extLst>
+  </p:cSld>
+  <p:clrMapOvr>
+    <a:masterClrMapping/>
+  </p:clrMapOvr>
+</p:sld>
+</file>
+
+<file path=ppt/slides/slide12.xml><?xml version="1.0" encoding="utf-8"?>
+<p:sld xmlns:a="http://schemas.openxmlformats.org/drawingml/2006/main" xmlns:r="http://schemas.openxmlformats.org/officeDocument/2006/relationships" xmlns:p="http://schemas.openxmlformats.org/presentationml/2006/main">
+  <p:cSld>
+    <p:spTree>
+      <p:nvGrpSpPr>
+        <p:cNvPr id="1" name=""/>
+        <p:cNvGrpSpPr/>
+        <p:nvPr/>
+      </p:nvGrpSpPr>
+      <p:grpSpPr>
+        <a:xfrm>
+          <a:off x="0" y="0"/>
+          <a:ext cx="0" cy="0"/>
+          <a:chOff x="0" y="0"/>
+          <a:chExt cx="0" cy="0"/>
+        </a:xfrm>
+      </p:grpSpPr>
+      <p:sp>
+        <p:nvSpPr>
+          <p:cNvPr id="2" name="Title 1">
+            <a:extLst>
+              <a:ext uri="{FF2B5EF4-FFF2-40B4-BE49-F238E27FC236}">
+                <a16:creationId xmlns:a16="http://schemas.microsoft.com/office/drawing/2014/main" id="{4518FC28-E0BD-4387-B8BE-9965D1A57FF1}"/>
+              </a:ext>
+            </a:extLst>
+          </p:cNvPr>
+          <p:cNvSpPr>
+            <a:spLocks noGrp="1"/>
+          </p:cNvSpPr>
+          <p:nvPr>
+            <p:ph type="title"/>
+          </p:nvPr>
+        </p:nvSpPr>
+        <p:spPr>
+          <a:xfrm>
+            <a:off x="5476875" y="1671638"/>
+            <a:ext cx="5111750" cy="1204912"/>
+          </a:xfrm>
+        </p:spPr>
+        <p:txBody>
+          <a:bodyPr/>
+          <a:lstStyle/>
+          <a:p>
+            <a:r>
+              <a:rPr lang="en-US" dirty="0"/>
+              <a:t>SUMMARY</a:t>
+            </a:r>
+          </a:p>
+        </p:txBody>
+      </p:sp>
+      <p:sp>
+        <p:nvSpPr>
+          <p:cNvPr id="3" name="Text Placeholder 2">
+            <a:extLst>
+              <a:ext uri="{FF2B5EF4-FFF2-40B4-BE49-F238E27FC236}">
+                <a16:creationId xmlns:a16="http://schemas.microsoft.com/office/drawing/2014/main" id="{FED19BCA-B61F-4EA6-A1FB-CCA3BD8506FB}"/>
+              </a:ext>
+            </a:extLst>
+          </p:cNvPr>
+          <p:cNvSpPr>
+            <a:spLocks noGrp="1"/>
+          </p:cNvSpPr>
+          <p:nvPr>
+            <p:ph type="body" idx="1"/>
+          </p:nvPr>
+        </p:nvSpPr>
+        <p:spPr>
+          <a:xfrm>
+            <a:off x="5476875" y="3429000"/>
+            <a:ext cx="5111750" cy="1614638"/>
+          </a:xfrm>
+        </p:spPr>
+        <p:txBody>
+          <a:bodyPr>
+            <a:normAutofit/>
+          </a:bodyPr>
+          <a:lstStyle/>
+          <a:p>
+            <a:r>
+              <a:rPr lang="en-US" dirty="0"/>
+              <a:t>We learnt a complete CICD process with Jenkins and ArgoCD. </a:t>
+            </a:r>
+          </a:p>
+          <a:p>
+            <a:r>
+              <a:rPr lang="en-US" dirty="0"/>
+              <a:t>ArgoCD is widely used in industry for complex application deployment.</a:t>
+            </a:r>
+          </a:p>
+        </p:txBody>
+      </p:sp>
+      <p:sp>
+        <p:nvSpPr>
+          <p:cNvPr id="4" name="Date Placeholder 3">
+            <a:extLst>
+              <a:ext uri="{FF2B5EF4-FFF2-40B4-BE49-F238E27FC236}">
+                <a16:creationId xmlns:a16="http://schemas.microsoft.com/office/drawing/2014/main" id="{00560550-EE65-43CE-B899-F421E74287A1}"/>
+              </a:ext>
+            </a:extLst>
+          </p:cNvPr>
+          <p:cNvSpPr>
+            <a:spLocks noGrp="1"/>
+          </p:cNvSpPr>
+          <p:nvPr>
+            <p:ph type="dt" sz="half" idx="10"/>
+          </p:nvPr>
+        </p:nvSpPr>
+        <p:spPr>
+          <a:xfrm>
+            <a:off x="838200" y="6356350"/>
+            <a:ext cx="2743200" cy="365125"/>
+          </a:xfrm>
+        </p:spPr>
+        <p:txBody>
+          <a:bodyPr/>
+          <a:lstStyle/>
+          <a:p>
+            <a:r>
+              <a:rPr lang="en-US" dirty="0"/>
+              <a:t>20XX</a:t>
+            </a:r>
+          </a:p>
+        </p:txBody>
+      </p:sp>
+      <p:sp>
+        <p:nvSpPr>
+          <p:cNvPr id="5" name="Footer Placeholder 4">
+            <a:extLst>
+              <a:ext uri="{FF2B5EF4-FFF2-40B4-BE49-F238E27FC236}">
+                <a16:creationId xmlns:a16="http://schemas.microsoft.com/office/drawing/2014/main" id="{4135E32A-1A8C-43D2-9C6E-12887B4DEDFB}"/>
+              </a:ext>
+            </a:extLst>
+          </p:cNvPr>
+          <p:cNvSpPr>
+            <a:spLocks noGrp="1"/>
+          </p:cNvSpPr>
+          <p:nvPr>
+            <p:ph type="ftr" sz="quarter" idx="11"/>
+          </p:nvPr>
+        </p:nvSpPr>
+        <p:spPr>
+          <a:xfrm>
+            <a:off x="4038600" y="6356350"/>
+            <a:ext cx="4114800" cy="365125"/>
+          </a:xfrm>
+        </p:spPr>
+        <p:txBody>
+          <a:bodyPr/>
+          <a:lstStyle/>
+          <a:p>
+            <a:r>
+              <a:rPr lang="en-US" dirty="0"/>
+              <a:t>PRESENTATION TITLE</a:t>
+            </a:r>
+          </a:p>
+        </p:txBody>
+      </p:sp>
+      <p:sp>
+        <p:nvSpPr>
+          <p:cNvPr id="6" name="Slide Number Placeholder 5">
+            <a:extLst>
+              <a:ext uri="{FF2B5EF4-FFF2-40B4-BE49-F238E27FC236}">
+                <a16:creationId xmlns:a16="http://schemas.microsoft.com/office/drawing/2014/main" id="{7C4B8313-9270-4128-8674-3A3E42B806BC}"/>
+              </a:ext>
+            </a:extLst>
+          </p:cNvPr>
+          <p:cNvSpPr>
+            <a:spLocks noGrp="1"/>
+          </p:cNvSpPr>
+          <p:nvPr>
+            <p:ph type="sldNum" sz="quarter" idx="12"/>
+          </p:nvPr>
+        </p:nvSpPr>
+        <p:spPr>
+          <a:xfrm>
+            <a:off x="8610600" y="6356350"/>
+            <a:ext cx="2743200" cy="365125"/>
+          </a:xfrm>
+        </p:spPr>
+        <p:txBody>
+          <a:bodyPr/>
+          <a:lstStyle/>
+          <a:p>
+            <a:fld id="{A49DFD55-3C28-40EF-9E31-A92D2E4017FF}" type="slidenum">
+              <a:rPr lang="en-US" smtClean="0"/>
+              <a:pPr/>
+              <a:t>12</a:t>
             </a:fld>
             <a:endParaRPr lang="en-US" dirty="0"/>
           </a:p>
@@ -10245,7 +10553,7 @@
           <a:p>
             <a:r>
               <a:rPr lang="en-US" sz="2400" dirty="0"/>
-              <a:t>Few Terminologies</a:t>
+              <a:t>Installation and tools</a:t>
             </a:r>
           </a:p>
         </p:txBody>
@@ -10268,13 +10576,13 @@
         </p:nvSpPr>
         <p:spPr>
           <a:xfrm>
-            <a:off x="566944" y="824808"/>
-            <a:ext cx="10511734" cy="3760444"/>
+            <a:off x="566944" y="824807"/>
+            <a:ext cx="11012248" cy="4623091"/>
           </a:xfrm>
         </p:spPr>
         <p:txBody>
           <a:bodyPr>
-            <a:normAutofit/>
+            <a:normAutofit fontScale="92500" lnSpcReduction="20000"/>
           </a:bodyPr>
           <a:lstStyle/>
           <a:p>
@@ -10284,7 +10592,23 @@
             </a:pPr>
             <a:r>
               <a:rPr lang="en-US" sz="1800" dirty="0"/>
-              <a:t>ArgoCD ‘Application’  is a yaml manifest which tells ArgoCD, how the application should be deployed</a:t>
+              <a:t>Follow following URL for installation – </a:t>
+            </a:r>
+          </a:p>
+          <a:p>
+            <a:pPr>
+              <a:spcBef>
+                <a:spcPts val="0"/>
+              </a:spcBef>
+            </a:pPr>
+            <a:r>
+              <a:rPr lang="en-US" sz="1500" dirty="0">
+                <a:solidFill>
+                  <a:srgbClr val="7030A0"/>
+                </a:solidFill>
+                <a:latin typeface="Abadi" panose="020B0604020104020204" pitchFamily="34" charset="0"/>
+              </a:rPr>
+              <a:t>https://argo-cd.readthedocs.io/en/stable/getting_started/</a:t>
             </a:r>
           </a:p>
           <a:p>
@@ -10294,7 +10618,7 @@
             </a:pPr>
             <a:r>
               <a:rPr lang="en-US" sz="1800" dirty="0"/>
-              <a:t>ArgoCD ‘ApplicationSet’, is controller, which helps ArgoCD to generate/deploy applications</a:t>
+              <a:t>For local env, to access Argo CD API server, do port forwarding</a:t>
             </a:r>
           </a:p>
           <a:p>
@@ -10304,7 +10628,7 @@
             </a:pPr>
             <a:r>
               <a:rPr lang="en-US" sz="1800" dirty="0"/>
-              <a:t>Generator in ApplicationSet is responsible for generating parameters, which can be latter used in templates section of ApplicationSet</a:t>
+              <a:t>The code setup required few plugins. Run these commands to setup those – </a:t>
             </a:r>
           </a:p>
           <a:p>
@@ -10312,13 +10636,228 @@
               <a:buFont typeface="Wingdings" panose="05000000000000000000" pitchFamily="2" charset="2"/>
               <a:buChar char="q"/>
             </a:pPr>
-            <a:endParaRPr lang="en-US" sz="1800" dirty="0"/>
-          </a:p>
-          <a:p>
-            <a:endParaRPr lang="en-US" dirty="0"/>
-          </a:p>
-          <a:p>
-            <a:endParaRPr lang="en-US" dirty="0"/>
+            <a:r>
+              <a:rPr lang="en-US" sz="1800" dirty="0"/>
+              <a:t>At argo-all repo , get files inside folder - /plugins/argocd-vault-plugin-helm-custom</a:t>
+            </a:r>
+          </a:p>
+          <a:p>
+            <a:pPr>
+              <a:lnSpc>
+                <a:spcPct val="120000"/>
+              </a:lnSpc>
+            </a:pPr>
+            <a:r>
+              <a:rPr lang="en-US" sz="1500" dirty="0">
+                <a:solidFill>
+                  <a:srgbClr val="7030A0"/>
+                </a:solidFill>
+                <a:latin typeface="Abadi" panose="020B0604020104020204" pitchFamily="34" charset="0"/>
+              </a:rPr>
+              <a:t>kubectl -n argocd patch cm/argocd-cm -p "$(cat </a:t>
+            </a:r>
+            <a:r>
+              <a:rPr lang="en-US" sz="1500" dirty="0" err="1">
+                <a:solidFill>
+                  <a:srgbClr val="7030A0"/>
+                </a:solidFill>
+                <a:latin typeface="Abadi" panose="020B0604020104020204" pitchFamily="34" charset="0"/>
+              </a:rPr>
+              <a:t>cm.yaml</a:t>
+            </a:r>
+            <a:r>
+              <a:rPr lang="en-US" sz="1500" dirty="0">
+                <a:solidFill>
+                  <a:srgbClr val="7030A0"/>
+                </a:solidFill>
+                <a:latin typeface="Abadi" panose="020B0604020104020204" pitchFamily="34" charset="0"/>
+              </a:rPr>
+              <a:t>)"</a:t>
+            </a:r>
+          </a:p>
+          <a:p>
+            <a:pPr>
+              <a:lnSpc>
+                <a:spcPct val="120000"/>
+              </a:lnSpc>
+            </a:pPr>
+            <a:r>
+              <a:rPr lang="en-US" sz="1500" dirty="0">
+                <a:solidFill>
+                  <a:srgbClr val="7030A0"/>
+                </a:solidFill>
+                <a:latin typeface="Abadi" panose="020B0604020104020204" pitchFamily="34" charset="0"/>
+              </a:rPr>
+              <a:t>kubectl -n argocd patch deploy/argocd-repo-server -p "$(cat </a:t>
+            </a:r>
+            <a:r>
+              <a:rPr lang="en-US" sz="1500" dirty="0" err="1">
+                <a:solidFill>
+                  <a:srgbClr val="7030A0"/>
+                </a:solidFill>
+                <a:latin typeface="Abadi" panose="020B0604020104020204" pitchFamily="34" charset="0"/>
+              </a:rPr>
+              <a:t>deploy.yaml</a:t>
+            </a:r>
+            <a:r>
+              <a:rPr lang="en-US" sz="1500" dirty="0">
+                <a:solidFill>
+                  <a:srgbClr val="7030A0"/>
+                </a:solidFill>
+                <a:latin typeface="Abadi" panose="020B0604020104020204" pitchFamily="34" charset="0"/>
+              </a:rPr>
+              <a:t>)"</a:t>
+            </a:r>
+          </a:p>
+          <a:p>
+            <a:pPr marL="285750" indent="-285750">
+              <a:lnSpc>
+                <a:spcPct val="110000"/>
+              </a:lnSpc>
+              <a:buFont typeface="Wingdings" panose="05000000000000000000" pitchFamily="2" charset="2"/>
+              <a:buChar char="q"/>
+            </a:pPr>
+            <a:r>
+              <a:rPr lang="en-US" sz="1800" dirty="0"/>
+              <a:t>Ensure all pods are running</a:t>
+            </a:r>
+          </a:p>
+          <a:p>
+            <a:pPr>
+              <a:lnSpc>
+                <a:spcPct val="110000"/>
+              </a:lnSpc>
+            </a:pPr>
+            <a:r>
+              <a:rPr lang="en-US" sz="1500" dirty="0">
+                <a:solidFill>
+                  <a:srgbClr val="7030A0"/>
+                </a:solidFill>
+                <a:latin typeface="Abadi" panose="020B0604020104020204" pitchFamily="34" charset="0"/>
+              </a:rPr>
+              <a:t>kubectl get pods –n argocd</a:t>
+            </a:r>
+            <a:endParaRPr lang="en-US" sz="1500" dirty="0">
+              <a:solidFill>
+                <a:srgbClr val="7030A0"/>
+              </a:solidFill>
+            </a:endParaRPr>
+          </a:p>
+          <a:p>
+            <a:pPr marL="285750" indent="-285750">
+              <a:buFont typeface="Wingdings" panose="05000000000000000000" pitchFamily="2" charset="2"/>
+              <a:buChar char="q"/>
+            </a:pPr>
+            <a:r>
+              <a:rPr lang="en-US" sz="1800" dirty="0"/>
+              <a:t>To get admin password for UI, command is - </a:t>
+            </a:r>
+          </a:p>
+          <a:p>
+            <a:pPr>
+              <a:spcBef>
+                <a:spcPts val="0"/>
+              </a:spcBef>
+            </a:pPr>
+            <a:r>
+              <a:rPr lang="pt-BR" sz="1500" dirty="0">
+                <a:solidFill>
+                  <a:srgbClr val="7030A0"/>
+                </a:solidFill>
+                <a:latin typeface="Abadi" panose="020B0604020104020204" pitchFamily="34" charset="0"/>
+              </a:rPr>
+              <a:t>argocd admin initial-password -n argocd</a:t>
+            </a:r>
+          </a:p>
+          <a:p>
+            <a:pPr>
+              <a:spcBef>
+                <a:spcPts val="0"/>
+              </a:spcBef>
+            </a:pPr>
+            <a:endParaRPr lang="pt-BR" sz="1500" dirty="0">
+              <a:solidFill>
+                <a:srgbClr val="7030A0"/>
+              </a:solidFill>
+              <a:latin typeface="Abadi" panose="020B0604020104020204" pitchFamily="34" charset="0"/>
+            </a:endParaRPr>
+          </a:p>
+          <a:p>
+            <a:pPr marL="285750" indent="-285750">
+              <a:buFont typeface="Wingdings" panose="05000000000000000000" pitchFamily="2" charset="2"/>
+              <a:buChar char="q"/>
+            </a:pPr>
+            <a:r>
+              <a:rPr lang="en-US" sz="1800" dirty="0"/>
+              <a:t>Port forwarding – </a:t>
+            </a:r>
+            <a:endParaRPr lang="pt-BR" sz="1500" dirty="0">
+              <a:solidFill>
+                <a:srgbClr val="7030A0"/>
+              </a:solidFill>
+              <a:latin typeface="Abadi" panose="020B0604020104020204" pitchFamily="34" charset="0"/>
+            </a:endParaRPr>
+          </a:p>
+          <a:p>
+            <a:pPr>
+              <a:spcBef>
+                <a:spcPts val="0"/>
+              </a:spcBef>
+            </a:pPr>
+            <a:endParaRPr lang="en-US" sz="1500" dirty="0">
+              <a:solidFill>
+                <a:srgbClr val="7030A0"/>
+              </a:solidFill>
+              <a:latin typeface="Abadi" panose="020B0604020104020204" pitchFamily="34" charset="0"/>
+            </a:endParaRPr>
+          </a:p>
+          <a:p>
+            <a:pPr>
+              <a:spcBef>
+                <a:spcPts val="0"/>
+              </a:spcBef>
+            </a:pPr>
+            <a:r>
+              <a:rPr lang="en-US" sz="2000" dirty="0">
+                <a:effectLst/>
+              </a:rPr>
+              <a:t>kubectl port-forward svc/argocd-server -n argocd 8080:443</a:t>
+            </a:r>
+            <a:endParaRPr lang="en-US" sz="1500" dirty="0">
+              <a:solidFill>
+                <a:srgbClr val="7030A0"/>
+              </a:solidFill>
+              <a:latin typeface="Abadi" panose="020B0604020104020204" pitchFamily="34" charset="0"/>
+            </a:endParaRPr>
+          </a:p>
+          <a:p>
+            <a:pPr>
+              <a:spcBef>
+                <a:spcPts val="0"/>
+              </a:spcBef>
+            </a:pPr>
+            <a:r>
+              <a:rPr lang="en-US" dirty="0">
+                <a:solidFill>
+                  <a:srgbClr val="7030A0"/>
+                </a:solidFill>
+                <a:latin typeface="Abadi" panose="020B0604020104020204" pitchFamily="34" charset="0"/>
+                <a:hlinkClick r:id="rId2">
+                  <a:extLst>
+                    <a:ext uri="{A12FA001-AC4F-418D-AE19-62706E023703}">
+                      <ahyp:hlinkClr xmlns:ahyp="http://schemas.microsoft.com/office/drawing/2018/hyperlinkcolor" val="tx"/>
+                    </a:ext>
+                  </a:extLst>
+                </a:hlinkClick>
+              </a:rPr>
+              <a:t>     </a:t>
+            </a:r>
+            <a:endParaRPr lang="en-US" dirty="0">
+              <a:solidFill>
+                <a:srgbClr val="7030A0"/>
+              </a:solidFill>
+              <a:latin typeface="Abadi" panose="020B0604020104020204" pitchFamily="34" charset="0"/>
+            </a:endParaRPr>
           </a:p>
         </p:txBody>
       </p:sp>
@@ -10393,7 +10932,7 @@
     </p:spTree>
     <p:extLst>
       <p:ext uri="{BB962C8B-B14F-4D97-AF65-F5344CB8AC3E}">
-        <p14:creationId xmlns:p14="http://schemas.microsoft.com/office/powerpoint/2010/main" val="2283271699"/>
+        <p14:creationId xmlns:p14="http://schemas.microsoft.com/office/powerpoint/2010/main" val="2020502254"/>
       </p:ext>
     </p:extLst>
   </p:cSld>
@@ -10450,7 +10989,7 @@
           <a:p>
             <a:r>
               <a:rPr lang="en-US" sz="2400" dirty="0"/>
-              <a:t>Installation and tools</a:t>
+              <a:t>Few Terminologies</a:t>
             </a:r>
           </a:p>
         </p:txBody>
@@ -10473,13 +11012,13 @@
         </p:nvSpPr>
         <p:spPr>
           <a:xfrm>
-            <a:off x="566944" y="824807"/>
-            <a:ext cx="11012248" cy="4623091"/>
+            <a:off x="566944" y="824808"/>
+            <a:ext cx="10511734" cy="3760444"/>
           </a:xfrm>
         </p:spPr>
         <p:txBody>
           <a:bodyPr>
-            <a:normAutofit fontScale="92500" lnSpcReduction="20000"/>
+            <a:normAutofit/>
           </a:bodyPr>
           <a:lstStyle/>
           <a:p>
@@ -10489,23 +11028,7 @@
             </a:pPr>
             <a:r>
               <a:rPr lang="en-US" sz="1800" dirty="0"/>
-              <a:t>Follow following URL for installation – </a:t>
-            </a:r>
-          </a:p>
-          <a:p>
-            <a:pPr>
-              <a:spcBef>
-                <a:spcPts val="0"/>
-              </a:spcBef>
-            </a:pPr>
-            <a:r>
-              <a:rPr lang="en-US" sz="1500" dirty="0">
-                <a:solidFill>
-                  <a:srgbClr val="7030A0"/>
-                </a:solidFill>
-                <a:latin typeface="Abadi" panose="020B0604020104020204" pitchFamily="34" charset="0"/>
-              </a:rPr>
-              <a:t>https://argo-cd.readthedocs.io/en/stable/getting_started/</a:t>
+              <a:t>ArgoCD ‘Application’  is a yaml manifest which tells ArgoCD, how the application should be deployed</a:t>
             </a:r>
           </a:p>
           <a:p>
@@ -10515,7 +11038,7 @@
             </a:pPr>
             <a:r>
               <a:rPr lang="en-US" sz="1800" dirty="0"/>
-              <a:t>For local env, to access Argo CD API server, do port forwarding</a:t>
+              <a:t>ArgoCD ‘ApplicationSet’, is controller, which helps ArgoCD to generate/deploy applications</a:t>
             </a:r>
           </a:p>
           <a:p>
@@ -10525,7 +11048,7 @@
             </a:pPr>
             <a:r>
               <a:rPr lang="en-US" sz="1800" dirty="0"/>
-              <a:t>The code setup required few plugins. Run these commands to setup those – </a:t>
+              <a:t>Generator in ApplicationSet is responsible for generating parameters, which can be latter used in templates section of ApplicationSet</a:t>
             </a:r>
           </a:p>
           <a:p>
@@ -10533,228 +11056,13 @@
               <a:buFont typeface="Wingdings" panose="05000000000000000000" pitchFamily="2" charset="2"/>
               <a:buChar char="q"/>
             </a:pPr>
-            <a:r>
-              <a:rPr lang="en-US" sz="1800" dirty="0"/>
-              <a:t>At argo-all repo , get files inside folder - /plugins/argocd-vault-plugin-helm-custom</a:t>
-            </a:r>
-          </a:p>
-          <a:p>
-            <a:pPr>
-              <a:lnSpc>
-                <a:spcPct val="120000"/>
-              </a:lnSpc>
-            </a:pPr>
-            <a:r>
-              <a:rPr lang="en-US" sz="1500" dirty="0">
-                <a:solidFill>
-                  <a:srgbClr val="7030A0"/>
-                </a:solidFill>
-                <a:latin typeface="Abadi" panose="020B0604020104020204" pitchFamily="34" charset="0"/>
-              </a:rPr>
-              <a:t>kubectl -n argocd patch cm/argocd-cm -p "$(cat </a:t>
-            </a:r>
-            <a:r>
-              <a:rPr lang="en-US" sz="1500" dirty="0" err="1">
-                <a:solidFill>
-                  <a:srgbClr val="7030A0"/>
-                </a:solidFill>
-                <a:latin typeface="Abadi" panose="020B0604020104020204" pitchFamily="34" charset="0"/>
-              </a:rPr>
-              <a:t>cm.yaml</a:t>
-            </a:r>
-            <a:r>
-              <a:rPr lang="en-US" sz="1500" dirty="0">
-                <a:solidFill>
-                  <a:srgbClr val="7030A0"/>
-                </a:solidFill>
-                <a:latin typeface="Abadi" panose="020B0604020104020204" pitchFamily="34" charset="0"/>
-              </a:rPr>
-              <a:t>)"</a:t>
-            </a:r>
-          </a:p>
-          <a:p>
-            <a:pPr>
-              <a:lnSpc>
-                <a:spcPct val="120000"/>
-              </a:lnSpc>
-            </a:pPr>
-            <a:r>
-              <a:rPr lang="en-US" sz="1500" dirty="0">
-                <a:solidFill>
-                  <a:srgbClr val="7030A0"/>
-                </a:solidFill>
-                <a:latin typeface="Abadi" panose="020B0604020104020204" pitchFamily="34" charset="0"/>
-              </a:rPr>
-              <a:t>kubectl -n argocd patch deploy/argocd-repo-server -p "$(cat </a:t>
-            </a:r>
-            <a:r>
-              <a:rPr lang="en-US" sz="1500" dirty="0" err="1">
-                <a:solidFill>
-                  <a:srgbClr val="7030A0"/>
-                </a:solidFill>
-                <a:latin typeface="Abadi" panose="020B0604020104020204" pitchFamily="34" charset="0"/>
-              </a:rPr>
-              <a:t>deploy.yaml</a:t>
-            </a:r>
-            <a:r>
-              <a:rPr lang="en-US" sz="1500" dirty="0">
-                <a:solidFill>
-                  <a:srgbClr val="7030A0"/>
-                </a:solidFill>
-                <a:latin typeface="Abadi" panose="020B0604020104020204" pitchFamily="34" charset="0"/>
-              </a:rPr>
-              <a:t>)"</a:t>
-            </a:r>
-          </a:p>
-          <a:p>
-            <a:pPr marL="285750" indent="-285750">
-              <a:lnSpc>
-                <a:spcPct val="110000"/>
-              </a:lnSpc>
-              <a:buFont typeface="Wingdings" panose="05000000000000000000" pitchFamily="2" charset="2"/>
-              <a:buChar char="q"/>
-            </a:pPr>
-            <a:r>
-              <a:rPr lang="en-US" sz="1800" dirty="0"/>
-              <a:t>Ensure all pods are running</a:t>
-            </a:r>
-          </a:p>
-          <a:p>
-            <a:pPr>
-              <a:lnSpc>
-                <a:spcPct val="110000"/>
-              </a:lnSpc>
-            </a:pPr>
-            <a:r>
-              <a:rPr lang="en-US" sz="1500" dirty="0">
-                <a:solidFill>
-                  <a:srgbClr val="7030A0"/>
-                </a:solidFill>
-                <a:latin typeface="Abadi" panose="020B0604020104020204" pitchFamily="34" charset="0"/>
-              </a:rPr>
-              <a:t>kubectl get pods –n argocd</a:t>
-            </a:r>
-            <a:endParaRPr lang="en-US" sz="1500" dirty="0">
-              <a:solidFill>
-                <a:srgbClr val="7030A0"/>
-              </a:solidFill>
-            </a:endParaRPr>
-          </a:p>
-          <a:p>
-            <a:pPr marL="285750" indent="-285750">
-              <a:buFont typeface="Wingdings" panose="05000000000000000000" pitchFamily="2" charset="2"/>
-              <a:buChar char="q"/>
-            </a:pPr>
-            <a:r>
-              <a:rPr lang="en-US" sz="1800" dirty="0"/>
-              <a:t>To get admin password for UI, command is - </a:t>
-            </a:r>
-          </a:p>
-          <a:p>
-            <a:pPr>
-              <a:spcBef>
-                <a:spcPts val="0"/>
-              </a:spcBef>
-            </a:pPr>
-            <a:r>
-              <a:rPr lang="pt-BR" sz="1500" dirty="0">
-                <a:solidFill>
-                  <a:srgbClr val="7030A0"/>
-                </a:solidFill>
-                <a:latin typeface="Abadi" panose="020B0604020104020204" pitchFamily="34" charset="0"/>
-              </a:rPr>
-              <a:t>argocd admin initial-password -n argocd</a:t>
-            </a:r>
-          </a:p>
-          <a:p>
-            <a:pPr>
-              <a:spcBef>
-                <a:spcPts val="0"/>
-              </a:spcBef>
-            </a:pPr>
-            <a:endParaRPr lang="pt-BR" sz="1500" dirty="0">
-              <a:solidFill>
-                <a:srgbClr val="7030A0"/>
-              </a:solidFill>
-              <a:latin typeface="Abadi" panose="020B0604020104020204" pitchFamily="34" charset="0"/>
-            </a:endParaRPr>
-          </a:p>
-          <a:p>
-            <a:pPr marL="285750" indent="-285750">
-              <a:buFont typeface="Wingdings" panose="05000000000000000000" pitchFamily="2" charset="2"/>
-              <a:buChar char="q"/>
-            </a:pPr>
-            <a:r>
-              <a:rPr lang="en-US" sz="1800" dirty="0"/>
-              <a:t>Port forwarding – </a:t>
-            </a:r>
-            <a:endParaRPr lang="pt-BR" sz="1500" dirty="0">
-              <a:solidFill>
-                <a:srgbClr val="7030A0"/>
-              </a:solidFill>
-              <a:latin typeface="Abadi" panose="020B0604020104020204" pitchFamily="34" charset="0"/>
-            </a:endParaRPr>
-          </a:p>
-          <a:p>
-            <a:pPr>
-              <a:spcBef>
-                <a:spcPts val="0"/>
-              </a:spcBef>
-            </a:pPr>
-            <a:endParaRPr lang="en-US" sz="1500" dirty="0">
-              <a:solidFill>
-                <a:srgbClr val="7030A0"/>
-              </a:solidFill>
-              <a:latin typeface="Abadi" panose="020B0604020104020204" pitchFamily="34" charset="0"/>
-            </a:endParaRPr>
-          </a:p>
-          <a:p>
-            <a:pPr>
-              <a:spcBef>
-                <a:spcPts val="0"/>
-              </a:spcBef>
-            </a:pPr>
-            <a:r>
-              <a:rPr lang="en-US" sz="2000" dirty="0">
-                <a:effectLst/>
-              </a:rPr>
-              <a:t>kubectl port-forward svc/argocd-server -n argocd 8080:443</a:t>
-            </a:r>
-            <a:endParaRPr lang="en-US" sz="1500" dirty="0">
-              <a:solidFill>
-                <a:srgbClr val="7030A0"/>
-              </a:solidFill>
-              <a:latin typeface="Abadi" panose="020B0604020104020204" pitchFamily="34" charset="0"/>
-            </a:endParaRPr>
-          </a:p>
-          <a:p>
-            <a:pPr>
-              <a:spcBef>
-                <a:spcPts val="0"/>
-              </a:spcBef>
-            </a:pPr>
-            <a:r>
-              <a:rPr lang="en-US" dirty="0">
-                <a:solidFill>
-                  <a:srgbClr val="7030A0"/>
-                </a:solidFill>
-                <a:latin typeface="Abadi" panose="020B0604020104020204" pitchFamily="34" charset="0"/>
-                <a:hlinkClick r:id="rId2">
-                  <a:extLst>
-                    <a:ext uri="{A12FA001-AC4F-418D-AE19-62706E023703}">
-                      <ahyp:hlinkClr xmlns:ahyp="http://schemas.microsoft.com/office/drawing/2018/hyperlinkcolor" val="tx"/>
-                    </a:ext>
-                  </a:extLst>
-                </a:hlinkClick>
-              </a:rPr>
-              <a:t>     </a:t>
-            </a:r>
-            <a:endParaRPr lang="en-US" dirty="0">
-              <a:solidFill>
-                <a:srgbClr val="7030A0"/>
-              </a:solidFill>
-              <a:latin typeface="Abadi" panose="020B0604020104020204" pitchFamily="34" charset="0"/>
-            </a:endParaRPr>
+            <a:endParaRPr lang="en-US" sz="1800" dirty="0"/>
+          </a:p>
+          <a:p>
+            <a:endParaRPr lang="en-US" dirty="0"/>
+          </a:p>
+          <a:p>
+            <a:endParaRPr lang="en-US" dirty="0"/>
           </a:p>
         </p:txBody>
       </p:sp>
@@ -10829,7 +11137,7 @@
     </p:spTree>
     <p:extLst>
       <p:ext uri="{BB962C8B-B14F-4D97-AF65-F5344CB8AC3E}">
-        <p14:creationId xmlns:p14="http://schemas.microsoft.com/office/powerpoint/2010/main" val="2020502254"/>
+        <p14:creationId xmlns:p14="http://schemas.microsoft.com/office/powerpoint/2010/main" val="2283271699"/>
       </p:ext>
     </p:extLst>
   </p:cSld>
@@ -10874,8 +11182,8 @@
         </p:nvSpPr>
         <p:spPr>
           <a:xfrm>
-            <a:off x="831849" y="140528"/>
-            <a:ext cx="6887611" cy="517664"/>
+            <a:off x="831850" y="140528"/>
+            <a:ext cx="5111750" cy="517664"/>
           </a:xfrm>
         </p:spPr>
         <p:txBody>
@@ -10886,89 +11194,8 @@
           <a:p>
             <a:r>
               <a:rPr lang="en-US" sz="2400" dirty="0"/>
-              <a:t>Over THE Argo cd UI – Add Project</a:t>
-            </a:r>
-          </a:p>
-        </p:txBody>
-      </p:sp>
-      <p:sp>
-        <p:nvSpPr>
-          <p:cNvPr id="3" name="Text Placeholder 2">
-            <a:extLst>
-              <a:ext uri="{FF2B5EF4-FFF2-40B4-BE49-F238E27FC236}">
-                <a16:creationId xmlns:a16="http://schemas.microsoft.com/office/drawing/2014/main" id="{9D5232F9-FD00-464A-9F17-619C91AEF8F3}"/>
-              </a:ext>
-            </a:extLst>
-          </p:cNvPr>
-          <p:cNvSpPr>
-            <a:spLocks noGrp="1"/>
-          </p:cNvSpPr>
-          <p:nvPr>
-            <p:ph type="body" idx="1"/>
-          </p:nvPr>
-        </p:nvSpPr>
-        <p:spPr>
-          <a:xfrm>
-            <a:off x="566943" y="824807"/>
-            <a:ext cx="9895717" cy="5701121"/>
-          </a:xfrm>
-        </p:spPr>
-        <p:txBody>
-          <a:bodyPr>
-            <a:normAutofit/>
-          </a:bodyPr>
-          <a:lstStyle/>
-          <a:p>
-            <a:pPr marL="285750" indent="-285750">
-              <a:buFont typeface="Wingdings" panose="05000000000000000000" pitchFamily="2" charset="2"/>
-              <a:buChar char="q"/>
-            </a:pPr>
-            <a:r>
-              <a:rPr lang="en-US" sz="1600" dirty="0"/>
-              <a:t>Login to UI and on Settings, Project, create new Project</a:t>
-            </a:r>
-          </a:p>
-          <a:p>
-            <a:pPr marL="285750" indent="-285750">
-              <a:buFont typeface="Wingdings" panose="05000000000000000000" pitchFamily="2" charset="2"/>
-              <a:buChar char="q"/>
-            </a:pPr>
-            <a:r>
-              <a:rPr lang="en-US" sz="1600" dirty="0"/>
-              <a:t>Setting, Project, click on project and add Source repository, Destinations, Cluster Resource Allow List, Namespace Resource Allow List as *</a:t>
-            </a:r>
-          </a:p>
-          <a:p>
-            <a:pPr marL="285750" indent="-285750">
-              <a:buFont typeface="Wingdings" panose="05000000000000000000" pitchFamily="2" charset="2"/>
-              <a:buChar char="q"/>
-            </a:pPr>
-            <a:r>
-              <a:rPr lang="en-US" sz="1600" dirty="0"/>
-              <a:t>Don’t put any entry for Cluster Resource Deny List, Namespace Resource Deny List</a:t>
-            </a:r>
-          </a:p>
-          <a:p>
-            <a:pPr marL="285750" indent="-285750">
-              <a:buFont typeface="Wingdings" panose="05000000000000000000" pitchFamily="2" charset="2"/>
-              <a:buChar char="q"/>
-            </a:pPr>
-            <a:endParaRPr lang="en-US" sz="1600" dirty="0"/>
-          </a:p>
-          <a:p>
-            <a:pPr marL="285750" indent="-285750">
-              <a:buFont typeface="Wingdings" panose="05000000000000000000" pitchFamily="2" charset="2"/>
-              <a:buChar char="q"/>
-            </a:pPr>
-            <a:endParaRPr lang="en-US" sz="1600" dirty="0"/>
-          </a:p>
-          <a:p>
-            <a:endParaRPr lang="en-US" dirty="0">
-              <a:solidFill>
-                <a:srgbClr val="7030A0"/>
-              </a:solidFill>
-              <a:latin typeface="Abadi" panose="020B0604020104020204" pitchFamily="34" charset="0"/>
-            </a:endParaRPr>
+              <a:t>Application Structure</a:t>
+            </a:r>
           </a:p>
         </p:txBody>
       </p:sp>
@@ -11042,10 +11269,10 @@
       </p:sp>
       <p:pic>
         <p:nvPicPr>
-          <p:cNvPr id="8" name="Picture 7" descr="A screenshot of a phone&#10;&#10;Description automatically generated with low confidence">
-            <a:extLst>
-              <a:ext uri="{FF2B5EF4-FFF2-40B4-BE49-F238E27FC236}">
-                <a16:creationId xmlns:a16="http://schemas.microsoft.com/office/drawing/2014/main" id="{34113E32-B6DB-9C23-6A26-64B4697D87E6}"/>
+          <p:cNvPr id="7" name="Picture 6" descr="A picture containing text, screenshot, diagram, font&#10;&#10;Description automatically generated">
+            <a:extLst>
+              <a:ext uri="{FF2B5EF4-FFF2-40B4-BE49-F238E27FC236}">
+                <a16:creationId xmlns:a16="http://schemas.microsoft.com/office/drawing/2014/main" id="{51D616C7-87C2-A756-0023-B6B50C7A7B98}"/>
               </a:ext>
             </a:extLst>
           </p:cNvPr>
@@ -11062,8 +11289,8 @@
         </p:blipFill>
         <p:spPr>
           <a:xfrm>
-            <a:off x="924026" y="2466240"/>
-            <a:ext cx="8768616" cy="3003550"/>
+            <a:off x="940418" y="1145857"/>
+            <a:ext cx="5248275" cy="4200525"/>
           </a:xfrm>
           <a:prstGeom prst="rect">
             <a:avLst/>
@@ -11073,7 +11300,7 @@
     </p:spTree>
     <p:extLst>
       <p:ext uri="{BB962C8B-B14F-4D97-AF65-F5344CB8AC3E}">
-        <p14:creationId xmlns:p14="http://schemas.microsoft.com/office/powerpoint/2010/main" val="3538724931"/>
+        <p14:creationId xmlns:p14="http://schemas.microsoft.com/office/powerpoint/2010/main" val="612447907"/>
       </p:ext>
     </p:extLst>
   </p:cSld>
@@ -11118,8 +11345,8 @@
         </p:nvSpPr>
         <p:spPr>
           <a:xfrm>
-            <a:off x="831849" y="140528"/>
-            <a:ext cx="6887611" cy="517664"/>
+            <a:off x="831850" y="140528"/>
+            <a:ext cx="2825750" cy="517664"/>
           </a:xfrm>
         </p:spPr>
         <p:txBody>
@@ -11130,72 +11357,8 @@
           <a:p>
             <a:r>
               <a:rPr lang="en-US" sz="2400" dirty="0"/>
-              <a:t>Over THE Argo cd UI – Add Git REPO</a:t>
-            </a:r>
-          </a:p>
-        </p:txBody>
-      </p:sp>
-      <p:sp>
-        <p:nvSpPr>
-          <p:cNvPr id="3" name="Text Placeholder 2">
-            <a:extLst>
-              <a:ext uri="{FF2B5EF4-FFF2-40B4-BE49-F238E27FC236}">
-                <a16:creationId xmlns:a16="http://schemas.microsoft.com/office/drawing/2014/main" id="{9D5232F9-FD00-464A-9F17-619C91AEF8F3}"/>
-              </a:ext>
-            </a:extLst>
-          </p:cNvPr>
-          <p:cNvSpPr>
-            <a:spLocks noGrp="1"/>
-          </p:cNvSpPr>
-          <p:nvPr>
-            <p:ph type="body" idx="1"/>
-          </p:nvPr>
-        </p:nvSpPr>
-        <p:spPr>
-          <a:xfrm>
-            <a:off x="566943" y="824807"/>
-            <a:ext cx="9895717" cy="5701121"/>
-          </a:xfrm>
-        </p:spPr>
-        <p:txBody>
-          <a:bodyPr>
-            <a:normAutofit/>
-          </a:bodyPr>
-          <a:lstStyle/>
-          <a:p>
-            <a:pPr marL="285750" indent="-285750">
-              <a:buFont typeface="Wingdings" panose="05000000000000000000" pitchFamily="2" charset="2"/>
-              <a:buChar char="q"/>
-            </a:pPr>
-            <a:r>
-              <a:rPr lang="en-US" sz="1600" dirty="0"/>
-              <a:t>On Settings, Connect Repo , add the git repository containing code (configurations branch)</a:t>
-            </a:r>
-          </a:p>
-          <a:p>
-            <a:pPr marL="285750" indent="-285750">
-              <a:buFont typeface="Wingdings" panose="05000000000000000000" pitchFamily="2" charset="2"/>
-              <a:buChar char="q"/>
-            </a:pPr>
-            <a:r>
-              <a:rPr lang="en-US" sz="1600" dirty="0"/>
-              <a:t>Put appropriate username and token as password</a:t>
-            </a:r>
-          </a:p>
-          <a:p>
-            <a:pPr marL="285750" indent="-285750">
-              <a:buFont typeface="Wingdings" panose="05000000000000000000" pitchFamily="2" charset="2"/>
-              <a:buChar char="q"/>
-            </a:pPr>
-            <a:endParaRPr lang="en-US" sz="1600" dirty="0"/>
-          </a:p>
-          <a:p>
-            <a:endParaRPr lang="en-US" dirty="0">
-              <a:solidFill>
-                <a:srgbClr val="7030A0"/>
-              </a:solidFill>
-              <a:latin typeface="Abadi" panose="020B0604020104020204" pitchFamily="34" charset="0"/>
-            </a:endParaRPr>
+              <a:t>CD pipeline</a:t>
+            </a:r>
           </a:p>
         </p:txBody>
       </p:sp>
@@ -11269,10 +11432,10 @@
       </p:sp>
       <p:pic>
         <p:nvPicPr>
-          <p:cNvPr id="7" name="Picture 6">
-            <a:extLst>
-              <a:ext uri="{FF2B5EF4-FFF2-40B4-BE49-F238E27FC236}">
-                <a16:creationId xmlns:a16="http://schemas.microsoft.com/office/drawing/2014/main" id="{C50C618C-C42E-86C3-7B9F-ABED28F109C7}"/>
+          <p:cNvPr id="5" name="Picture 4" descr="A screenshot of a computer&#10;&#10;Description automatically generated with low confidence">
+            <a:extLst>
+              <a:ext uri="{FF2B5EF4-FFF2-40B4-BE49-F238E27FC236}">
+                <a16:creationId xmlns:a16="http://schemas.microsoft.com/office/drawing/2014/main" id="{B8562FAE-4ADC-6EA6-5607-AF636F6F07EA}"/>
               </a:ext>
             </a:extLst>
           </p:cNvPr>
@@ -11289,8 +11452,8 @@
         </p:blipFill>
         <p:spPr>
           <a:xfrm>
-            <a:off x="831849" y="1691005"/>
-            <a:ext cx="9321476" cy="4469798"/>
+            <a:off x="672666" y="1433512"/>
+            <a:ext cx="10153650" cy="3990975"/>
           </a:xfrm>
           <a:prstGeom prst="rect">
             <a:avLst/>
@@ -11300,7 +11463,7 @@
     </p:spTree>
     <p:extLst>
       <p:ext uri="{BB962C8B-B14F-4D97-AF65-F5344CB8AC3E}">
-        <p14:creationId xmlns:p14="http://schemas.microsoft.com/office/powerpoint/2010/main" val="886382101"/>
+        <p14:creationId xmlns:p14="http://schemas.microsoft.com/office/powerpoint/2010/main" val="58721723"/>
       </p:ext>
     </p:extLst>
   </p:cSld>
@@ -11351,13 +11514,13 @@
         </p:spPr>
         <p:txBody>
           <a:bodyPr>
-            <a:normAutofit fontScale="90000"/>
+            <a:normAutofit/>
           </a:bodyPr>
           <a:lstStyle/>
           <a:p>
             <a:r>
               <a:rPr lang="en-US" sz="2400" dirty="0"/>
-              <a:t>Over THE Argo cd UI – create application</a:t>
+              <a:t>Over THE Argo cd UI – Add Project</a:t>
             </a:r>
           </a:p>
         </p:txBody>
@@ -11396,38 +11559,8 @@
             </a:pPr>
             <a:r>
               <a:rPr lang="en-US" sz="1600" dirty="0"/>
-              <a:t>On Application -&gt; New App and Input following</a:t>
-            </a:r>
-          </a:p>
-          <a:p>
-            <a:endParaRPr lang="en-US" sz="1600" dirty="0"/>
-          </a:p>
-          <a:p>
-            <a:endParaRPr lang="en-US" sz="1600" dirty="0"/>
-          </a:p>
-          <a:p>
-            <a:endParaRPr lang="en-US" sz="1600" dirty="0"/>
-          </a:p>
-          <a:p>
-            <a:endParaRPr lang="en-US" sz="1600" dirty="0"/>
-          </a:p>
-          <a:p>
-            <a:endParaRPr lang="en-US" sz="1600" dirty="0"/>
-          </a:p>
-          <a:p>
-            <a:endParaRPr lang="en-US" sz="1600" dirty="0"/>
-          </a:p>
-          <a:p>
-            <a:endParaRPr lang="en-US" sz="1600" dirty="0"/>
-          </a:p>
-          <a:p>
-            <a:endParaRPr lang="en-US" sz="1600" dirty="0"/>
-          </a:p>
-          <a:p>
-            <a:endParaRPr lang="en-US" sz="1600" dirty="0"/>
-          </a:p>
-          <a:p>
-            <a:endParaRPr lang="en-US" sz="1600" dirty="0"/>
+              <a:t>Login to UI and on Settings, Project, create new Project</a:t>
+            </a:r>
           </a:p>
           <a:p>
             <a:pPr marL="285750" indent="-285750">
@@ -11436,7 +11569,7 @@
             </a:pPr>
             <a:r>
               <a:rPr lang="en-US" sz="1600" dirty="0"/>
-              <a:t>Once application is created, do hard refresh and sync</a:t>
+              <a:t>Setting, Project, click on project and add Source repository, Destinations, Cluster Resource Allow List, Namespace Resource Allow List as *</a:t>
             </a:r>
           </a:p>
           <a:p>
@@ -11446,7 +11579,7 @@
             </a:pPr>
             <a:r>
               <a:rPr lang="en-US" sz="1600" dirty="0"/>
-              <a:t>Ensure docker login on host</a:t>
+              <a:t>Don’t put any entry for Cluster Resource Deny List, Namespace Resource Deny List</a:t>
             </a:r>
           </a:p>
           <a:p>
@@ -11454,10 +11587,14 @@
               <a:buFont typeface="Wingdings" panose="05000000000000000000" pitchFamily="2" charset="2"/>
               <a:buChar char="q"/>
             </a:pPr>
-            <a:r>
-              <a:rPr lang="en-US" sz="1600" dirty="0"/>
-              <a:t>Also ensure to turn off ZScaler</a:t>
-            </a:r>
+            <a:endParaRPr lang="en-US" sz="1600" dirty="0"/>
+          </a:p>
+          <a:p>
+            <a:pPr marL="285750" indent="-285750">
+              <a:buFont typeface="Wingdings" panose="05000000000000000000" pitchFamily="2" charset="2"/>
+              <a:buChar char="q"/>
+            </a:pPr>
+            <a:endParaRPr lang="en-US" sz="1600" dirty="0"/>
           </a:p>
           <a:p>
             <a:endParaRPr lang="en-US" dirty="0">
@@ -11532,6 +11669,503 @@
               <a:rPr lang="en-US" smtClean="0"/>
               <a:pPr/>
               <a:t>7</a:t>
+            </a:fld>
+            <a:endParaRPr lang="en-US" dirty="0"/>
+          </a:p>
+        </p:txBody>
+      </p:sp>
+      <p:pic>
+        <p:nvPicPr>
+          <p:cNvPr id="8" name="Picture 7" descr="A screenshot of a phone&#10;&#10;Description automatically generated with low confidence">
+            <a:extLst>
+              <a:ext uri="{FF2B5EF4-FFF2-40B4-BE49-F238E27FC236}">
+                <a16:creationId xmlns:a16="http://schemas.microsoft.com/office/drawing/2014/main" id="{34113E32-B6DB-9C23-6A26-64B4697D87E6}"/>
+              </a:ext>
+            </a:extLst>
+          </p:cNvPr>
+          <p:cNvPicPr>
+            <a:picLocks noChangeAspect="1"/>
+          </p:cNvPicPr>
+          <p:nvPr/>
+        </p:nvPicPr>
+        <p:blipFill>
+          <a:blip r:embed="rId2"/>
+          <a:stretch>
+            <a:fillRect/>
+          </a:stretch>
+        </p:blipFill>
+        <p:spPr>
+          <a:xfrm>
+            <a:off x="924026" y="2466240"/>
+            <a:ext cx="8768616" cy="3003550"/>
+          </a:xfrm>
+          <a:prstGeom prst="rect">
+            <a:avLst/>
+          </a:prstGeom>
+        </p:spPr>
+      </p:pic>
+    </p:spTree>
+    <p:extLst>
+      <p:ext uri="{BB962C8B-B14F-4D97-AF65-F5344CB8AC3E}">
+        <p14:creationId xmlns:p14="http://schemas.microsoft.com/office/powerpoint/2010/main" val="3538724931"/>
+      </p:ext>
+    </p:extLst>
+  </p:cSld>
+  <p:clrMapOvr>
+    <a:masterClrMapping/>
+  </p:clrMapOvr>
+</p:sld>
+</file>
+
+<file path=ppt/slides/slide8.xml><?xml version="1.0" encoding="utf-8"?>
+<p:sld xmlns:a="http://schemas.openxmlformats.org/drawingml/2006/main" xmlns:r="http://schemas.openxmlformats.org/officeDocument/2006/relationships" xmlns:p="http://schemas.openxmlformats.org/presentationml/2006/main">
+  <p:cSld>
+    <p:spTree>
+      <p:nvGrpSpPr>
+        <p:cNvPr id="1" name=""/>
+        <p:cNvGrpSpPr/>
+        <p:nvPr/>
+      </p:nvGrpSpPr>
+      <p:grpSpPr>
+        <a:xfrm>
+          <a:off x="0" y="0"/>
+          <a:ext cx="0" cy="0"/>
+          <a:chOff x="0" y="0"/>
+          <a:chExt cx="0" cy="0"/>
+        </a:xfrm>
+      </p:grpSpPr>
+      <p:sp>
+        <p:nvSpPr>
+          <p:cNvPr id="2" name="Title 1">
+            <a:extLst>
+              <a:ext uri="{FF2B5EF4-FFF2-40B4-BE49-F238E27FC236}">
+                <a16:creationId xmlns:a16="http://schemas.microsoft.com/office/drawing/2014/main" id="{0A32731C-311B-46F7-A865-6C3AF6B09A47}"/>
+              </a:ext>
+            </a:extLst>
+          </p:cNvPr>
+          <p:cNvSpPr>
+            <a:spLocks noGrp="1"/>
+          </p:cNvSpPr>
+          <p:nvPr>
+            <p:ph type="title"/>
+          </p:nvPr>
+        </p:nvSpPr>
+        <p:spPr>
+          <a:xfrm>
+            <a:off x="831849" y="140528"/>
+            <a:ext cx="6887611" cy="517664"/>
+          </a:xfrm>
+        </p:spPr>
+        <p:txBody>
+          <a:bodyPr>
+            <a:normAutofit/>
+          </a:bodyPr>
+          <a:lstStyle/>
+          <a:p>
+            <a:r>
+              <a:rPr lang="en-US" sz="2400" dirty="0"/>
+              <a:t>Over THE Argo cd UI – Add Git REPO</a:t>
+            </a:r>
+          </a:p>
+        </p:txBody>
+      </p:sp>
+      <p:sp>
+        <p:nvSpPr>
+          <p:cNvPr id="3" name="Text Placeholder 2">
+            <a:extLst>
+              <a:ext uri="{FF2B5EF4-FFF2-40B4-BE49-F238E27FC236}">
+                <a16:creationId xmlns:a16="http://schemas.microsoft.com/office/drawing/2014/main" id="{9D5232F9-FD00-464A-9F17-619C91AEF8F3}"/>
+              </a:ext>
+            </a:extLst>
+          </p:cNvPr>
+          <p:cNvSpPr>
+            <a:spLocks noGrp="1"/>
+          </p:cNvSpPr>
+          <p:nvPr>
+            <p:ph type="body" idx="1"/>
+          </p:nvPr>
+        </p:nvSpPr>
+        <p:spPr>
+          <a:xfrm>
+            <a:off x="566943" y="824807"/>
+            <a:ext cx="9895717" cy="5701121"/>
+          </a:xfrm>
+        </p:spPr>
+        <p:txBody>
+          <a:bodyPr>
+            <a:normAutofit/>
+          </a:bodyPr>
+          <a:lstStyle/>
+          <a:p>
+            <a:pPr marL="285750" indent="-285750">
+              <a:buFont typeface="Wingdings" panose="05000000000000000000" pitchFamily="2" charset="2"/>
+              <a:buChar char="q"/>
+            </a:pPr>
+            <a:r>
+              <a:rPr lang="en-US" sz="1600" dirty="0"/>
+              <a:t>On Settings, Connect Repo , add the git repository containing code (configurations branch)</a:t>
+            </a:r>
+          </a:p>
+          <a:p>
+            <a:pPr marL="285750" indent="-285750">
+              <a:buFont typeface="Wingdings" panose="05000000000000000000" pitchFamily="2" charset="2"/>
+              <a:buChar char="q"/>
+            </a:pPr>
+            <a:r>
+              <a:rPr lang="en-US" sz="1600" dirty="0"/>
+              <a:t>Put appropriate username and token as password</a:t>
+            </a:r>
+          </a:p>
+          <a:p>
+            <a:pPr marL="285750" indent="-285750">
+              <a:buFont typeface="Wingdings" panose="05000000000000000000" pitchFamily="2" charset="2"/>
+              <a:buChar char="q"/>
+            </a:pPr>
+            <a:endParaRPr lang="en-US" sz="1600" dirty="0"/>
+          </a:p>
+          <a:p>
+            <a:endParaRPr lang="en-US" dirty="0">
+              <a:solidFill>
+                <a:srgbClr val="7030A0"/>
+              </a:solidFill>
+              <a:latin typeface="Abadi" panose="020B0604020104020204" pitchFamily="34" charset="0"/>
+            </a:endParaRPr>
+          </a:p>
+        </p:txBody>
+      </p:sp>
+      <p:sp>
+        <p:nvSpPr>
+          <p:cNvPr id="4" name="Date Placeholder 3">
+            <a:extLst>
+              <a:ext uri="{FF2B5EF4-FFF2-40B4-BE49-F238E27FC236}">
+                <a16:creationId xmlns:a16="http://schemas.microsoft.com/office/drawing/2014/main" id="{70E12647-CCB2-45E2-A9CB-A868F490497E}"/>
+              </a:ext>
+            </a:extLst>
+          </p:cNvPr>
+          <p:cNvSpPr>
+            <a:spLocks noGrp="1"/>
+          </p:cNvSpPr>
+          <p:nvPr>
+            <p:ph type="dt" sz="half" idx="10"/>
+          </p:nvPr>
+        </p:nvSpPr>
+        <p:spPr>
+          <a:xfrm>
+            <a:off x="838200" y="6356350"/>
+            <a:ext cx="1219200" cy="365125"/>
+          </a:xfrm>
+        </p:spPr>
+        <p:txBody>
+          <a:bodyPr/>
+          <a:lstStyle/>
+          <a:p>
+            <a:r>
+              <a:rPr lang="en-US" dirty="0"/>
+              <a:t>2023</a:t>
+            </a:r>
+          </a:p>
+        </p:txBody>
+      </p:sp>
+      <p:sp>
+        <p:nvSpPr>
+          <p:cNvPr id="6" name="Slide Number Placeholder 5">
+            <a:extLst>
+              <a:ext uri="{FF2B5EF4-FFF2-40B4-BE49-F238E27FC236}">
+                <a16:creationId xmlns:a16="http://schemas.microsoft.com/office/drawing/2014/main" id="{7BC1787E-7110-4989-B0B8-DD4E0ACC09DF}"/>
+              </a:ext>
+            </a:extLst>
+          </p:cNvPr>
+          <p:cNvSpPr>
+            <a:spLocks noGrp="1"/>
+          </p:cNvSpPr>
+          <p:nvPr>
+            <p:ph type="sldNum" sz="quarter" idx="12"/>
+          </p:nvPr>
+        </p:nvSpPr>
+        <p:spPr>
+          <a:xfrm>
+            <a:off x="8610600" y="6356350"/>
+            <a:ext cx="2743200" cy="365125"/>
+          </a:xfrm>
+        </p:spPr>
+        <p:txBody>
+          <a:bodyPr/>
+          <a:lstStyle/>
+          <a:p>
+            <a:fld id="{A49DFD55-3C28-40EF-9E31-A92D2E4017FF}" type="slidenum">
+              <a:rPr lang="en-US" smtClean="0"/>
+              <a:pPr/>
+              <a:t>8</a:t>
+            </a:fld>
+            <a:endParaRPr lang="en-US" dirty="0"/>
+          </a:p>
+        </p:txBody>
+      </p:sp>
+      <p:pic>
+        <p:nvPicPr>
+          <p:cNvPr id="7" name="Picture 6">
+            <a:extLst>
+              <a:ext uri="{FF2B5EF4-FFF2-40B4-BE49-F238E27FC236}">
+                <a16:creationId xmlns:a16="http://schemas.microsoft.com/office/drawing/2014/main" id="{C50C618C-C42E-86C3-7B9F-ABED28F109C7}"/>
+              </a:ext>
+            </a:extLst>
+          </p:cNvPr>
+          <p:cNvPicPr>
+            <a:picLocks noChangeAspect="1"/>
+          </p:cNvPicPr>
+          <p:nvPr/>
+        </p:nvPicPr>
+        <p:blipFill>
+          <a:blip r:embed="rId2"/>
+          <a:stretch>
+            <a:fillRect/>
+          </a:stretch>
+        </p:blipFill>
+        <p:spPr>
+          <a:xfrm>
+            <a:off x="831849" y="1691005"/>
+            <a:ext cx="9321476" cy="4469798"/>
+          </a:xfrm>
+          <a:prstGeom prst="rect">
+            <a:avLst/>
+          </a:prstGeom>
+        </p:spPr>
+      </p:pic>
+    </p:spTree>
+    <p:extLst>
+      <p:ext uri="{BB962C8B-B14F-4D97-AF65-F5344CB8AC3E}">
+        <p14:creationId xmlns:p14="http://schemas.microsoft.com/office/powerpoint/2010/main" val="886382101"/>
+      </p:ext>
+    </p:extLst>
+  </p:cSld>
+  <p:clrMapOvr>
+    <a:masterClrMapping/>
+  </p:clrMapOvr>
+</p:sld>
+</file>
+
+<file path=ppt/slides/slide9.xml><?xml version="1.0" encoding="utf-8"?>
+<p:sld xmlns:a="http://schemas.openxmlformats.org/drawingml/2006/main" xmlns:r="http://schemas.openxmlformats.org/officeDocument/2006/relationships" xmlns:p="http://schemas.openxmlformats.org/presentationml/2006/main">
+  <p:cSld>
+    <p:spTree>
+      <p:nvGrpSpPr>
+        <p:cNvPr id="1" name=""/>
+        <p:cNvGrpSpPr/>
+        <p:nvPr/>
+      </p:nvGrpSpPr>
+      <p:grpSpPr>
+        <a:xfrm>
+          <a:off x="0" y="0"/>
+          <a:ext cx="0" cy="0"/>
+          <a:chOff x="0" y="0"/>
+          <a:chExt cx="0" cy="0"/>
+        </a:xfrm>
+      </p:grpSpPr>
+      <p:sp>
+        <p:nvSpPr>
+          <p:cNvPr id="2" name="Title 1">
+            <a:extLst>
+              <a:ext uri="{FF2B5EF4-FFF2-40B4-BE49-F238E27FC236}">
+                <a16:creationId xmlns:a16="http://schemas.microsoft.com/office/drawing/2014/main" id="{0A32731C-311B-46F7-A865-6C3AF6B09A47}"/>
+              </a:ext>
+            </a:extLst>
+          </p:cNvPr>
+          <p:cNvSpPr>
+            <a:spLocks noGrp="1"/>
+          </p:cNvSpPr>
+          <p:nvPr>
+            <p:ph type="title"/>
+          </p:nvPr>
+        </p:nvSpPr>
+        <p:spPr>
+          <a:xfrm>
+            <a:off x="831849" y="140528"/>
+            <a:ext cx="6887611" cy="517664"/>
+          </a:xfrm>
+        </p:spPr>
+        <p:txBody>
+          <a:bodyPr>
+            <a:normAutofit fontScale="90000"/>
+          </a:bodyPr>
+          <a:lstStyle/>
+          <a:p>
+            <a:r>
+              <a:rPr lang="en-US" sz="2400" dirty="0"/>
+              <a:t>Over THE Argo cd UI – create application</a:t>
+            </a:r>
+          </a:p>
+        </p:txBody>
+      </p:sp>
+      <p:sp>
+        <p:nvSpPr>
+          <p:cNvPr id="3" name="Text Placeholder 2">
+            <a:extLst>
+              <a:ext uri="{FF2B5EF4-FFF2-40B4-BE49-F238E27FC236}">
+                <a16:creationId xmlns:a16="http://schemas.microsoft.com/office/drawing/2014/main" id="{9D5232F9-FD00-464A-9F17-619C91AEF8F3}"/>
+              </a:ext>
+            </a:extLst>
+          </p:cNvPr>
+          <p:cNvSpPr>
+            <a:spLocks noGrp="1"/>
+          </p:cNvSpPr>
+          <p:nvPr>
+            <p:ph type="body" idx="1"/>
+          </p:nvPr>
+        </p:nvSpPr>
+        <p:spPr>
+          <a:xfrm>
+            <a:off x="566943" y="824807"/>
+            <a:ext cx="9895717" cy="5701121"/>
+          </a:xfrm>
+        </p:spPr>
+        <p:txBody>
+          <a:bodyPr>
+            <a:normAutofit/>
+          </a:bodyPr>
+          <a:lstStyle/>
+          <a:p>
+            <a:pPr marL="285750" indent="-285750">
+              <a:buFont typeface="Wingdings" panose="05000000000000000000" pitchFamily="2" charset="2"/>
+              <a:buChar char="q"/>
+            </a:pPr>
+            <a:r>
+              <a:rPr lang="en-US" sz="1600" dirty="0"/>
+              <a:t>On Application -&gt; New App and Input following</a:t>
+            </a:r>
+          </a:p>
+          <a:p>
+            <a:endParaRPr lang="en-US" sz="1600" dirty="0"/>
+          </a:p>
+          <a:p>
+            <a:endParaRPr lang="en-US" sz="1600" dirty="0"/>
+          </a:p>
+          <a:p>
+            <a:endParaRPr lang="en-US" sz="1600" dirty="0"/>
+          </a:p>
+          <a:p>
+            <a:endParaRPr lang="en-US" sz="1600" dirty="0"/>
+          </a:p>
+          <a:p>
+            <a:endParaRPr lang="en-US" sz="1600" dirty="0"/>
+          </a:p>
+          <a:p>
+            <a:endParaRPr lang="en-US" sz="1600" dirty="0"/>
+          </a:p>
+          <a:p>
+            <a:endParaRPr lang="en-US" sz="1600" dirty="0"/>
+          </a:p>
+          <a:p>
+            <a:endParaRPr lang="en-US" sz="1600" dirty="0"/>
+          </a:p>
+          <a:p>
+            <a:endParaRPr lang="en-US" sz="1600" dirty="0"/>
+          </a:p>
+          <a:p>
+            <a:endParaRPr lang="en-US" sz="1600" dirty="0"/>
+          </a:p>
+          <a:p>
+            <a:pPr marL="285750" indent="-285750">
+              <a:buFont typeface="Wingdings" panose="05000000000000000000" pitchFamily="2" charset="2"/>
+              <a:buChar char="q"/>
+            </a:pPr>
+            <a:r>
+              <a:rPr lang="en-US" sz="1600" dirty="0"/>
+              <a:t>Once application is created, do hard refresh and sync</a:t>
+            </a:r>
+          </a:p>
+          <a:p>
+            <a:pPr marL="285750" indent="-285750">
+              <a:buFont typeface="Wingdings" panose="05000000000000000000" pitchFamily="2" charset="2"/>
+              <a:buChar char="q"/>
+            </a:pPr>
+            <a:r>
+              <a:rPr lang="en-US" sz="1600" dirty="0"/>
+              <a:t>Ensure docker login on host</a:t>
+            </a:r>
+          </a:p>
+          <a:p>
+            <a:pPr marL="285750" indent="-285750">
+              <a:buFont typeface="Wingdings" panose="05000000000000000000" pitchFamily="2" charset="2"/>
+              <a:buChar char="q"/>
+            </a:pPr>
+            <a:r>
+              <a:rPr lang="en-US" sz="1600" dirty="0"/>
+              <a:t>Also ensure to turn off ZScaler</a:t>
+            </a:r>
+          </a:p>
+          <a:p>
+            <a:endParaRPr lang="en-US" dirty="0">
+              <a:solidFill>
+                <a:srgbClr val="7030A0"/>
+              </a:solidFill>
+              <a:latin typeface="Abadi" panose="020B0604020104020204" pitchFamily="34" charset="0"/>
+            </a:endParaRPr>
+          </a:p>
+        </p:txBody>
+      </p:sp>
+      <p:sp>
+        <p:nvSpPr>
+          <p:cNvPr id="4" name="Date Placeholder 3">
+            <a:extLst>
+              <a:ext uri="{FF2B5EF4-FFF2-40B4-BE49-F238E27FC236}">
+                <a16:creationId xmlns:a16="http://schemas.microsoft.com/office/drawing/2014/main" id="{70E12647-CCB2-45E2-A9CB-A868F490497E}"/>
+              </a:ext>
+            </a:extLst>
+          </p:cNvPr>
+          <p:cNvSpPr>
+            <a:spLocks noGrp="1"/>
+          </p:cNvSpPr>
+          <p:nvPr>
+            <p:ph type="dt" sz="half" idx="10"/>
+          </p:nvPr>
+        </p:nvSpPr>
+        <p:spPr>
+          <a:xfrm>
+            <a:off x="838200" y="6356350"/>
+            <a:ext cx="1219200" cy="365125"/>
+          </a:xfrm>
+        </p:spPr>
+        <p:txBody>
+          <a:bodyPr/>
+          <a:lstStyle/>
+          <a:p>
+            <a:r>
+              <a:rPr lang="en-US" dirty="0"/>
+              <a:t>2023</a:t>
+            </a:r>
+          </a:p>
+        </p:txBody>
+      </p:sp>
+      <p:sp>
+        <p:nvSpPr>
+          <p:cNvPr id="6" name="Slide Number Placeholder 5">
+            <a:extLst>
+              <a:ext uri="{FF2B5EF4-FFF2-40B4-BE49-F238E27FC236}">
+                <a16:creationId xmlns:a16="http://schemas.microsoft.com/office/drawing/2014/main" id="{7BC1787E-7110-4989-B0B8-DD4E0ACC09DF}"/>
+              </a:ext>
+            </a:extLst>
+          </p:cNvPr>
+          <p:cNvSpPr>
+            <a:spLocks noGrp="1"/>
+          </p:cNvSpPr>
+          <p:nvPr>
+            <p:ph type="sldNum" sz="quarter" idx="12"/>
+          </p:nvPr>
+        </p:nvSpPr>
+        <p:spPr>
+          <a:xfrm>
+            <a:off x="8610600" y="6356350"/>
+            <a:ext cx="2743200" cy="365125"/>
+          </a:xfrm>
+        </p:spPr>
+        <p:txBody>
+          <a:bodyPr/>
+          <a:lstStyle/>
+          <a:p>
+            <a:fld id="{A49DFD55-3C28-40EF-9E31-A92D2E4017FF}" type="slidenum">
+              <a:rPr lang="en-US" smtClean="0"/>
+              <a:pPr/>
+              <a:t>9</a:t>
             </a:fld>
             <a:endParaRPr lang="en-US" dirty="0"/>
           </a:p>
@@ -11894,388 +12528,6 @@
     <p:extLst>
       <p:ext uri="{BB962C8B-B14F-4D97-AF65-F5344CB8AC3E}">
         <p14:creationId xmlns:p14="http://schemas.microsoft.com/office/powerpoint/2010/main" val="448784997"/>
-      </p:ext>
-    </p:extLst>
-  </p:cSld>
-  <p:clrMapOvr>
-    <a:masterClrMapping/>
-  </p:clrMapOvr>
-</p:sld>
-</file>
-
-<file path=ppt/slides/slide8.xml><?xml version="1.0" encoding="utf-8"?>
-<p:sld xmlns:a="http://schemas.openxmlformats.org/drawingml/2006/main" xmlns:r="http://schemas.openxmlformats.org/officeDocument/2006/relationships" xmlns:p="http://schemas.openxmlformats.org/presentationml/2006/main">
-  <p:cSld>
-    <p:spTree>
-      <p:nvGrpSpPr>
-        <p:cNvPr id="1" name=""/>
-        <p:cNvGrpSpPr/>
-        <p:nvPr/>
-      </p:nvGrpSpPr>
-      <p:grpSpPr>
-        <a:xfrm>
-          <a:off x="0" y="0"/>
-          <a:ext cx="0" cy="0"/>
-          <a:chOff x="0" y="0"/>
-          <a:chExt cx="0" cy="0"/>
-        </a:xfrm>
-      </p:grpSpPr>
-      <p:sp>
-        <p:nvSpPr>
-          <p:cNvPr id="2" name="Title 1">
-            <a:extLst>
-              <a:ext uri="{FF2B5EF4-FFF2-40B4-BE49-F238E27FC236}">
-                <a16:creationId xmlns:a16="http://schemas.microsoft.com/office/drawing/2014/main" id="{0A32731C-311B-46F7-A865-6C3AF6B09A47}"/>
-              </a:ext>
-            </a:extLst>
-          </p:cNvPr>
-          <p:cNvSpPr>
-            <a:spLocks noGrp="1"/>
-          </p:cNvSpPr>
-          <p:nvPr>
-            <p:ph type="title"/>
-          </p:nvPr>
-        </p:nvSpPr>
-        <p:spPr>
-          <a:xfrm>
-            <a:off x="831850" y="140528"/>
-            <a:ext cx="5111750" cy="517664"/>
-          </a:xfrm>
-        </p:spPr>
-        <p:txBody>
-          <a:bodyPr>
-            <a:normAutofit/>
-          </a:bodyPr>
-          <a:lstStyle/>
-          <a:p>
-            <a:r>
-              <a:rPr lang="en-US" sz="2400" dirty="0"/>
-              <a:t>Continuous deployment</a:t>
-            </a:r>
-          </a:p>
-        </p:txBody>
-      </p:sp>
-      <p:sp>
-        <p:nvSpPr>
-          <p:cNvPr id="3" name="Text Placeholder 2">
-            <a:extLst>
-              <a:ext uri="{FF2B5EF4-FFF2-40B4-BE49-F238E27FC236}">
-                <a16:creationId xmlns:a16="http://schemas.microsoft.com/office/drawing/2014/main" id="{9D5232F9-FD00-464A-9F17-619C91AEF8F3}"/>
-              </a:ext>
-            </a:extLst>
-          </p:cNvPr>
-          <p:cNvSpPr>
-            <a:spLocks noGrp="1"/>
-          </p:cNvSpPr>
-          <p:nvPr>
-            <p:ph type="body" idx="1"/>
-          </p:nvPr>
-        </p:nvSpPr>
-        <p:spPr>
-          <a:xfrm>
-            <a:off x="566944" y="824807"/>
-            <a:ext cx="11012248" cy="4623091"/>
-          </a:xfrm>
-        </p:spPr>
-        <p:txBody>
-          <a:bodyPr>
-            <a:normAutofit/>
-          </a:bodyPr>
-          <a:lstStyle/>
-          <a:p>
-            <a:pPr marL="285750" indent="-285750">
-              <a:buFont typeface="Wingdings" panose="05000000000000000000" pitchFamily="2" charset="2"/>
-              <a:buChar char="q"/>
-            </a:pPr>
-            <a:r>
-              <a:rPr lang="en-US" sz="1800" dirty="0"/>
-              <a:t>Continuous integration was discussed during Jenkins demo</a:t>
-            </a:r>
-          </a:p>
-          <a:p>
-            <a:pPr marL="285750" indent="-285750">
-              <a:buFont typeface="Wingdings" panose="05000000000000000000" pitchFamily="2" charset="2"/>
-              <a:buChar char="q"/>
-            </a:pPr>
-            <a:r>
-              <a:rPr lang="en-US" sz="1800" dirty="0"/>
-              <a:t>The CI will create a docker image and place it in docker hub</a:t>
-            </a:r>
-          </a:p>
-          <a:p>
-            <a:pPr marL="285750" indent="-285750">
-              <a:buFont typeface="Wingdings" panose="05000000000000000000" pitchFamily="2" charset="2"/>
-              <a:buChar char="q"/>
-            </a:pPr>
-            <a:r>
-              <a:rPr lang="en-US" sz="1800" dirty="0"/>
-              <a:t>Now application should be auto deployed with new docker image.</a:t>
-            </a:r>
-          </a:p>
-          <a:p>
-            <a:pPr marL="285750" indent="-285750">
-              <a:buFont typeface="Wingdings" panose="05000000000000000000" pitchFamily="2" charset="2"/>
-              <a:buChar char="q"/>
-            </a:pPr>
-            <a:r>
-              <a:rPr lang="en-US" sz="1800" dirty="0"/>
-              <a:t>Run Jenkins with ngrok</a:t>
-            </a:r>
-          </a:p>
-          <a:p>
-            <a:pPr marL="285750" indent="-285750">
-              <a:buFont typeface="Wingdings" panose="05000000000000000000" pitchFamily="2" charset="2"/>
-              <a:buChar char="q"/>
-            </a:pPr>
-            <a:r>
-              <a:rPr lang="en-US" sz="1800" dirty="0"/>
-              <a:t>Update webhook URL on argocd-all GitHub settings</a:t>
-            </a:r>
-          </a:p>
-          <a:p>
-            <a:pPr marL="285750" indent="-285750">
-              <a:buFont typeface="Wingdings" panose="05000000000000000000" pitchFamily="2" charset="2"/>
-              <a:buChar char="q"/>
-            </a:pPr>
-            <a:r>
-              <a:rPr lang="en-US" sz="1800" dirty="0"/>
-              <a:t>Create a pipeline (argocd_all_pipeline), for code branch and Jenkinsfile, therein</a:t>
-            </a:r>
-          </a:p>
-          <a:p>
-            <a:pPr marL="285750" indent="-285750">
-              <a:lnSpc>
-                <a:spcPct val="110000"/>
-              </a:lnSpc>
-              <a:buFont typeface="Wingdings" panose="05000000000000000000" pitchFamily="2" charset="2"/>
-              <a:buChar char="q"/>
-            </a:pPr>
-            <a:r>
-              <a:rPr lang="en-US" sz="1800" dirty="0"/>
-              <a:t>Now update the new image version at - </a:t>
-            </a:r>
-          </a:p>
-          <a:p>
-            <a:pPr>
-              <a:lnSpc>
-                <a:spcPct val="110000"/>
-              </a:lnSpc>
-            </a:pPr>
-            <a:r>
-              <a:rPr lang="en-US" sz="1500" dirty="0">
-                <a:solidFill>
-                  <a:srgbClr val="7030A0"/>
-                </a:solidFill>
-                <a:latin typeface="Abadi" panose="020B0604020104020204" pitchFamily="34" charset="0"/>
-              </a:rPr>
-              <a:t>resources/nodeapp/templates/01-deployments/nodeapp_deployment.yaml</a:t>
-            </a:r>
-          </a:p>
-          <a:p>
-            <a:pPr marL="285750" indent="-285750">
-              <a:lnSpc>
-                <a:spcPct val="110000"/>
-              </a:lnSpc>
-              <a:buFont typeface="Wingdings" panose="05000000000000000000" pitchFamily="2" charset="2"/>
-              <a:buChar char="q"/>
-            </a:pPr>
-            <a:r>
-              <a:rPr lang="en-US" sz="1800" dirty="0"/>
-              <a:t>The application will be auto deployed in sometime</a:t>
-            </a:r>
-          </a:p>
-          <a:p>
-            <a:pPr>
-              <a:spcBef>
-                <a:spcPts val="0"/>
-              </a:spcBef>
-            </a:pPr>
-            <a:endParaRPr lang="pt-BR" sz="1500" dirty="0">
-              <a:solidFill>
-                <a:srgbClr val="7030A0"/>
-              </a:solidFill>
-              <a:latin typeface="Abadi" panose="020B0604020104020204" pitchFamily="34" charset="0"/>
-            </a:endParaRPr>
-          </a:p>
-          <a:p>
-            <a:pPr>
-              <a:spcBef>
-                <a:spcPts val="0"/>
-              </a:spcBef>
-            </a:pPr>
-            <a:endParaRPr lang="en-US" sz="1500" dirty="0">
-              <a:solidFill>
-                <a:srgbClr val="7030A0"/>
-              </a:solidFill>
-              <a:latin typeface="Abadi" panose="020B0604020104020204" pitchFamily="34" charset="0"/>
-            </a:endParaRPr>
-          </a:p>
-          <a:p>
-            <a:pPr>
-              <a:spcBef>
-                <a:spcPts val="0"/>
-              </a:spcBef>
-            </a:pPr>
-            <a:r>
-              <a:rPr lang="en-US" dirty="0">
-                <a:solidFill>
-                  <a:srgbClr val="7030A0"/>
-                </a:solidFill>
-                <a:latin typeface="Abadi" panose="020B0604020104020204" pitchFamily="34" charset="0"/>
-                <a:hlinkClick r:id="rId2">
-                  <a:extLst>
-                    <a:ext uri="{A12FA001-AC4F-418D-AE19-62706E023703}">
-                      <ahyp:hlinkClr xmlns:ahyp="http://schemas.microsoft.com/office/drawing/2018/hyperlinkcolor" val="tx"/>
-                    </a:ext>
-                  </a:extLst>
-                </a:hlinkClick>
-              </a:rPr>
-              <a:t>     </a:t>
-            </a:r>
-            <a:endParaRPr lang="en-US" dirty="0">
-              <a:solidFill>
-                <a:srgbClr val="7030A0"/>
-              </a:solidFill>
-              <a:latin typeface="Abadi" panose="020B0604020104020204" pitchFamily="34" charset="0"/>
-            </a:endParaRPr>
-          </a:p>
-        </p:txBody>
-      </p:sp>
-      <p:sp>
-        <p:nvSpPr>
-          <p:cNvPr id="4" name="Date Placeholder 3">
-            <a:extLst>
-              <a:ext uri="{FF2B5EF4-FFF2-40B4-BE49-F238E27FC236}">
-                <a16:creationId xmlns:a16="http://schemas.microsoft.com/office/drawing/2014/main" id="{70E12647-CCB2-45E2-A9CB-A868F490497E}"/>
-              </a:ext>
-            </a:extLst>
-          </p:cNvPr>
-          <p:cNvSpPr>
-            <a:spLocks noGrp="1"/>
-          </p:cNvSpPr>
-          <p:nvPr>
-            <p:ph type="dt" sz="half" idx="10"/>
-          </p:nvPr>
-        </p:nvSpPr>
-        <p:spPr>
-          <a:xfrm>
-            <a:off x="838200" y="6356350"/>
-            <a:ext cx="1219200" cy="365125"/>
-          </a:xfrm>
-        </p:spPr>
-        <p:txBody>
-          <a:bodyPr/>
-          <a:lstStyle/>
-          <a:p>
-            <a:r>
-              <a:rPr lang="en-US" dirty="0"/>
-              <a:t>2023</a:t>
-            </a:r>
-          </a:p>
-        </p:txBody>
-      </p:sp>
-      <p:sp>
-        <p:nvSpPr>
-          <p:cNvPr id="6" name="Slide Number Placeholder 5">
-            <a:extLst>
-              <a:ext uri="{FF2B5EF4-FFF2-40B4-BE49-F238E27FC236}">
-                <a16:creationId xmlns:a16="http://schemas.microsoft.com/office/drawing/2014/main" id="{7BC1787E-7110-4989-B0B8-DD4E0ACC09DF}"/>
-              </a:ext>
-            </a:extLst>
-          </p:cNvPr>
-          <p:cNvSpPr>
-            <a:spLocks noGrp="1"/>
-          </p:cNvSpPr>
-          <p:nvPr>
-            <p:ph type="sldNum" sz="quarter" idx="12"/>
-          </p:nvPr>
-        </p:nvSpPr>
-        <p:spPr>
-          <a:xfrm>
-            <a:off x="8610600" y="6356350"/>
-            <a:ext cx="2743200" cy="365125"/>
-          </a:xfrm>
-        </p:spPr>
-        <p:txBody>
-          <a:bodyPr/>
-          <a:lstStyle/>
-          <a:p>
-            <a:fld id="{A49DFD55-3C28-40EF-9E31-A92D2E4017FF}" type="slidenum">
-              <a:rPr lang="en-US" smtClean="0"/>
-              <a:pPr/>
-              <a:t>8</a:t>
-            </a:fld>
-            <a:endParaRPr lang="en-US" dirty="0"/>
-          </a:p>
-        </p:txBody>
-      </p:sp>
-    </p:spTree>
-    <p:extLst>
-      <p:ext uri="{BB962C8B-B14F-4D97-AF65-F5344CB8AC3E}">
-        <p14:creationId xmlns:p14="http://schemas.microsoft.com/office/powerpoint/2010/main" val="2241385837"/>
-      </p:ext>
-    </p:extLst>
-  </p:cSld>
-  <p:clrMapOvr>
-    <a:masterClrMapping/>
-  </p:clrMapOvr>
-</p:sld>
-</file>
-
-<file path=ppt/slides/slide9.xml><?xml version="1.0" encoding="utf-8"?>
-<p:sld xmlns:a="http://schemas.openxmlformats.org/drawingml/2006/main" xmlns:r="http://schemas.openxmlformats.org/officeDocument/2006/relationships" xmlns:p="http://schemas.openxmlformats.org/presentationml/2006/main">
-  <p:cSld>
-    <p:spTree>
-      <p:nvGrpSpPr>
-        <p:cNvPr id="1" name=""/>
-        <p:cNvGrpSpPr/>
-        <p:nvPr/>
-      </p:nvGrpSpPr>
-      <p:grpSpPr>
-        <a:xfrm>
-          <a:off x="0" y="0"/>
-          <a:ext cx="0" cy="0"/>
-          <a:chOff x="0" y="0"/>
-          <a:chExt cx="0" cy="0"/>
-        </a:xfrm>
-      </p:grpSpPr>
-      <p:sp>
-        <p:nvSpPr>
-          <p:cNvPr id="2" name="Title 1">
-            <a:extLst>
-              <a:ext uri="{FF2B5EF4-FFF2-40B4-BE49-F238E27FC236}">
-                <a16:creationId xmlns:a16="http://schemas.microsoft.com/office/drawing/2014/main" id="{B1FE5F11-B7B9-4B80-8C6A-A8A7A7190B77}"/>
-              </a:ext>
-            </a:extLst>
-          </p:cNvPr>
-          <p:cNvSpPr>
-            <a:spLocks noGrp="1"/>
-          </p:cNvSpPr>
-          <p:nvPr>
-            <p:ph type="ctrTitle"/>
-          </p:nvPr>
-        </p:nvSpPr>
-        <p:spPr>
-          <a:xfrm>
-            <a:off x="6991350" y="2148840"/>
-            <a:ext cx="4179570" cy="1715531"/>
-          </a:xfrm>
-        </p:spPr>
-        <p:txBody>
-          <a:bodyPr/>
-          <a:lstStyle/>
-          <a:p>
-            <a:r>
-              <a:rPr lang="en-US" dirty="0"/>
-              <a:t>ARGO</a:t>
-            </a:r>
-          </a:p>
-        </p:txBody>
-      </p:sp>
-    </p:spTree>
-    <p:extLst>
-      <p:ext uri="{BB962C8B-B14F-4D97-AF65-F5344CB8AC3E}">
-        <p14:creationId xmlns:p14="http://schemas.microsoft.com/office/powerpoint/2010/main" val="379728094"/>
       </p:ext>
     </p:extLst>
   </p:cSld>
